--- a/media/Panzer Party.pptx
+++ b/media/Panzer Party.pptx
@@ -8,6 +8,8 @@
     <p:sldId id="261" r:id="rId2"/>
     <p:sldId id="262" r:id="rId3"/>
     <p:sldId id="264" r:id="rId4"/>
+    <p:sldId id="265" r:id="rId5"/>
+    <p:sldId id="266" r:id="rId6"/>
   </p:sldIdLst>
   <p:sldSz cx="12192000" cy="6858000"/>
   <p:notesSz cx="6858000" cy="9144000"/>
@@ -114,12 +116,268 @@
 </p:presentation>
 </file>
 
+<file path=ppt/commentAuthors.xml><?xml version="1.0" encoding="utf-8"?>
+<p:cmAuthorLst xmlns:a="http://schemas.openxmlformats.org/drawingml/2006/main" xmlns:r="http://schemas.openxmlformats.org/officeDocument/2006/relationships" xmlns:p="http://schemas.openxmlformats.org/presentationml/2006/main">
+  <p:cmAuthor id="1" name="Max Meuten" initials="MM" lastIdx="1" clrIdx="0">
+    <p:extLst>
+      <p:ext uri="{19B8F6BF-5375-455C-9EA6-DF929625EA0E}">
+        <p15:presenceInfo xmlns:p15="http://schemas.microsoft.com/office/powerpoint/2012/main" userId="1b66fd4c7ecdcb99" providerId="Windows Live"/>
+      </p:ext>
+    </p:extLst>
+  </p:cmAuthor>
+</p:cmAuthorLst>
+</file>
+
 <file path=ppt/revisionInfo.xml><?xml version="1.0" encoding="utf-8"?>
 <p1510:revInfo xmlns:a="http://schemas.openxmlformats.org/drawingml/2006/main" xmlns:r="http://schemas.openxmlformats.org/officeDocument/2006/relationships" xmlns:p1510="http://schemas.microsoft.com/office/powerpoint/2015/10/main">
   <p1510:revLst>
     <p1510:client id="{2142F0FC-25CE-40AD-8CFF-6ED6C3083B6E}" v="120" dt="2018-09-07T20:47:18.275"/>
+    <p1510:client id="{5634777E-6FEB-4230-B8E3-6F6C6D766434}" v="389" dt="2018-09-08T11:07:37.063"/>
   </p1510:revLst>
 </p1510:revInfo>
+</file>
+
+<file path=ppt/changesInfos/changesInfo1.xml><?xml version="1.0" encoding="utf-8"?>
+<pc:chgInfo xmlns:a="http://schemas.openxmlformats.org/drawingml/2006/main" xmlns:r="http://schemas.openxmlformats.org/officeDocument/2006/relationships" xmlns:ac="http://schemas.microsoft.com/office/drawing/2013/main/command" xmlns:pc="http://schemas.microsoft.com/office/powerpoint/2013/main/command">
+  <pc:docChgLst>
+    <pc:chgData name="Max Meuten" userId="1b66fd4c7ecdcb99" providerId="LiveId" clId="{5634777E-6FEB-4230-B8E3-6F6C6D766434}"/>
+    <pc:docChg chg="undo redo custSel addSld modSld">
+      <pc:chgData name="Max Meuten" userId="1b66fd4c7ecdcb99" providerId="LiveId" clId="{5634777E-6FEB-4230-B8E3-6F6C6D766434}" dt="2018-09-08T11:07:03.355" v="382"/>
+      <pc:docMkLst>
+        <pc:docMk/>
+      </pc:docMkLst>
+      <pc:sldChg chg="modSp">
+        <pc:chgData name="Max Meuten" userId="1b66fd4c7ecdcb99" providerId="LiveId" clId="{5634777E-6FEB-4230-B8E3-6F6C6D766434}" dt="2018-09-07T21:30:02.660" v="5"/>
+        <pc:sldMkLst>
+          <pc:docMk/>
+          <pc:sldMk cId="3636437148" sldId="264"/>
+        </pc:sldMkLst>
+        <pc:spChg chg="mod">
+          <ac:chgData name="Max Meuten" userId="1b66fd4c7ecdcb99" providerId="LiveId" clId="{5634777E-6FEB-4230-B8E3-6F6C6D766434}" dt="2018-09-07T21:30:02.660" v="5"/>
+          <ac:spMkLst>
+            <pc:docMk/>
+            <pc:sldMk cId="3636437148" sldId="264"/>
+            <ac:spMk id="26" creationId="{3EEA3DCB-23E2-4133-BDC7-1F1C324CCA81}"/>
+          </ac:spMkLst>
+        </pc:spChg>
+      </pc:sldChg>
+      <pc:sldChg chg="addSp delSp modSp add">
+        <pc:chgData name="Max Meuten" userId="1b66fd4c7ecdcb99" providerId="LiveId" clId="{5634777E-6FEB-4230-B8E3-6F6C6D766434}" dt="2018-09-08T01:09:56.580" v="379" actId="14826"/>
+        <pc:sldMkLst>
+          <pc:docMk/>
+          <pc:sldMk cId="127925174" sldId="265"/>
+        </pc:sldMkLst>
+        <pc:spChg chg="mod">
+          <ac:chgData name="Max Meuten" userId="1b66fd4c7ecdcb99" providerId="LiveId" clId="{5634777E-6FEB-4230-B8E3-6F6C6D766434}" dt="2018-09-07T21:57:22.270" v="211" actId="1035"/>
+          <ac:spMkLst>
+            <pc:docMk/>
+            <pc:sldMk cId="127925174" sldId="265"/>
+            <ac:spMk id="2" creationId="{FD50216E-3DF2-49AD-BEB7-75E1F50623B6}"/>
+          </ac:spMkLst>
+        </pc:spChg>
+        <pc:spChg chg="mod">
+          <ac:chgData name="Max Meuten" userId="1b66fd4c7ecdcb99" providerId="LiveId" clId="{5634777E-6FEB-4230-B8E3-6F6C6D766434}" dt="2018-09-08T00:55:18.551" v="374" actId="1037"/>
+          <ac:spMkLst>
+            <pc:docMk/>
+            <pc:sldMk cId="127925174" sldId="265"/>
+            <ac:spMk id="4" creationId="{F876528C-AA37-4178-9058-43DEB5276211}"/>
+          </ac:spMkLst>
+        </pc:spChg>
+        <pc:spChg chg="mod">
+          <ac:chgData name="Max Meuten" userId="1b66fd4c7ecdcb99" providerId="LiveId" clId="{5634777E-6FEB-4230-B8E3-6F6C6D766434}" dt="2018-09-08T00:55:12.186" v="372" actId="1038"/>
+          <ac:spMkLst>
+            <pc:docMk/>
+            <pc:sldMk cId="127925174" sldId="265"/>
+            <ac:spMk id="12" creationId="{C7210E9D-D622-4E20-9528-27E49C029A39}"/>
+          </ac:spMkLst>
+        </pc:spChg>
+        <pc:spChg chg="del">
+          <ac:chgData name="Max Meuten" userId="1b66fd4c7ecdcb99" providerId="LiveId" clId="{5634777E-6FEB-4230-B8E3-6F6C6D766434}" dt="2018-09-07T21:53:12.349" v="16" actId="478"/>
+          <ac:spMkLst>
+            <pc:docMk/>
+            <pc:sldMk cId="127925174" sldId="265"/>
+            <ac:spMk id="15" creationId="{04029AD0-5D90-4BD8-8296-B44F62EDB8E4}"/>
+          </ac:spMkLst>
+        </pc:spChg>
+        <pc:spChg chg="mod">
+          <ac:chgData name="Max Meuten" userId="1b66fd4c7ecdcb99" providerId="LiveId" clId="{5634777E-6FEB-4230-B8E3-6F6C6D766434}" dt="2018-09-08T00:54:59.813" v="360" actId="1037"/>
+          <ac:spMkLst>
+            <pc:docMk/>
+            <pc:sldMk cId="127925174" sldId="265"/>
+            <ac:spMk id="16" creationId="{87309DD0-9CF9-4B80-BB7C-BAA2167F64B1}"/>
+          </ac:spMkLst>
+        </pc:spChg>
+        <pc:spChg chg="mod">
+          <ac:chgData name="Max Meuten" userId="1b66fd4c7ecdcb99" providerId="LiveId" clId="{5634777E-6FEB-4230-B8E3-6F6C6D766434}" dt="2018-09-08T00:55:04.076" v="364" actId="1037"/>
+          <ac:spMkLst>
+            <pc:docMk/>
+            <pc:sldMk cId="127925174" sldId="265"/>
+            <ac:spMk id="20" creationId="{2CF1C19A-7684-4FE6-AA6C-7D2C3F820D64}"/>
+          </ac:spMkLst>
+        </pc:spChg>
+        <pc:spChg chg="mod">
+          <ac:chgData name="Max Meuten" userId="1b66fd4c7ecdcb99" providerId="LiveId" clId="{5634777E-6FEB-4230-B8E3-6F6C6D766434}" dt="2018-09-08T00:55:21.850" v="378" actId="1037"/>
+          <ac:spMkLst>
+            <pc:docMk/>
+            <pc:sldMk cId="127925174" sldId="265"/>
+            <ac:spMk id="21" creationId="{B74D88FB-BF84-4E59-B034-72D592A0DC5F}"/>
+          </ac:spMkLst>
+        </pc:spChg>
+        <pc:spChg chg="mod">
+          <ac:chgData name="Max Meuten" userId="1b66fd4c7ecdcb99" providerId="LiveId" clId="{5634777E-6FEB-4230-B8E3-6F6C6D766434}" dt="2018-09-07T22:18:58.092" v="348" actId="207"/>
+          <ac:spMkLst>
+            <pc:docMk/>
+            <pc:sldMk cId="127925174" sldId="265"/>
+            <ac:spMk id="22" creationId="{2DE8C402-2765-4CE4-81E5-D224025D565C}"/>
+          </ac:spMkLst>
+        </pc:spChg>
+        <pc:spChg chg="del">
+          <ac:chgData name="Max Meuten" userId="1b66fd4c7ecdcb99" providerId="LiveId" clId="{5634777E-6FEB-4230-B8E3-6F6C6D766434}" dt="2018-09-07T21:53:05.209" v="10" actId="478"/>
+          <ac:spMkLst>
+            <pc:docMk/>
+            <pc:sldMk cId="127925174" sldId="265"/>
+            <ac:spMk id="24" creationId="{CE095D9A-3339-4137-9A8E-9D8134C4F361}"/>
+          </ac:spMkLst>
+        </pc:spChg>
+        <pc:spChg chg="mod">
+          <ac:chgData name="Max Meuten" userId="1b66fd4c7ecdcb99" providerId="LiveId" clId="{5634777E-6FEB-4230-B8E3-6F6C6D766434}" dt="2018-09-07T22:08:42.531" v="319" actId="14100"/>
+          <ac:spMkLst>
+            <pc:docMk/>
+            <pc:sldMk cId="127925174" sldId="265"/>
+            <ac:spMk id="26" creationId="{3EEA3DCB-23E2-4133-BDC7-1F1C324CCA81}"/>
+          </ac:spMkLst>
+        </pc:spChg>
+        <pc:spChg chg="del">
+          <ac:chgData name="Max Meuten" userId="1b66fd4c7ecdcb99" providerId="LiveId" clId="{5634777E-6FEB-4230-B8E3-6F6C6D766434}" dt="2018-09-07T21:53:08.175" v="12" actId="478"/>
+          <ac:spMkLst>
+            <pc:docMk/>
+            <pc:sldMk cId="127925174" sldId="265"/>
+            <ac:spMk id="27" creationId="{49589D95-07C0-4996-90D4-F107D3E71625}"/>
+          </ac:spMkLst>
+        </pc:spChg>
+        <pc:spChg chg="del">
+          <ac:chgData name="Max Meuten" userId="1b66fd4c7ecdcb99" providerId="LiveId" clId="{5634777E-6FEB-4230-B8E3-6F6C6D766434}" dt="2018-09-07T21:53:10.592" v="15" actId="478"/>
+          <ac:spMkLst>
+            <pc:docMk/>
+            <pc:sldMk cId="127925174" sldId="265"/>
+            <ac:spMk id="28" creationId="{EBBD78B3-DD94-4927-9432-BCB31A90F0C9}"/>
+          </ac:spMkLst>
+        </pc:spChg>
+        <pc:spChg chg="del">
+          <ac:chgData name="Max Meuten" userId="1b66fd4c7ecdcb99" providerId="LiveId" clId="{5634777E-6FEB-4230-B8E3-6F6C6D766434}" dt="2018-09-07T21:53:34.416" v="21" actId="478"/>
+          <ac:spMkLst>
+            <pc:docMk/>
+            <pc:sldMk cId="127925174" sldId="265"/>
+            <ac:spMk id="29" creationId="{08E5EC55-6B31-4422-8D0E-ECA92CEF0308}"/>
+          </ac:spMkLst>
+        </pc:spChg>
+        <pc:spChg chg="del">
+          <ac:chgData name="Max Meuten" userId="1b66fd4c7ecdcb99" providerId="LiveId" clId="{5634777E-6FEB-4230-B8E3-6F6C6D766434}" dt="2018-09-07T21:53:09.117" v="14" actId="478"/>
+          <ac:spMkLst>
+            <pc:docMk/>
+            <pc:sldMk cId="127925174" sldId="265"/>
+            <ac:spMk id="30" creationId="{0F95E0FC-F7C3-43AD-AD2A-14CFEB15A029}"/>
+          </ac:spMkLst>
+        </pc:spChg>
+        <pc:spChg chg="del">
+          <ac:chgData name="Max Meuten" userId="1b66fd4c7ecdcb99" providerId="LiveId" clId="{5634777E-6FEB-4230-B8E3-6F6C6D766434}" dt="2018-09-07T21:53:06.657" v="11" actId="478"/>
+          <ac:spMkLst>
+            <pc:docMk/>
+            <pc:sldMk cId="127925174" sldId="265"/>
+            <ac:spMk id="31" creationId="{6A58A6BB-56F4-4E23-AEB3-8773C7C82FED}"/>
+          </ac:spMkLst>
+        </pc:spChg>
+        <pc:spChg chg="del">
+          <ac:chgData name="Max Meuten" userId="1b66fd4c7ecdcb99" providerId="LiveId" clId="{5634777E-6FEB-4230-B8E3-6F6C6D766434}" dt="2018-09-07T21:53:08.418" v="13" actId="478"/>
+          <ac:spMkLst>
+            <pc:docMk/>
+            <pc:sldMk cId="127925174" sldId="265"/>
+            <ac:spMk id="32" creationId="{B6473569-8602-4564-8B30-F6D9976C0A90}"/>
+          </ac:spMkLst>
+        </pc:spChg>
+        <pc:spChg chg="del">
+          <ac:chgData name="Max Meuten" userId="1b66fd4c7ecdcb99" providerId="LiveId" clId="{5634777E-6FEB-4230-B8E3-6F6C6D766434}" dt="2018-09-07T21:57:35.727" v="212" actId="478"/>
+          <ac:spMkLst>
+            <pc:docMk/>
+            <pc:sldMk cId="127925174" sldId="265"/>
+            <ac:spMk id="33" creationId="{2D5895D4-80F1-4023-986A-A632313171BA}"/>
+          </ac:spMkLst>
+        </pc:spChg>
+        <pc:graphicFrameChg chg="add del mod ord">
+          <ac:chgData name="Max Meuten" userId="1b66fd4c7ecdcb99" providerId="LiveId" clId="{5634777E-6FEB-4230-B8E3-6F6C6D766434}" dt="2018-09-07T22:07:32.029" v="225" actId="478"/>
+          <ac:graphicFrameMkLst>
+            <pc:docMk/>
+            <pc:sldMk cId="127925174" sldId="265"/>
+            <ac:graphicFrameMk id="6" creationId="{200A7437-9B32-44BE-8BCA-D70372991DE9}"/>
+          </ac:graphicFrameMkLst>
+        </pc:graphicFrameChg>
+        <pc:picChg chg="mod">
+          <ac:chgData name="Max Meuten" userId="1b66fd4c7ecdcb99" providerId="LiveId" clId="{5634777E-6FEB-4230-B8E3-6F6C6D766434}" dt="2018-09-07T22:07:56.493" v="289" actId="1035"/>
+          <ac:picMkLst>
+            <pc:docMk/>
+            <pc:sldMk cId="127925174" sldId="265"/>
+            <ac:picMk id="3" creationId="{FAB2DFFB-9574-48A1-B6DA-817864161632}"/>
+          </ac:picMkLst>
+        </pc:picChg>
+        <pc:picChg chg="add del">
+          <ac:chgData name="Max Meuten" userId="1b66fd4c7ecdcb99" providerId="LiveId" clId="{5634777E-6FEB-4230-B8E3-6F6C6D766434}" dt="2018-09-07T21:53:04.052" v="9" actId="478"/>
+          <ac:picMkLst>
+            <pc:docMk/>
+            <pc:sldMk cId="127925174" sldId="265"/>
+            <ac:picMk id="5" creationId="{5F9172F3-A5CF-4B8A-9076-6409FD580A9E}"/>
+          </ac:picMkLst>
+        </pc:picChg>
+        <pc:picChg chg="add del mod ord">
+          <ac:chgData name="Max Meuten" userId="1b66fd4c7ecdcb99" providerId="LiveId" clId="{5634777E-6FEB-4230-B8E3-6F6C6D766434}" dt="2018-09-07T22:07:25.688" v="222"/>
+          <ac:picMkLst>
+            <pc:docMk/>
+            <pc:sldMk cId="127925174" sldId="265"/>
+            <ac:picMk id="8" creationId="{19A1442D-D099-47FF-B769-647ECA0EFBA9}"/>
+          </ac:picMkLst>
+        </pc:picChg>
+        <pc:picChg chg="add mod ord">
+          <ac:chgData name="Max Meuten" userId="1b66fd4c7ecdcb99" providerId="LiveId" clId="{5634777E-6FEB-4230-B8E3-6F6C6D766434}" dt="2018-09-07T22:07:38.188" v="228" actId="167"/>
+          <ac:picMkLst>
+            <pc:docMk/>
+            <pc:sldMk cId="127925174" sldId="265"/>
+            <ac:picMk id="10" creationId="{B587F85C-8F9F-47FD-A257-72B7A98E8ACC}"/>
+          </ac:picMkLst>
+        </pc:picChg>
+        <pc:picChg chg="del">
+          <ac:chgData name="Max Meuten" userId="1b66fd4c7ecdcb99" providerId="LiveId" clId="{5634777E-6FEB-4230-B8E3-6F6C6D766434}" dt="2018-09-07T21:53:03.457" v="8" actId="478"/>
+          <ac:picMkLst>
+            <pc:docMk/>
+            <pc:sldMk cId="127925174" sldId="265"/>
+            <ac:picMk id="14" creationId="{DA0A999E-B518-4867-A02F-1E910B6B8F12}"/>
+          </ac:picMkLst>
+        </pc:picChg>
+        <pc:picChg chg="mod">
+          <ac:chgData name="Max Meuten" userId="1b66fd4c7ecdcb99" providerId="LiveId" clId="{5634777E-6FEB-4230-B8E3-6F6C6D766434}" dt="2018-09-08T01:09:56.580" v="379" actId="14826"/>
+          <ac:picMkLst>
+            <pc:docMk/>
+            <pc:sldMk cId="127925174" sldId="265"/>
+            <ac:picMk id="18" creationId="{F735A203-310C-4E20-AE85-E2A8ED7324EA}"/>
+          </ac:picMkLst>
+        </pc:picChg>
+        <pc:picChg chg="mod">
+          <ac:chgData name="Max Meuten" userId="1b66fd4c7ecdcb99" providerId="LiveId" clId="{5634777E-6FEB-4230-B8E3-6F6C6D766434}" dt="2018-09-07T21:57:20.139" v="208" actId="1035"/>
+          <ac:picMkLst>
+            <pc:docMk/>
+            <pc:sldMk cId="127925174" sldId="265"/>
+            <ac:picMk id="42" creationId="{8A824618-9DC9-4541-942E-315EDBBF4F7A}"/>
+          </ac:picMkLst>
+        </pc:picChg>
+      </pc:sldChg>
+      <pc:sldChg chg="add addCm delCm">
+        <pc:chgData name="Max Meuten" userId="1b66fd4c7ecdcb99" providerId="LiveId" clId="{5634777E-6FEB-4230-B8E3-6F6C6D766434}" dt="2018-09-08T11:07:03.355" v="382"/>
+        <pc:sldMkLst>
+          <pc:docMk/>
+          <pc:sldMk cId="2753988696" sldId="266"/>
+        </pc:sldMkLst>
+      </pc:sldChg>
+    </pc:docChg>
+  </pc:docChgLst>
+</pc:chgInfo>
 </file>
 
 <file path=ppt/slideLayouts/slideLayout1.xml><?xml version="1.0" encoding="utf-8"?>
@@ -269,7 +527,7 @@
           <a:p>
             <a:fld id="{C68B15F9-1F71-4A1B-8F45-AFDC7418A1CD}" type="datetimeFigureOut">
               <a:rPr lang="de-DE" smtClean="0"/>
-              <a:t>07.09.2018</a:t>
+              <a:t>08.09.2018</a:t>
             </a:fld>
             <a:endParaRPr lang="de-DE"/>
           </a:p>
@@ -467,7 +725,7 @@
           <a:p>
             <a:fld id="{C68B15F9-1F71-4A1B-8F45-AFDC7418A1CD}" type="datetimeFigureOut">
               <a:rPr lang="de-DE" smtClean="0"/>
-              <a:t>07.09.2018</a:t>
+              <a:t>08.09.2018</a:t>
             </a:fld>
             <a:endParaRPr lang="de-DE"/>
           </a:p>
@@ -675,7 +933,7 @@
           <a:p>
             <a:fld id="{C68B15F9-1F71-4A1B-8F45-AFDC7418A1CD}" type="datetimeFigureOut">
               <a:rPr lang="de-DE" smtClean="0"/>
-              <a:t>07.09.2018</a:t>
+              <a:t>08.09.2018</a:t>
             </a:fld>
             <a:endParaRPr lang="de-DE"/>
           </a:p>
@@ -873,7 +1131,7 @@
           <a:p>
             <a:fld id="{C68B15F9-1F71-4A1B-8F45-AFDC7418A1CD}" type="datetimeFigureOut">
               <a:rPr lang="de-DE" smtClean="0"/>
-              <a:t>07.09.2018</a:t>
+              <a:t>08.09.2018</a:t>
             </a:fld>
             <a:endParaRPr lang="de-DE"/>
           </a:p>
@@ -1148,7 +1406,7 @@
           <a:p>
             <a:fld id="{C68B15F9-1F71-4A1B-8F45-AFDC7418A1CD}" type="datetimeFigureOut">
               <a:rPr lang="de-DE" smtClean="0"/>
-              <a:t>07.09.2018</a:t>
+              <a:t>08.09.2018</a:t>
             </a:fld>
             <a:endParaRPr lang="de-DE"/>
           </a:p>
@@ -1413,7 +1671,7 @@
           <a:p>
             <a:fld id="{C68B15F9-1F71-4A1B-8F45-AFDC7418A1CD}" type="datetimeFigureOut">
               <a:rPr lang="de-DE" smtClean="0"/>
-              <a:t>07.09.2018</a:t>
+              <a:t>08.09.2018</a:t>
             </a:fld>
             <a:endParaRPr lang="de-DE"/>
           </a:p>
@@ -1825,7 +2083,7 @@
           <a:p>
             <a:fld id="{C68B15F9-1F71-4A1B-8F45-AFDC7418A1CD}" type="datetimeFigureOut">
               <a:rPr lang="de-DE" smtClean="0"/>
-              <a:t>07.09.2018</a:t>
+              <a:t>08.09.2018</a:t>
             </a:fld>
             <a:endParaRPr lang="de-DE"/>
           </a:p>
@@ -1966,7 +2224,7 @@
           <a:p>
             <a:fld id="{C68B15F9-1F71-4A1B-8F45-AFDC7418A1CD}" type="datetimeFigureOut">
               <a:rPr lang="de-DE" smtClean="0"/>
-              <a:t>07.09.2018</a:t>
+              <a:t>08.09.2018</a:t>
             </a:fld>
             <a:endParaRPr lang="de-DE"/>
           </a:p>
@@ -2079,7 +2337,7 @@
           <a:p>
             <a:fld id="{C68B15F9-1F71-4A1B-8F45-AFDC7418A1CD}" type="datetimeFigureOut">
               <a:rPr lang="de-DE" smtClean="0"/>
-              <a:t>07.09.2018</a:t>
+              <a:t>08.09.2018</a:t>
             </a:fld>
             <a:endParaRPr lang="de-DE"/>
           </a:p>
@@ -2390,7 +2648,7 @@
           <a:p>
             <a:fld id="{C68B15F9-1F71-4A1B-8F45-AFDC7418A1CD}" type="datetimeFigureOut">
               <a:rPr lang="de-DE" smtClean="0"/>
-              <a:t>07.09.2018</a:t>
+              <a:t>08.09.2018</a:t>
             </a:fld>
             <a:endParaRPr lang="de-DE"/>
           </a:p>
@@ -2678,7 +2936,7 @@
           <a:p>
             <a:fld id="{C68B15F9-1F71-4A1B-8F45-AFDC7418A1CD}" type="datetimeFigureOut">
               <a:rPr lang="de-DE" smtClean="0"/>
-              <a:t>07.09.2018</a:t>
+              <a:t>08.09.2018</a:t>
             </a:fld>
             <a:endParaRPr lang="de-DE"/>
           </a:p>
@@ -2919,7 +3177,7 @@
           <a:p>
             <a:fld id="{C68B15F9-1F71-4A1B-8F45-AFDC7418A1CD}" type="datetimeFigureOut">
               <a:rPr lang="de-DE" smtClean="0"/>
-              <a:t>07.09.2018</a:t>
+              <a:t>08.09.2018</a:t>
             </a:fld>
             <a:endParaRPr lang="de-DE"/>
           </a:p>
@@ -4586,7 +4844,27 @@
                 <a:latin typeface="Product Sans" panose="020B0403030502040203" pitchFamily="34" charset="0"/>
                 <a:ea typeface="Gaegu" pitchFamily="2" charset="0"/>
               </a:rPr>
-              <a:t>Baue eigene Level im Editor</a:t>
+              <a:t>Sammle die </a:t>
+            </a:r>
+            <a:r>
+              <a:rPr lang="de-DE" sz="1600" dirty="0" err="1">
+                <a:solidFill>
+                  <a:srgbClr val="2B6CAC"/>
+                </a:solidFill>
+                <a:latin typeface="Product Sans" panose="020B0403030502040203" pitchFamily="34" charset="0"/>
+                <a:ea typeface="Gaegu" pitchFamily="2" charset="0"/>
+              </a:rPr>
+              <a:t>Powerups</a:t>
+            </a:r>
+            <a:r>
+              <a:rPr lang="de-DE" sz="1600" dirty="0">
+                <a:solidFill>
+                  <a:srgbClr val="2B6CAC"/>
+                </a:solidFill>
+                <a:latin typeface="Product Sans" panose="020B0403030502040203" pitchFamily="34" charset="0"/>
+                <a:ea typeface="Gaegu" pitchFamily="2" charset="0"/>
+              </a:rPr>
+              <a:t> ein um dir einen Vorteil zu verschaffen</a:t>
             </a:r>
           </a:p>
           <a:p>
@@ -4632,27 +4910,7 @@
                 <a:latin typeface="Product Sans" panose="020B0403030502040203" pitchFamily="34" charset="0"/>
                 <a:ea typeface="Gaegu" pitchFamily="2" charset="0"/>
               </a:rPr>
-              <a:t>Sammle die </a:t>
-            </a:r>
-            <a:r>
-              <a:rPr lang="de-DE" sz="1600" dirty="0" err="1">
-                <a:solidFill>
-                  <a:srgbClr val="2B6CAC"/>
-                </a:solidFill>
-                <a:latin typeface="Product Sans" panose="020B0403030502040203" pitchFamily="34" charset="0"/>
-                <a:ea typeface="Gaegu" pitchFamily="2" charset="0"/>
-              </a:rPr>
-              <a:t>Powerups</a:t>
-            </a:r>
-            <a:r>
-              <a:rPr lang="de-DE" sz="1600" dirty="0">
-                <a:solidFill>
-                  <a:srgbClr val="2B6CAC"/>
-                </a:solidFill>
-                <a:latin typeface="Product Sans" panose="020B0403030502040203" pitchFamily="34" charset="0"/>
-                <a:ea typeface="Gaegu" pitchFamily="2" charset="0"/>
-              </a:rPr>
-              <a:t> ein um dir einen Vorteil zu verschaffen</a:t>
+              <a:t>Baue eigene Level im Editor</a:t>
             </a:r>
           </a:p>
         </p:txBody>
@@ -4956,6 +5214,1858 @@
     <p:extLst>
       <p:ext uri="{BB962C8B-B14F-4D97-AF65-F5344CB8AC3E}">
         <p14:creationId xmlns:p14="http://schemas.microsoft.com/office/powerpoint/2010/main" val="3636437148"/>
+      </p:ext>
+    </p:extLst>
+  </p:cSld>
+  <p:clrMapOvr>
+    <a:masterClrMapping/>
+  </p:clrMapOvr>
+</p:sld>
+</file>
+
+<file path=ppt/slides/slide4.xml><?xml version="1.0" encoding="utf-8"?>
+<p:sld xmlns:a="http://schemas.openxmlformats.org/drawingml/2006/main" xmlns:r="http://schemas.openxmlformats.org/officeDocument/2006/relationships" xmlns:p="http://schemas.openxmlformats.org/presentationml/2006/main">
+  <p:cSld>
+    <p:spTree>
+      <p:nvGrpSpPr>
+        <p:cNvPr id="1" name=""/>
+        <p:cNvGrpSpPr/>
+        <p:nvPr/>
+      </p:nvGrpSpPr>
+      <p:grpSpPr>
+        <a:xfrm>
+          <a:off x="0" y="0"/>
+          <a:ext cx="0" cy="0"/>
+          <a:chOff x="0" y="0"/>
+          <a:chExt cx="0" cy="0"/>
+        </a:xfrm>
+      </p:grpSpPr>
+      <p:pic>
+        <p:nvPicPr>
+          <p:cNvPr id="10" name="Grafik 9">
+            <a:extLst>
+              <a:ext uri="{FF2B5EF4-FFF2-40B4-BE49-F238E27FC236}">
+                <a16:creationId xmlns:a16="http://schemas.microsoft.com/office/drawing/2014/main" id="{B587F85C-8F9F-47FD-A257-72B7A98E8ACC}"/>
+              </a:ext>
+            </a:extLst>
+          </p:cNvPr>
+          <p:cNvPicPr>
+            <a:picLocks noChangeAspect="1"/>
+          </p:cNvPicPr>
+          <p:nvPr/>
+        </p:nvPicPr>
+        <p:blipFill>
+          <a:blip r:embed="rId2"/>
+          <a:stretch>
+            <a:fillRect/>
+          </a:stretch>
+        </p:blipFill>
+        <p:spPr>
+          <a:xfrm>
+            <a:off x="0" y="2780"/>
+            <a:ext cx="12192000" cy="6855220"/>
+          </a:xfrm>
+          <a:prstGeom prst="rect">
+            <a:avLst/>
+          </a:prstGeom>
+        </p:spPr>
+      </p:pic>
+      <p:sp>
+        <p:nvSpPr>
+          <p:cNvPr id="16" name="Rechteck: abgerundete Ecken 15">
+            <a:extLst>
+              <a:ext uri="{FF2B5EF4-FFF2-40B4-BE49-F238E27FC236}">
+                <a16:creationId xmlns:a16="http://schemas.microsoft.com/office/drawing/2014/main" id="{87309DD0-9CF9-4B80-BB7C-BAA2167F64B1}"/>
+              </a:ext>
+            </a:extLst>
+          </p:cNvPr>
+          <p:cNvSpPr/>
+          <p:nvPr/>
+        </p:nvSpPr>
+        <p:spPr>
+          <a:xfrm>
+            <a:off x="4948236" y="1116129"/>
+            <a:ext cx="788988" cy="525135"/>
+          </a:xfrm>
+          <a:prstGeom prst="roundRect">
+            <a:avLst>
+              <a:gd name="adj" fmla="val 0"/>
+            </a:avLst>
+          </a:prstGeom>
+          <a:noFill/>
+          <a:ln w="19050">
+            <a:noFill/>
+          </a:ln>
+        </p:spPr>
+        <p:style>
+          <a:lnRef idx="2">
+            <a:schemeClr val="dk1"/>
+          </a:lnRef>
+          <a:fillRef idx="1">
+            <a:schemeClr val="lt1"/>
+          </a:fillRef>
+          <a:effectRef idx="0">
+            <a:schemeClr val="dk1"/>
+          </a:effectRef>
+          <a:fontRef idx="minor">
+            <a:schemeClr val="dk1"/>
+          </a:fontRef>
+        </p:style>
+        <p:txBody>
+          <a:bodyPr rtlCol="0" anchor="ctr"/>
+          <a:lstStyle/>
+          <a:p>
+            <a:pPr algn="ctr"/>
+            <a:r>
+              <a:rPr lang="de-DE" sz="1600" b="1" dirty="0">
+                <a:solidFill>
+                  <a:srgbClr val="E6AF00"/>
+                </a:solidFill>
+              </a:rPr>
+              <a:t>JS ES6</a:t>
+            </a:r>
+          </a:p>
+          <a:p>
+            <a:pPr algn="ctr"/>
+            <a:r>
+              <a:rPr lang="de-DE" sz="1100" dirty="0">
+                <a:solidFill>
+                  <a:srgbClr val="E6AF00"/>
+                </a:solidFill>
+              </a:rPr>
+              <a:t>4486 </a:t>
+            </a:r>
+            <a:r>
+              <a:rPr lang="de-DE" sz="1100" dirty="0" err="1">
+                <a:solidFill>
+                  <a:srgbClr val="E6AF00"/>
+                </a:solidFill>
+              </a:rPr>
+              <a:t>lines</a:t>
+            </a:r>
+            <a:endParaRPr lang="de-DE" dirty="0">
+              <a:solidFill>
+                <a:srgbClr val="E6AF00"/>
+              </a:solidFill>
+            </a:endParaRPr>
+          </a:p>
+        </p:txBody>
+      </p:sp>
+      <p:sp>
+        <p:nvSpPr>
+          <p:cNvPr id="20" name="Rechteck: abgerundete Ecken 19">
+            <a:extLst>
+              <a:ext uri="{FF2B5EF4-FFF2-40B4-BE49-F238E27FC236}">
+                <a16:creationId xmlns:a16="http://schemas.microsoft.com/office/drawing/2014/main" id="{2CF1C19A-7684-4FE6-AA6C-7D2C3F820D64}"/>
+              </a:ext>
+            </a:extLst>
+          </p:cNvPr>
+          <p:cNvSpPr/>
+          <p:nvPr/>
+        </p:nvSpPr>
+        <p:spPr>
+          <a:xfrm>
+            <a:off x="6041356" y="1116128"/>
+            <a:ext cx="800380" cy="525135"/>
+          </a:xfrm>
+          <a:prstGeom prst="roundRect">
+            <a:avLst>
+              <a:gd name="adj" fmla="val 0"/>
+            </a:avLst>
+          </a:prstGeom>
+          <a:noFill/>
+          <a:ln w="19050">
+            <a:noFill/>
+          </a:ln>
+        </p:spPr>
+        <p:style>
+          <a:lnRef idx="2">
+            <a:schemeClr val="dk1"/>
+          </a:lnRef>
+          <a:fillRef idx="1">
+            <a:schemeClr val="lt1"/>
+          </a:fillRef>
+          <a:effectRef idx="0">
+            <a:schemeClr val="dk1"/>
+          </a:effectRef>
+          <a:fontRef idx="minor">
+            <a:schemeClr val="dk1"/>
+          </a:fontRef>
+        </p:style>
+        <p:txBody>
+          <a:bodyPr rtlCol="0" anchor="ctr"/>
+          <a:lstStyle/>
+          <a:p>
+            <a:pPr algn="ctr"/>
+            <a:r>
+              <a:rPr lang="de-DE" sz="1600" b="1" dirty="0">
+                <a:solidFill>
+                  <a:schemeClr val="accent1"/>
+                </a:solidFill>
+              </a:rPr>
+              <a:t>CSS3</a:t>
+            </a:r>
+          </a:p>
+          <a:p>
+            <a:pPr algn="ctr"/>
+            <a:r>
+              <a:rPr lang="de-DE" sz="1100" dirty="0">
+                <a:solidFill>
+                  <a:schemeClr val="accent1"/>
+                </a:solidFill>
+              </a:rPr>
+              <a:t>1399 </a:t>
+            </a:r>
+            <a:r>
+              <a:rPr lang="de-DE" sz="1100" dirty="0" err="1">
+                <a:solidFill>
+                  <a:schemeClr val="accent1"/>
+                </a:solidFill>
+              </a:rPr>
+              <a:t>lines</a:t>
+            </a:r>
+            <a:endParaRPr lang="de-DE" sz="1100" dirty="0">
+              <a:solidFill>
+                <a:schemeClr val="accent1"/>
+              </a:solidFill>
+            </a:endParaRPr>
+          </a:p>
+        </p:txBody>
+      </p:sp>
+      <p:sp>
+        <p:nvSpPr>
+          <p:cNvPr id="22" name="Rechteck: abgerundete Ecken 21">
+            <a:extLst>
+              <a:ext uri="{FF2B5EF4-FFF2-40B4-BE49-F238E27FC236}">
+                <a16:creationId xmlns:a16="http://schemas.microsoft.com/office/drawing/2014/main" id="{2DE8C402-2765-4CE4-81E5-D224025D565C}"/>
+              </a:ext>
+            </a:extLst>
+          </p:cNvPr>
+          <p:cNvSpPr/>
+          <p:nvPr/>
+        </p:nvSpPr>
+        <p:spPr>
+          <a:xfrm>
+            <a:off x="9034463" y="293407"/>
+            <a:ext cx="2877382" cy="411443"/>
+          </a:xfrm>
+          <a:prstGeom prst="roundRect">
+            <a:avLst>
+              <a:gd name="adj" fmla="val 0"/>
+            </a:avLst>
+          </a:prstGeom>
+          <a:noFill/>
+          <a:ln w="19050">
+            <a:noFill/>
+          </a:ln>
+        </p:spPr>
+        <p:style>
+          <a:lnRef idx="2">
+            <a:schemeClr val="dk1"/>
+          </a:lnRef>
+          <a:fillRef idx="1">
+            <a:schemeClr val="lt1"/>
+          </a:fillRef>
+          <a:effectRef idx="0">
+            <a:schemeClr val="dk1"/>
+          </a:effectRef>
+          <a:fontRef idx="minor">
+            <a:schemeClr val="dk1"/>
+          </a:fontRef>
+        </p:style>
+        <p:txBody>
+          <a:bodyPr rtlCol="0" anchor="ctr"/>
+          <a:lstStyle/>
+          <a:p>
+            <a:pPr algn="ctr"/>
+            <a:r>
+              <a:rPr lang="de-DE" sz="1400" dirty="0">
+                <a:solidFill>
+                  <a:srgbClr val="A2397E"/>
+                </a:solidFill>
+                <a:latin typeface="Product Sans" panose="020B0403030502040203" pitchFamily="34" charset="0"/>
+              </a:rPr>
+              <a:t>von Max Meuten und Niklas Wilke</a:t>
+            </a:r>
+          </a:p>
+        </p:txBody>
+      </p:sp>
+      <p:pic>
+        <p:nvPicPr>
+          <p:cNvPr id="18" name="Grafik 17">
+            <a:extLst>
+              <a:ext uri="{FF2B5EF4-FFF2-40B4-BE49-F238E27FC236}">
+                <a16:creationId xmlns:a16="http://schemas.microsoft.com/office/drawing/2014/main" id="{F735A203-310C-4E20-AE85-E2A8ED7324EA}"/>
+              </a:ext>
+            </a:extLst>
+          </p:cNvPr>
+          <p:cNvPicPr>
+            <a:picLocks noChangeAspect="1"/>
+          </p:cNvPicPr>
+          <p:nvPr/>
+        </p:nvPicPr>
+        <p:blipFill>
+          <a:blip r:embed="rId3">
+            <a:extLst>
+              <a:ext uri="{28A0092B-C50C-407E-A947-70E740481C1C}">
+                <a14:useLocalDpi xmlns:a14="http://schemas.microsoft.com/office/drawing/2010/main" val="0"/>
+              </a:ext>
+            </a:extLst>
+          </a:blip>
+          <a:stretch>
+            <a:fillRect/>
+          </a:stretch>
+        </p:blipFill>
+        <p:spPr>
+          <a:xfrm>
+            <a:off x="6624496" y="4255725"/>
+            <a:ext cx="6187512" cy="2579849"/>
+          </a:xfrm>
+          <a:prstGeom prst="rect">
+            <a:avLst/>
+          </a:prstGeom>
+          <a:effectLst>
+            <a:outerShdw blurRad="63500" sx="102000" sy="102000" algn="ctr" rotWithShape="0">
+              <a:prstClr val="black">
+                <a:alpha val="40000"/>
+              </a:prstClr>
+            </a:outerShdw>
+          </a:effectLst>
+        </p:spPr>
+      </p:pic>
+      <p:sp>
+        <p:nvSpPr>
+          <p:cNvPr id="12" name="Rechteck: abgerundete Ecken 11">
+            <a:extLst>
+              <a:ext uri="{FF2B5EF4-FFF2-40B4-BE49-F238E27FC236}">
+                <a16:creationId xmlns:a16="http://schemas.microsoft.com/office/drawing/2014/main" id="{C7210E9D-D622-4E20-9528-27E49C029A39}"/>
+              </a:ext>
+            </a:extLst>
+          </p:cNvPr>
+          <p:cNvSpPr/>
+          <p:nvPr/>
+        </p:nvSpPr>
+        <p:spPr>
+          <a:xfrm>
+            <a:off x="7111641" y="1113176"/>
+            <a:ext cx="848081" cy="525135"/>
+          </a:xfrm>
+          <a:prstGeom prst="roundRect">
+            <a:avLst>
+              <a:gd name="adj" fmla="val 0"/>
+            </a:avLst>
+          </a:prstGeom>
+          <a:noFill/>
+          <a:ln w="19050">
+            <a:noFill/>
+          </a:ln>
+        </p:spPr>
+        <p:style>
+          <a:lnRef idx="2">
+            <a:schemeClr val="dk1"/>
+          </a:lnRef>
+          <a:fillRef idx="1">
+            <a:schemeClr val="lt1"/>
+          </a:fillRef>
+          <a:effectRef idx="0">
+            <a:schemeClr val="dk1"/>
+          </a:effectRef>
+          <a:fontRef idx="minor">
+            <a:schemeClr val="dk1"/>
+          </a:fontRef>
+        </p:style>
+        <p:txBody>
+          <a:bodyPr rtlCol="0" anchor="ctr"/>
+          <a:lstStyle/>
+          <a:p>
+            <a:pPr algn="ctr"/>
+            <a:r>
+              <a:rPr lang="de-DE" sz="1600" b="1" dirty="0">
+                <a:solidFill>
+                  <a:schemeClr val="accent2"/>
+                </a:solidFill>
+              </a:rPr>
+              <a:t>HTML5</a:t>
+            </a:r>
+          </a:p>
+          <a:p>
+            <a:pPr algn="ctr"/>
+            <a:r>
+              <a:rPr lang="de-DE" sz="1100" dirty="0">
+                <a:solidFill>
+                  <a:schemeClr val="accent2"/>
+                </a:solidFill>
+              </a:rPr>
+              <a:t>599 </a:t>
+            </a:r>
+            <a:r>
+              <a:rPr lang="de-DE" sz="1100" dirty="0" err="1">
+                <a:solidFill>
+                  <a:schemeClr val="accent2"/>
+                </a:solidFill>
+              </a:rPr>
+              <a:t>lines</a:t>
+            </a:r>
+            <a:endParaRPr lang="de-DE" sz="1100" dirty="0">
+              <a:solidFill>
+                <a:schemeClr val="accent2"/>
+              </a:solidFill>
+            </a:endParaRPr>
+          </a:p>
+        </p:txBody>
+      </p:sp>
+      <p:sp>
+        <p:nvSpPr>
+          <p:cNvPr id="4" name="Textfeld 3">
+            <a:extLst>
+              <a:ext uri="{FF2B5EF4-FFF2-40B4-BE49-F238E27FC236}">
+                <a16:creationId xmlns:a16="http://schemas.microsoft.com/office/drawing/2014/main" id="{F876528C-AA37-4178-9058-43DEB5276211}"/>
+              </a:ext>
+            </a:extLst>
+          </p:cNvPr>
+          <p:cNvSpPr txBox="1"/>
+          <p:nvPr/>
+        </p:nvSpPr>
+        <p:spPr>
+          <a:xfrm>
+            <a:off x="5745752" y="1193667"/>
+            <a:ext cx="300082" cy="369332"/>
+          </a:xfrm>
+          <a:prstGeom prst="rect">
+            <a:avLst/>
+          </a:prstGeom>
+          <a:noFill/>
+        </p:spPr>
+        <p:txBody>
+          <a:bodyPr wrap="none" rtlCol="0">
+            <a:spAutoFit/>
+          </a:bodyPr>
+          <a:lstStyle/>
+          <a:p>
+            <a:r>
+              <a:rPr lang="de-DE" b="1" dirty="0">
+                <a:solidFill>
+                  <a:schemeClr val="bg1"/>
+                </a:solidFill>
+              </a:rPr>
+              <a:t>+</a:t>
+            </a:r>
+          </a:p>
+        </p:txBody>
+      </p:sp>
+      <p:sp>
+        <p:nvSpPr>
+          <p:cNvPr id="21" name="Textfeld 20">
+            <a:extLst>
+              <a:ext uri="{FF2B5EF4-FFF2-40B4-BE49-F238E27FC236}">
+                <a16:creationId xmlns:a16="http://schemas.microsoft.com/office/drawing/2014/main" id="{B74D88FB-BF84-4E59-B034-72D592A0DC5F}"/>
+              </a:ext>
+            </a:extLst>
+          </p:cNvPr>
+          <p:cNvSpPr txBox="1"/>
+          <p:nvPr/>
+        </p:nvSpPr>
+        <p:spPr>
+          <a:xfrm>
+            <a:off x="6832100" y="1193667"/>
+            <a:ext cx="300082" cy="369332"/>
+          </a:xfrm>
+          <a:prstGeom prst="rect">
+            <a:avLst/>
+          </a:prstGeom>
+          <a:noFill/>
+        </p:spPr>
+        <p:txBody>
+          <a:bodyPr wrap="none" rtlCol="0">
+            <a:spAutoFit/>
+          </a:bodyPr>
+          <a:lstStyle/>
+          <a:p>
+            <a:r>
+              <a:rPr lang="de-DE" b="1" dirty="0">
+                <a:solidFill>
+                  <a:schemeClr val="bg1"/>
+                </a:solidFill>
+              </a:rPr>
+              <a:t>+</a:t>
+            </a:r>
+          </a:p>
+        </p:txBody>
+      </p:sp>
+      <p:pic>
+        <p:nvPicPr>
+          <p:cNvPr id="7" name="Grafik 6">
+            <a:extLst>
+              <a:ext uri="{FF2B5EF4-FFF2-40B4-BE49-F238E27FC236}">
+                <a16:creationId xmlns:a16="http://schemas.microsoft.com/office/drawing/2014/main" id="{1CCD5DC9-F77A-4645-84A5-6F2FB2119FE2}"/>
+              </a:ext>
+            </a:extLst>
+          </p:cNvPr>
+          <p:cNvPicPr>
+            <a:picLocks noChangeAspect="1"/>
+          </p:cNvPicPr>
+          <p:nvPr/>
+        </p:nvPicPr>
+        <p:blipFill>
+          <a:blip r:embed="rId4">
+            <a:extLst>
+              <a:ext uri="{28A0092B-C50C-407E-A947-70E740481C1C}">
+                <a14:useLocalDpi xmlns:a14="http://schemas.microsoft.com/office/drawing/2010/main" val="0"/>
+              </a:ext>
+            </a:extLst>
+          </a:blip>
+          <a:stretch>
+            <a:fillRect/>
+          </a:stretch>
+        </p:blipFill>
+        <p:spPr>
+          <a:xfrm rot="5110517" flipH="1">
+            <a:off x="6413171" y="4781986"/>
+            <a:ext cx="236100" cy="222651"/>
+          </a:xfrm>
+          <a:prstGeom prst="rect">
+            <a:avLst/>
+          </a:prstGeom>
+        </p:spPr>
+      </p:pic>
+      <p:pic>
+        <p:nvPicPr>
+          <p:cNvPr id="9" name="Grafik 8">
+            <a:extLst>
+              <a:ext uri="{FF2B5EF4-FFF2-40B4-BE49-F238E27FC236}">
+                <a16:creationId xmlns:a16="http://schemas.microsoft.com/office/drawing/2014/main" id="{4687F255-3C0A-47C0-A962-C09A1F111D73}"/>
+              </a:ext>
+            </a:extLst>
+          </p:cNvPr>
+          <p:cNvPicPr>
+            <a:picLocks noChangeAspect="1"/>
+          </p:cNvPicPr>
+          <p:nvPr/>
+        </p:nvPicPr>
+        <p:blipFill>
+          <a:blip r:embed="rId5">
+            <a:extLst>
+              <a:ext uri="{28A0092B-C50C-407E-A947-70E740481C1C}">
+                <a14:useLocalDpi xmlns:a14="http://schemas.microsoft.com/office/drawing/2010/main" val="0"/>
+              </a:ext>
+            </a:extLst>
+          </a:blip>
+          <a:stretch>
+            <a:fillRect/>
+          </a:stretch>
+        </p:blipFill>
+        <p:spPr>
+          <a:xfrm rot="12485512" flipH="1">
+            <a:off x="3745112" y="1946912"/>
+            <a:ext cx="236100" cy="224146"/>
+          </a:xfrm>
+          <a:prstGeom prst="rect">
+            <a:avLst/>
+          </a:prstGeom>
+        </p:spPr>
+      </p:pic>
+      <p:sp>
+        <p:nvSpPr>
+          <p:cNvPr id="26" name="Rechteck: abgerundete Ecken 25">
+            <a:extLst>
+              <a:ext uri="{FF2B5EF4-FFF2-40B4-BE49-F238E27FC236}">
+                <a16:creationId xmlns:a16="http://schemas.microsoft.com/office/drawing/2014/main" id="{3EEA3DCB-23E2-4133-BDC7-1F1C324CCA81}"/>
+              </a:ext>
+            </a:extLst>
+          </p:cNvPr>
+          <p:cNvSpPr/>
+          <p:nvPr/>
+        </p:nvSpPr>
+        <p:spPr>
+          <a:xfrm>
+            <a:off x="333375" y="4117970"/>
+            <a:ext cx="3643312" cy="2468568"/>
+          </a:xfrm>
+          <a:prstGeom prst="roundRect">
+            <a:avLst>
+              <a:gd name="adj" fmla="val 0"/>
+            </a:avLst>
+          </a:prstGeom>
+          <a:noFill/>
+          <a:ln w="19050">
+            <a:noFill/>
+          </a:ln>
+        </p:spPr>
+        <p:style>
+          <a:lnRef idx="2">
+            <a:schemeClr val="dk1"/>
+          </a:lnRef>
+          <a:fillRef idx="1">
+            <a:schemeClr val="lt1"/>
+          </a:fillRef>
+          <a:effectRef idx="0">
+            <a:schemeClr val="dk1"/>
+          </a:effectRef>
+          <a:fontRef idx="minor">
+            <a:schemeClr val="dk1"/>
+          </a:fontRef>
+        </p:style>
+        <p:txBody>
+          <a:bodyPr rtlCol="0" anchor="ctr"/>
+          <a:lstStyle/>
+          <a:p>
+            <a:pPr marL="324000" indent="-285750">
+              <a:spcBef>
+                <a:spcPts val="600"/>
+              </a:spcBef>
+              <a:buSzPct val="100000"/>
+              <a:buBlip>
+                <a:blip r:embed="rId4">
+                  <a:extLst/>
+                </a:blip>
+              </a:buBlip>
+            </a:pPr>
+            <a:r>
+              <a:rPr lang="de-DE" sz="1600" dirty="0">
+                <a:solidFill>
+                  <a:srgbClr val="2B6CAC"/>
+                </a:solidFill>
+                <a:latin typeface="Product Sans" panose="020B0403030502040203" pitchFamily="34" charset="0"/>
+                <a:ea typeface="Gaegu" pitchFamily="2" charset="0"/>
+              </a:rPr>
+              <a:t>Spiele mit bis zu 6 Spielern</a:t>
+            </a:r>
+          </a:p>
+          <a:p>
+            <a:pPr marL="324000" indent="-285750">
+              <a:spcBef>
+                <a:spcPts val="600"/>
+              </a:spcBef>
+              <a:buSzPct val="100000"/>
+              <a:buBlip>
+                <a:blip r:embed="rId5">
+                  <a:extLst/>
+                </a:blip>
+              </a:buBlip>
+            </a:pPr>
+            <a:r>
+              <a:rPr lang="de-DE" sz="1600" dirty="0">
+                <a:solidFill>
+                  <a:srgbClr val="2BAC6C"/>
+                </a:solidFill>
+                <a:latin typeface="Product Sans" panose="020B0403030502040203" pitchFamily="34" charset="0"/>
+                <a:ea typeface="Gaegu" pitchFamily="2" charset="0"/>
+              </a:rPr>
+              <a:t>Steuere deinen Panzer mit dem Smartphone</a:t>
+            </a:r>
+          </a:p>
+          <a:p>
+            <a:pPr marL="324000" indent="-285750">
+              <a:spcBef>
+                <a:spcPts val="600"/>
+              </a:spcBef>
+              <a:buSzPct val="100000"/>
+              <a:buBlip>
+                <a:blip r:embed="rId4">
+                  <a:extLst/>
+                </a:blip>
+              </a:buBlip>
+            </a:pPr>
+            <a:r>
+              <a:rPr lang="de-DE" sz="1600" dirty="0">
+                <a:solidFill>
+                  <a:srgbClr val="2B6CAC"/>
+                </a:solidFill>
+                <a:latin typeface="Product Sans" panose="020B0403030502040203" pitchFamily="34" charset="0"/>
+                <a:ea typeface="Gaegu" pitchFamily="2" charset="0"/>
+              </a:rPr>
+              <a:t>Sammle die </a:t>
+            </a:r>
+            <a:r>
+              <a:rPr lang="de-DE" sz="1600" dirty="0" err="1">
+                <a:solidFill>
+                  <a:srgbClr val="2B6CAC"/>
+                </a:solidFill>
+                <a:latin typeface="Product Sans" panose="020B0403030502040203" pitchFamily="34" charset="0"/>
+                <a:ea typeface="Gaegu" pitchFamily="2" charset="0"/>
+              </a:rPr>
+              <a:t>Powerups</a:t>
+            </a:r>
+            <a:r>
+              <a:rPr lang="de-DE" sz="1600" dirty="0">
+                <a:solidFill>
+                  <a:srgbClr val="2B6CAC"/>
+                </a:solidFill>
+                <a:latin typeface="Product Sans" panose="020B0403030502040203" pitchFamily="34" charset="0"/>
+                <a:ea typeface="Gaegu" pitchFamily="2" charset="0"/>
+              </a:rPr>
+              <a:t> ein um dir einen Vorteil zu verschaffen</a:t>
+            </a:r>
+          </a:p>
+          <a:p>
+            <a:pPr marL="324000" indent="-285750">
+              <a:spcBef>
+                <a:spcPts val="600"/>
+              </a:spcBef>
+              <a:buSzPct val="100000"/>
+              <a:buBlip>
+                <a:blip r:embed="rId5">
+                  <a:extLst/>
+                </a:blip>
+              </a:buBlip>
+            </a:pPr>
+            <a:r>
+              <a:rPr lang="de-DE" sz="1600" dirty="0">
+                <a:solidFill>
+                  <a:srgbClr val="2BAC6C"/>
+                </a:solidFill>
+                <a:latin typeface="Product Sans" panose="020B0403030502040203" pitchFamily="34" charset="0"/>
+                <a:ea typeface="Gaegu" pitchFamily="2" charset="0"/>
+              </a:rPr>
+              <a:t>Besiege KI-Bots für Bonuspunkte</a:t>
+            </a:r>
+          </a:p>
+          <a:p>
+            <a:pPr marL="324000" indent="-285750">
+              <a:spcBef>
+                <a:spcPts val="600"/>
+              </a:spcBef>
+              <a:buSzPct val="100000"/>
+              <a:buBlip>
+                <a:blip r:embed="rId4">
+                  <a:extLst/>
+                </a:blip>
+              </a:buBlip>
+            </a:pPr>
+            <a:r>
+              <a:rPr lang="de-DE" sz="1600" dirty="0">
+                <a:solidFill>
+                  <a:srgbClr val="2B6CAC"/>
+                </a:solidFill>
+                <a:latin typeface="Product Sans" panose="020B0403030502040203" pitchFamily="34" charset="0"/>
+                <a:ea typeface="Gaegu" pitchFamily="2" charset="0"/>
+              </a:rPr>
+              <a:t>Baue eigene Level im Editor</a:t>
+            </a:r>
+          </a:p>
+        </p:txBody>
+      </p:sp>
+      <p:pic>
+        <p:nvPicPr>
+          <p:cNvPr id="25" name="Grafik 24">
+            <a:extLst>
+              <a:ext uri="{FF2B5EF4-FFF2-40B4-BE49-F238E27FC236}">
+                <a16:creationId xmlns:a16="http://schemas.microsoft.com/office/drawing/2014/main" id="{D18D3B9A-C449-4783-AB03-2A9B6BCA57A3}"/>
+              </a:ext>
+            </a:extLst>
+          </p:cNvPr>
+          <p:cNvPicPr>
+            <a:picLocks noChangeAspect="1"/>
+          </p:cNvPicPr>
+          <p:nvPr/>
+        </p:nvPicPr>
+        <p:blipFill>
+          <a:blip r:embed="rId6">
+            <a:extLst>
+              <a:ext uri="{28A0092B-C50C-407E-A947-70E740481C1C}">
+                <a14:useLocalDpi xmlns:a14="http://schemas.microsoft.com/office/drawing/2010/main" val="0"/>
+              </a:ext>
+            </a:extLst>
+          </a:blip>
+          <a:stretch>
+            <a:fillRect/>
+          </a:stretch>
+        </p:blipFill>
+        <p:spPr>
+          <a:xfrm rot="19168061" flipH="1">
+            <a:off x="7387869" y="2532197"/>
+            <a:ext cx="234525" cy="222651"/>
+          </a:xfrm>
+          <a:prstGeom prst="rect">
+            <a:avLst/>
+          </a:prstGeom>
+        </p:spPr>
+      </p:pic>
+      <p:pic>
+        <p:nvPicPr>
+          <p:cNvPr id="3" name="Grafik 2">
+            <a:extLst>
+              <a:ext uri="{FF2B5EF4-FFF2-40B4-BE49-F238E27FC236}">
+                <a16:creationId xmlns:a16="http://schemas.microsoft.com/office/drawing/2014/main" id="{FAB2DFFB-9574-48A1-B6DA-817864161632}"/>
+              </a:ext>
+            </a:extLst>
+          </p:cNvPr>
+          <p:cNvPicPr>
+            <a:picLocks noChangeAspect="1"/>
+          </p:cNvPicPr>
+          <p:nvPr/>
+        </p:nvPicPr>
+        <p:blipFill>
+          <a:blip r:embed="rId7">
+            <a:extLst>
+              <a:ext uri="{28A0092B-C50C-407E-A947-70E740481C1C}">
+                <a14:useLocalDpi xmlns:a14="http://schemas.microsoft.com/office/drawing/2010/main" val="0"/>
+              </a:ext>
+              <a:ext uri="{96DAC541-7B7A-43D3-8B79-37D633B846F1}">
+                <asvg:svgBlip xmlns:asvg="http://schemas.microsoft.com/office/drawing/2016/SVG/main" r:embed="rId8"/>
+              </a:ext>
+            </a:extLst>
+          </a:blip>
+          <a:stretch>
+            <a:fillRect/>
+          </a:stretch>
+        </p:blipFill>
+        <p:spPr>
+          <a:xfrm>
+            <a:off x="4879695" y="175087"/>
+            <a:ext cx="3133680" cy="783420"/>
+          </a:xfrm>
+          <a:prstGeom prst="rect">
+            <a:avLst/>
+          </a:prstGeom>
+        </p:spPr>
+      </p:pic>
+      <p:pic>
+        <p:nvPicPr>
+          <p:cNvPr id="23" name="Grafik 22">
+            <a:extLst>
+              <a:ext uri="{FF2B5EF4-FFF2-40B4-BE49-F238E27FC236}">
+                <a16:creationId xmlns:a16="http://schemas.microsoft.com/office/drawing/2014/main" id="{CAF85C63-32BE-4249-8D76-9F0CB7FFCC6E}"/>
+              </a:ext>
+            </a:extLst>
+          </p:cNvPr>
+          <p:cNvPicPr>
+            <a:picLocks noChangeAspect="1"/>
+          </p:cNvPicPr>
+          <p:nvPr/>
+        </p:nvPicPr>
+        <p:blipFill>
+          <a:blip r:embed="rId9">
+            <a:extLst>
+              <a:ext uri="{28A0092B-C50C-407E-A947-70E740481C1C}">
+                <a14:useLocalDpi xmlns:a14="http://schemas.microsoft.com/office/drawing/2010/main" val="0"/>
+              </a:ext>
+            </a:extLst>
+          </a:blip>
+          <a:stretch>
+            <a:fillRect/>
+          </a:stretch>
+        </p:blipFill>
+        <p:spPr>
+          <a:xfrm rot="10352834" flipH="1">
+            <a:off x="1568093" y="3454920"/>
+            <a:ext cx="234525" cy="222650"/>
+          </a:xfrm>
+          <a:prstGeom prst="rect">
+            <a:avLst/>
+          </a:prstGeom>
+        </p:spPr>
+      </p:pic>
+      <p:sp>
+        <p:nvSpPr>
+          <p:cNvPr id="2" name="Textfeld 1">
+            <a:extLst>
+              <a:ext uri="{FF2B5EF4-FFF2-40B4-BE49-F238E27FC236}">
+                <a16:creationId xmlns:a16="http://schemas.microsoft.com/office/drawing/2014/main" id="{FD50216E-3DF2-49AD-BEB7-75E1F50623B6}"/>
+              </a:ext>
+            </a:extLst>
+          </p:cNvPr>
+          <p:cNvSpPr txBox="1"/>
+          <p:nvPr/>
+        </p:nvSpPr>
+        <p:spPr>
+          <a:xfrm>
+            <a:off x="9439874" y="3705189"/>
+            <a:ext cx="2395956" cy="369332"/>
+          </a:xfrm>
+          <a:prstGeom prst="rect">
+            <a:avLst/>
+          </a:prstGeom>
+          <a:noFill/>
+        </p:spPr>
+        <p:txBody>
+          <a:bodyPr wrap="square" rtlCol="0">
+            <a:spAutoFit/>
+          </a:bodyPr>
+          <a:lstStyle/>
+          <a:p>
+            <a:r>
+              <a:rPr lang="de-DE" dirty="0">
+                <a:solidFill>
+                  <a:schemeClr val="bg1"/>
+                </a:solidFill>
+                <a:latin typeface="Gaegu" pitchFamily="2" charset="0"/>
+                <a:ea typeface="Gaegu" pitchFamily="2" charset="0"/>
+              </a:rPr>
+              <a:t>Smartphone Steuerung</a:t>
+            </a:r>
+          </a:p>
+        </p:txBody>
+      </p:sp>
+      <p:pic>
+        <p:nvPicPr>
+          <p:cNvPr id="42" name="Grafik 41">
+            <a:extLst>
+              <a:ext uri="{FF2B5EF4-FFF2-40B4-BE49-F238E27FC236}">
+                <a16:creationId xmlns:a16="http://schemas.microsoft.com/office/drawing/2014/main" id="{8A824618-9DC9-4541-942E-315EDBBF4F7A}"/>
+              </a:ext>
+            </a:extLst>
+          </p:cNvPr>
+          <p:cNvPicPr>
+            <a:picLocks noChangeAspect="1"/>
+          </p:cNvPicPr>
+          <p:nvPr/>
+        </p:nvPicPr>
+        <p:blipFill>
+          <a:blip r:embed="rId10">
+            <a:extLst>
+              <a:ext uri="{28A0092B-C50C-407E-A947-70E740481C1C}">
+                <a14:useLocalDpi xmlns:a14="http://schemas.microsoft.com/office/drawing/2010/main" val="0"/>
+              </a:ext>
+              <a:ext uri="{96DAC541-7B7A-43D3-8B79-37D633B846F1}">
+                <asvg:svgBlip xmlns:asvg="http://schemas.microsoft.com/office/drawing/2016/SVG/main" r:embed="rId11"/>
+              </a:ext>
+            </a:extLst>
+          </a:blip>
+          <a:stretch>
+            <a:fillRect/>
+          </a:stretch>
+        </p:blipFill>
+        <p:spPr>
+          <a:xfrm rot="21387366">
+            <a:off x="8996044" y="3914936"/>
+            <a:ext cx="447127" cy="460087"/>
+          </a:xfrm>
+          <a:prstGeom prst="rect">
+            <a:avLst/>
+          </a:prstGeom>
+        </p:spPr>
+      </p:pic>
+    </p:spTree>
+    <p:extLst>
+      <p:ext uri="{BB962C8B-B14F-4D97-AF65-F5344CB8AC3E}">
+        <p14:creationId xmlns:p14="http://schemas.microsoft.com/office/powerpoint/2010/main" val="127925174"/>
+      </p:ext>
+    </p:extLst>
+  </p:cSld>
+  <p:clrMapOvr>
+    <a:masterClrMapping/>
+  </p:clrMapOvr>
+</p:sld>
+</file>
+
+<file path=ppt/slides/slide5.xml><?xml version="1.0" encoding="utf-8"?>
+<p:sld xmlns:a="http://schemas.openxmlformats.org/drawingml/2006/main" xmlns:r="http://schemas.openxmlformats.org/officeDocument/2006/relationships" xmlns:p="http://schemas.openxmlformats.org/presentationml/2006/main">
+  <p:cSld>
+    <p:spTree>
+      <p:nvGrpSpPr>
+        <p:cNvPr id="1" name=""/>
+        <p:cNvGrpSpPr/>
+        <p:nvPr/>
+      </p:nvGrpSpPr>
+      <p:grpSpPr>
+        <a:xfrm>
+          <a:off x="0" y="0"/>
+          <a:ext cx="0" cy="0"/>
+          <a:chOff x="0" y="0"/>
+          <a:chExt cx="0" cy="0"/>
+        </a:xfrm>
+      </p:grpSpPr>
+      <p:pic>
+        <p:nvPicPr>
+          <p:cNvPr id="10" name="Grafik 9">
+            <a:extLst>
+              <a:ext uri="{FF2B5EF4-FFF2-40B4-BE49-F238E27FC236}">
+                <a16:creationId xmlns:a16="http://schemas.microsoft.com/office/drawing/2014/main" id="{B587F85C-8F9F-47FD-A257-72B7A98E8ACC}"/>
+              </a:ext>
+            </a:extLst>
+          </p:cNvPr>
+          <p:cNvPicPr>
+            <a:picLocks noChangeAspect="1"/>
+          </p:cNvPicPr>
+          <p:nvPr/>
+        </p:nvPicPr>
+        <p:blipFill>
+          <a:blip r:embed="rId2"/>
+          <a:stretch>
+            <a:fillRect/>
+          </a:stretch>
+        </p:blipFill>
+        <p:spPr>
+          <a:xfrm>
+            <a:off x="0" y="2780"/>
+            <a:ext cx="12192000" cy="6855220"/>
+          </a:xfrm>
+          <a:prstGeom prst="rect">
+            <a:avLst/>
+          </a:prstGeom>
+        </p:spPr>
+      </p:pic>
+      <p:sp>
+        <p:nvSpPr>
+          <p:cNvPr id="16" name="Rechteck: abgerundete Ecken 15">
+            <a:extLst>
+              <a:ext uri="{FF2B5EF4-FFF2-40B4-BE49-F238E27FC236}">
+                <a16:creationId xmlns:a16="http://schemas.microsoft.com/office/drawing/2014/main" id="{87309DD0-9CF9-4B80-BB7C-BAA2167F64B1}"/>
+              </a:ext>
+            </a:extLst>
+          </p:cNvPr>
+          <p:cNvSpPr/>
+          <p:nvPr/>
+        </p:nvSpPr>
+        <p:spPr>
+          <a:xfrm>
+            <a:off x="4948236" y="1116129"/>
+            <a:ext cx="788988" cy="525135"/>
+          </a:xfrm>
+          <a:prstGeom prst="roundRect">
+            <a:avLst>
+              <a:gd name="adj" fmla="val 0"/>
+            </a:avLst>
+          </a:prstGeom>
+          <a:noFill/>
+          <a:ln w="19050">
+            <a:noFill/>
+          </a:ln>
+        </p:spPr>
+        <p:style>
+          <a:lnRef idx="2">
+            <a:schemeClr val="dk1"/>
+          </a:lnRef>
+          <a:fillRef idx="1">
+            <a:schemeClr val="lt1"/>
+          </a:fillRef>
+          <a:effectRef idx="0">
+            <a:schemeClr val="dk1"/>
+          </a:effectRef>
+          <a:fontRef idx="minor">
+            <a:schemeClr val="dk1"/>
+          </a:fontRef>
+        </p:style>
+        <p:txBody>
+          <a:bodyPr rtlCol="0" anchor="ctr"/>
+          <a:lstStyle/>
+          <a:p>
+            <a:pPr algn="ctr"/>
+            <a:r>
+              <a:rPr lang="de-DE" sz="1600" b="1" dirty="0">
+                <a:solidFill>
+                  <a:srgbClr val="E6AF00"/>
+                </a:solidFill>
+              </a:rPr>
+              <a:t>JS ES6</a:t>
+            </a:r>
+          </a:p>
+          <a:p>
+            <a:pPr algn="ctr"/>
+            <a:r>
+              <a:rPr lang="de-DE" sz="1100" dirty="0">
+                <a:solidFill>
+                  <a:srgbClr val="E6AF00"/>
+                </a:solidFill>
+              </a:rPr>
+              <a:t>4486 </a:t>
+            </a:r>
+            <a:r>
+              <a:rPr lang="de-DE" sz="1100" dirty="0" err="1">
+                <a:solidFill>
+                  <a:srgbClr val="E6AF00"/>
+                </a:solidFill>
+              </a:rPr>
+              <a:t>lines</a:t>
+            </a:r>
+            <a:endParaRPr lang="de-DE" dirty="0">
+              <a:solidFill>
+                <a:srgbClr val="E6AF00"/>
+              </a:solidFill>
+            </a:endParaRPr>
+          </a:p>
+        </p:txBody>
+      </p:sp>
+      <p:sp>
+        <p:nvSpPr>
+          <p:cNvPr id="20" name="Rechteck: abgerundete Ecken 19">
+            <a:extLst>
+              <a:ext uri="{FF2B5EF4-FFF2-40B4-BE49-F238E27FC236}">
+                <a16:creationId xmlns:a16="http://schemas.microsoft.com/office/drawing/2014/main" id="{2CF1C19A-7684-4FE6-AA6C-7D2C3F820D64}"/>
+              </a:ext>
+            </a:extLst>
+          </p:cNvPr>
+          <p:cNvSpPr/>
+          <p:nvPr/>
+        </p:nvSpPr>
+        <p:spPr>
+          <a:xfrm>
+            <a:off x="6041356" y="1116128"/>
+            <a:ext cx="800380" cy="525135"/>
+          </a:xfrm>
+          <a:prstGeom prst="roundRect">
+            <a:avLst>
+              <a:gd name="adj" fmla="val 0"/>
+            </a:avLst>
+          </a:prstGeom>
+          <a:noFill/>
+          <a:ln w="19050">
+            <a:noFill/>
+          </a:ln>
+        </p:spPr>
+        <p:style>
+          <a:lnRef idx="2">
+            <a:schemeClr val="dk1"/>
+          </a:lnRef>
+          <a:fillRef idx="1">
+            <a:schemeClr val="lt1"/>
+          </a:fillRef>
+          <a:effectRef idx="0">
+            <a:schemeClr val="dk1"/>
+          </a:effectRef>
+          <a:fontRef idx="minor">
+            <a:schemeClr val="dk1"/>
+          </a:fontRef>
+        </p:style>
+        <p:txBody>
+          <a:bodyPr rtlCol="0" anchor="ctr"/>
+          <a:lstStyle/>
+          <a:p>
+            <a:pPr algn="ctr"/>
+            <a:r>
+              <a:rPr lang="de-DE" sz="1600" b="1" dirty="0">
+                <a:solidFill>
+                  <a:schemeClr val="accent1"/>
+                </a:solidFill>
+              </a:rPr>
+              <a:t>CSS3</a:t>
+            </a:r>
+          </a:p>
+          <a:p>
+            <a:pPr algn="ctr"/>
+            <a:r>
+              <a:rPr lang="de-DE" sz="1100" dirty="0">
+                <a:solidFill>
+                  <a:schemeClr val="accent1"/>
+                </a:solidFill>
+              </a:rPr>
+              <a:t>1399 </a:t>
+            </a:r>
+            <a:r>
+              <a:rPr lang="de-DE" sz="1100" dirty="0" err="1">
+                <a:solidFill>
+                  <a:schemeClr val="accent1"/>
+                </a:solidFill>
+              </a:rPr>
+              <a:t>lines</a:t>
+            </a:r>
+            <a:endParaRPr lang="de-DE" sz="1100" dirty="0">
+              <a:solidFill>
+                <a:schemeClr val="accent1"/>
+              </a:solidFill>
+            </a:endParaRPr>
+          </a:p>
+        </p:txBody>
+      </p:sp>
+      <p:sp>
+        <p:nvSpPr>
+          <p:cNvPr id="22" name="Rechteck: abgerundete Ecken 21">
+            <a:extLst>
+              <a:ext uri="{FF2B5EF4-FFF2-40B4-BE49-F238E27FC236}">
+                <a16:creationId xmlns:a16="http://schemas.microsoft.com/office/drawing/2014/main" id="{2DE8C402-2765-4CE4-81E5-D224025D565C}"/>
+              </a:ext>
+            </a:extLst>
+          </p:cNvPr>
+          <p:cNvSpPr/>
+          <p:nvPr/>
+        </p:nvSpPr>
+        <p:spPr>
+          <a:xfrm>
+            <a:off x="9034463" y="293407"/>
+            <a:ext cx="2877382" cy="411443"/>
+          </a:xfrm>
+          <a:prstGeom prst="roundRect">
+            <a:avLst>
+              <a:gd name="adj" fmla="val 0"/>
+            </a:avLst>
+          </a:prstGeom>
+          <a:noFill/>
+          <a:ln w="19050">
+            <a:noFill/>
+          </a:ln>
+        </p:spPr>
+        <p:style>
+          <a:lnRef idx="2">
+            <a:schemeClr val="dk1"/>
+          </a:lnRef>
+          <a:fillRef idx="1">
+            <a:schemeClr val="lt1"/>
+          </a:fillRef>
+          <a:effectRef idx="0">
+            <a:schemeClr val="dk1"/>
+          </a:effectRef>
+          <a:fontRef idx="minor">
+            <a:schemeClr val="dk1"/>
+          </a:fontRef>
+        </p:style>
+        <p:txBody>
+          <a:bodyPr rtlCol="0" anchor="ctr"/>
+          <a:lstStyle/>
+          <a:p>
+            <a:pPr algn="ctr"/>
+            <a:r>
+              <a:rPr lang="de-DE" sz="1400" dirty="0">
+                <a:solidFill>
+                  <a:srgbClr val="A2397E"/>
+                </a:solidFill>
+                <a:latin typeface="Product Sans" panose="020B0403030502040203" pitchFamily="34" charset="0"/>
+              </a:rPr>
+              <a:t>von Max Meuten und Niklas Wilke</a:t>
+            </a:r>
+          </a:p>
+        </p:txBody>
+      </p:sp>
+      <p:pic>
+        <p:nvPicPr>
+          <p:cNvPr id="18" name="Grafik 17">
+            <a:extLst>
+              <a:ext uri="{FF2B5EF4-FFF2-40B4-BE49-F238E27FC236}">
+                <a16:creationId xmlns:a16="http://schemas.microsoft.com/office/drawing/2014/main" id="{F735A203-310C-4E20-AE85-E2A8ED7324EA}"/>
+              </a:ext>
+            </a:extLst>
+          </p:cNvPr>
+          <p:cNvPicPr>
+            <a:picLocks noChangeAspect="1"/>
+          </p:cNvPicPr>
+          <p:nvPr/>
+        </p:nvPicPr>
+        <p:blipFill>
+          <a:blip r:embed="rId3">
+            <a:extLst>
+              <a:ext uri="{28A0092B-C50C-407E-A947-70E740481C1C}">
+                <a14:useLocalDpi xmlns:a14="http://schemas.microsoft.com/office/drawing/2010/main" val="0"/>
+              </a:ext>
+            </a:extLst>
+          </a:blip>
+          <a:stretch>
+            <a:fillRect/>
+          </a:stretch>
+        </p:blipFill>
+        <p:spPr>
+          <a:xfrm>
+            <a:off x="6624496" y="4255725"/>
+            <a:ext cx="6187512" cy="2579849"/>
+          </a:xfrm>
+          <a:prstGeom prst="rect">
+            <a:avLst/>
+          </a:prstGeom>
+          <a:effectLst>
+            <a:outerShdw blurRad="63500" sx="102000" sy="102000" algn="ctr" rotWithShape="0">
+              <a:prstClr val="black">
+                <a:alpha val="40000"/>
+              </a:prstClr>
+            </a:outerShdw>
+          </a:effectLst>
+        </p:spPr>
+      </p:pic>
+      <p:sp>
+        <p:nvSpPr>
+          <p:cNvPr id="12" name="Rechteck: abgerundete Ecken 11">
+            <a:extLst>
+              <a:ext uri="{FF2B5EF4-FFF2-40B4-BE49-F238E27FC236}">
+                <a16:creationId xmlns:a16="http://schemas.microsoft.com/office/drawing/2014/main" id="{C7210E9D-D622-4E20-9528-27E49C029A39}"/>
+              </a:ext>
+            </a:extLst>
+          </p:cNvPr>
+          <p:cNvSpPr/>
+          <p:nvPr/>
+        </p:nvSpPr>
+        <p:spPr>
+          <a:xfrm>
+            <a:off x="7111641" y="1113176"/>
+            <a:ext cx="848081" cy="525135"/>
+          </a:xfrm>
+          <a:prstGeom prst="roundRect">
+            <a:avLst>
+              <a:gd name="adj" fmla="val 0"/>
+            </a:avLst>
+          </a:prstGeom>
+          <a:noFill/>
+          <a:ln w="19050">
+            <a:noFill/>
+          </a:ln>
+        </p:spPr>
+        <p:style>
+          <a:lnRef idx="2">
+            <a:schemeClr val="dk1"/>
+          </a:lnRef>
+          <a:fillRef idx="1">
+            <a:schemeClr val="lt1"/>
+          </a:fillRef>
+          <a:effectRef idx="0">
+            <a:schemeClr val="dk1"/>
+          </a:effectRef>
+          <a:fontRef idx="minor">
+            <a:schemeClr val="dk1"/>
+          </a:fontRef>
+        </p:style>
+        <p:txBody>
+          <a:bodyPr rtlCol="0" anchor="ctr"/>
+          <a:lstStyle/>
+          <a:p>
+            <a:pPr algn="ctr"/>
+            <a:r>
+              <a:rPr lang="de-DE" sz="1600" b="1" dirty="0">
+                <a:solidFill>
+                  <a:schemeClr val="accent2"/>
+                </a:solidFill>
+              </a:rPr>
+              <a:t>HTML5</a:t>
+            </a:r>
+          </a:p>
+          <a:p>
+            <a:pPr algn="ctr"/>
+            <a:r>
+              <a:rPr lang="de-DE" sz="1100" dirty="0">
+                <a:solidFill>
+                  <a:schemeClr val="accent2"/>
+                </a:solidFill>
+              </a:rPr>
+              <a:t>599 </a:t>
+            </a:r>
+            <a:r>
+              <a:rPr lang="de-DE" sz="1100" dirty="0" err="1">
+                <a:solidFill>
+                  <a:schemeClr val="accent2"/>
+                </a:solidFill>
+              </a:rPr>
+              <a:t>lines</a:t>
+            </a:r>
+            <a:endParaRPr lang="de-DE" sz="1100" dirty="0">
+              <a:solidFill>
+                <a:schemeClr val="accent2"/>
+              </a:solidFill>
+            </a:endParaRPr>
+          </a:p>
+        </p:txBody>
+      </p:sp>
+      <p:sp>
+        <p:nvSpPr>
+          <p:cNvPr id="4" name="Textfeld 3">
+            <a:extLst>
+              <a:ext uri="{FF2B5EF4-FFF2-40B4-BE49-F238E27FC236}">
+                <a16:creationId xmlns:a16="http://schemas.microsoft.com/office/drawing/2014/main" id="{F876528C-AA37-4178-9058-43DEB5276211}"/>
+              </a:ext>
+            </a:extLst>
+          </p:cNvPr>
+          <p:cNvSpPr txBox="1"/>
+          <p:nvPr/>
+        </p:nvSpPr>
+        <p:spPr>
+          <a:xfrm>
+            <a:off x="5745752" y="1193667"/>
+            <a:ext cx="300082" cy="369332"/>
+          </a:xfrm>
+          <a:prstGeom prst="rect">
+            <a:avLst/>
+          </a:prstGeom>
+          <a:noFill/>
+        </p:spPr>
+        <p:txBody>
+          <a:bodyPr wrap="none" rtlCol="0">
+            <a:spAutoFit/>
+          </a:bodyPr>
+          <a:lstStyle/>
+          <a:p>
+            <a:r>
+              <a:rPr lang="de-DE" b="1" dirty="0">
+                <a:solidFill>
+                  <a:schemeClr val="bg1"/>
+                </a:solidFill>
+              </a:rPr>
+              <a:t>+</a:t>
+            </a:r>
+          </a:p>
+        </p:txBody>
+      </p:sp>
+      <p:sp>
+        <p:nvSpPr>
+          <p:cNvPr id="21" name="Textfeld 20">
+            <a:extLst>
+              <a:ext uri="{FF2B5EF4-FFF2-40B4-BE49-F238E27FC236}">
+                <a16:creationId xmlns:a16="http://schemas.microsoft.com/office/drawing/2014/main" id="{B74D88FB-BF84-4E59-B034-72D592A0DC5F}"/>
+              </a:ext>
+            </a:extLst>
+          </p:cNvPr>
+          <p:cNvSpPr txBox="1"/>
+          <p:nvPr/>
+        </p:nvSpPr>
+        <p:spPr>
+          <a:xfrm>
+            <a:off x="6832100" y="1193667"/>
+            <a:ext cx="300082" cy="369332"/>
+          </a:xfrm>
+          <a:prstGeom prst="rect">
+            <a:avLst/>
+          </a:prstGeom>
+          <a:noFill/>
+        </p:spPr>
+        <p:txBody>
+          <a:bodyPr wrap="none" rtlCol="0">
+            <a:spAutoFit/>
+          </a:bodyPr>
+          <a:lstStyle/>
+          <a:p>
+            <a:r>
+              <a:rPr lang="de-DE" b="1" dirty="0">
+                <a:solidFill>
+                  <a:schemeClr val="bg1"/>
+                </a:solidFill>
+              </a:rPr>
+              <a:t>+</a:t>
+            </a:r>
+          </a:p>
+        </p:txBody>
+      </p:sp>
+      <p:pic>
+        <p:nvPicPr>
+          <p:cNvPr id="7" name="Grafik 6">
+            <a:extLst>
+              <a:ext uri="{FF2B5EF4-FFF2-40B4-BE49-F238E27FC236}">
+                <a16:creationId xmlns:a16="http://schemas.microsoft.com/office/drawing/2014/main" id="{1CCD5DC9-F77A-4645-84A5-6F2FB2119FE2}"/>
+              </a:ext>
+            </a:extLst>
+          </p:cNvPr>
+          <p:cNvPicPr>
+            <a:picLocks noChangeAspect="1"/>
+          </p:cNvPicPr>
+          <p:nvPr/>
+        </p:nvPicPr>
+        <p:blipFill>
+          <a:blip r:embed="rId4">
+            <a:extLst>
+              <a:ext uri="{28A0092B-C50C-407E-A947-70E740481C1C}">
+                <a14:useLocalDpi xmlns:a14="http://schemas.microsoft.com/office/drawing/2010/main" val="0"/>
+              </a:ext>
+            </a:extLst>
+          </a:blip>
+          <a:stretch>
+            <a:fillRect/>
+          </a:stretch>
+        </p:blipFill>
+        <p:spPr>
+          <a:xfrm rot="5110517" flipH="1">
+            <a:off x="6413171" y="4781986"/>
+            <a:ext cx="236100" cy="222651"/>
+          </a:xfrm>
+          <a:prstGeom prst="rect">
+            <a:avLst/>
+          </a:prstGeom>
+        </p:spPr>
+      </p:pic>
+      <p:pic>
+        <p:nvPicPr>
+          <p:cNvPr id="9" name="Grafik 8">
+            <a:extLst>
+              <a:ext uri="{FF2B5EF4-FFF2-40B4-BE49-F238E27FC236}">
+                <a16:creationId xmlns:a16="http://schemas.microsoft.com/office/drawing/2014/main" id="{4687F255-3C0A-47C0-A962-C09A1F111D73}"/>
+              </a:ext>
+            </a:extLst>
+          </p:cNvPr>
+          <p:cNvPicPr>
+            <a:picLocks noChangeAspect="1"/>
+          </p:cNvPicPr>
+          <p:nvPr/>
+        </p:nvPicPr>
+        <p:blipFill>
+          <a:blip r:embed="rId5">
+            <a:extLst>
+              <a:ext uri="{28A0092B-C50C-407E-A947-70E740481C1C}">
+                <a14:useLocalDpi xmlns:a14="http://schemas.microsoft.com/office/drawing/2010/main" val="0"/>
+              </a:ext>
+            </a:extLst>
+          </a:blip>
+          <a:stretch>
+            <a:fillRect/>
+          </a:stretch>
+        </p:blipFill>
+        <p:spPr>
+          <a:xfrm rot="12485512" flipH="1">
+            <a:off x="3745112" y="1946912"/>
+            <a:ext cx="236100" cy="224146"/>
+          </a:xfrm>
+          <a:prstGeom prst="rect">
+            <a:avLst/>
+          </a:prstGeom>
+        </p:spPr>
+      </p:pic>
+      <p:sp>
+        <p:nvSpPr>
+          <p:cNvPr id="26" name="Rechteck: abgerundete Ecken 25">
+            <a:extLst>
+              <a:ext uri="{FF2B5EF4-FFF2-40B4-BE49-F238E27FC236}">
+                <a16:creationId xmlns:a16="http://schemas.microsoft.com/office/drawing/2014/main" id="{3EEA3DCB-23E2-4133-BDC7-1F1C324CCA81}"/>
+              </a:ext>
+            </a:extLst>
+          </p:cNvPr>
+          <p:cNvSpPr/>
+          <p:nvPr/>
+        </p:nvSpPr>
+        <p:spPr>
+          <a:xfrm>
+            <a:off x="333375" y="4117970"/>
+            <a:ext cx="3643312" cy="2468568"/>
+          </a:xfrm>
+          <a:prstGeom prst="roundRect">
+            <a:avLst>
+              <a:gd name="adj" fmla="val 0"/>
+            </a:avLst>
+          </a:prstGeom>
+          <a:noFill/>
+          <a:ln w="19050">
+            <a:noFill/>
+          </a:ln>
+        </p:spPr>
+        <p:style>
+          <a:lnRef idx="2">
+            <a:schemeClr val="dk1"/>
+          </a:lnRef>
+          <a:fillRef idx="1">
+            <a:schemeClr val="lt1"/>
+          </a:fillRef>
+          <a:effectRef idx="0">
+            <a:schemeClr val="dk1"/>
+          </a:effectRef>
+          <a:fontRef idx="minor">
+            <a:schemeClr val="dk1"/>
+          </a:fontRef>
+        </p:style>
+        <p:txBody>
+          <a:bodyPr rtlCol="0" anchor="ctr"/>
+          <a:lstStyle/>
+          <a:p>
+            <a:pPr marL="324000" indent="-285750">
+              <a:spcBef>
+                <a:spcPts val="600"/>
+              </a:spcBef>
+              <a:buSzPct val="100000"/>
+              <a:buBlip>
+                <a:blip r:embed="rId4">
+                  <a:extLst/>
+                </a:blip>
+              </a:buBlip>
+            </a:pPr>
+            <a:r>
+              <a:rPr lang="de-DE" sz="1600" dirty="0">
+                <a:solidFill>
+                  <a:srgbClr val="2B6CAC"/>
+                </a:solidFill>
+                <a:latin typeface="Product Sans" panose="020B0403030502040203" pitchFamily="34" charset="0"/>
+                <a:ea typeface="Gaegu" pitchFamily="2" charset="0"/>
+              </a:rPr>
+              <a:t>Spiele mit bis zu 6 Spielern</a:t>
+            </a:r>
+          </a:p>
+          <a:p>
+            <a:pPr marL="324000" indent="-285750">
+              <a:spcBef>
+                <a:spcPts val="600"/>
+              </a:spcBef>
+              <a:buSzPct val="100000"/>
+              <a:buBlip>
+                <a:blip r:embed="rId5">
+                  <a:extLst/>
+                </a:blip>
+              </a:buBlip>
+            </a:pPr>
+            <a:r>
+              <a:rPr lang="de-DE" sz="1600" dirty="0">
+                <a:solidFill>
+                  <a:srgbClr val="2BAC6C"/>
+                </a:solidFill>
+                <a:latin typeface="Product Sans" panose="020B0403030502040203" pitchFamily="34" charset="0"/>
+                <a:ea typeface="Gaegu" pitchFamily="2" charset="0"/>
+              </a:rPr>
+              <a:t>Steuere deinen Panzer mit dem Smartphone</a:t>
+            </a:r>
+          </a:p>
+          <a:p>
+            <a:pPr marL="324000" indent="-285750">
+              <a:spcBef>
+                <a:spcPts val="600"/>
+              </a:spcBef>
+              <a:buSzPct val="100000"/>
+              <a:buBlip>
+                <a:blip r:embed="rId4">
+                  <a:extLst/>
+                </a:blip>
+              </a:buBlip>
+            </a:pPr>
+            <a:r>
+              <a:rPr lang="de-DE" sz="1600" dirty="0">
+                <a:solidFill>
+                  <a:srgbClr val="2B6CAC"/>
+                </a:solidFill>
+                <a:latin typeface="Product Sans" panose="020B0403030502040203" pitchFamily="34" charset="0"/>
+                <a:ea typeface="Gaegu" pitchFamily="2" charset="0"/>
+              </a:rPr>
+              <a:t>Sammle die </a:t>
+            </a:r>
+            <a:r>
+              <a:rPr lang="de-DE" sz="1600" dirty="0" err="1">
+                <a:solidFill>
+                  <a:srgbClr val="2B6CAC"/>
+                </a:solidFill>
+                <a:latin typeface="Product Sans" panose="020B0403030502040203" pitchFamily="34" charset="0"/>
+                <a:ea typeface="Gaegu" pitchFamily="2" charset="0"/>
+              </a:rPr>
+              <a:t>Powerups</a:t>
+            </a:r>
+            <a:r>
+              <a:rPr lang="de-DE" sz="1600" dirty="0">
+                <a:solidFill>
+                  <a:srgbClr val="2B6CAC"/>
+                </a:solidFill>
+                <a:latin typeface="Product Sans" panose="020B0403030502040203" pitchFamily="34" charset="0"/>
+                <a:ea typeface="Gaegu" pitchFamily="2" charset="0"/>
+              </a:rPr>
+              <a:t> ein um dir einen Vorteil zu verschaffen</a:t>
+            </a:r>
+          </a:p>
+          <a:p>
+            <a:pPr marL="324000" indent="-285750">
+              <a:spcBef>
+                <a:spcPts val="600"/>
+              </a:spcBef>
+              <a:buSzPct val="100000"/>
+              <a:buBlip>
+                <a:blip r:embed="rId5">
+                  <a:extLst/>
+                </a:blip>
+              </a:buBlip>
+            </a:pPr>
+            <a:r>
+              <a:rPr lang="de-DE" sz="1600" dirty="0">
+                <a:solidFill>
+                  <a:srgbClr val="2BAC6C"/>
+                </a:solidFill>
+                <a:latin typeface="Product Sans" panose="020B0403030502040203" pitchFamily="34" charset="0"/>
+                <a:ea typeface="Gaegu" pitchFamily="2" charset="0"/>
+              </a:rPr>
+              <a:t>Besiege KI-Bots für Bonuspunkte</a:t>
+            </a:r>
+          </a:p>
+          <a:p>
+            <a:pPr marL="324000" indent="-285750">
+              <a:spcBef>
+                <a:spcPts val="600"/>
+              </a:spcBef>
+              <a:buSzPct val="100000"/>
+              <a:buBlip>
+                <a:blip r:embed="rId4">
+                  <a:extLst/>
+                </a:blip>
+              </a:buBlip>
+            </a:pPr>
+            <a:r>
+              <a:rPr lang="de-DE" sz="1600" dirty="0">
+                <a:solidFill>
+                  <a:srgbClr val="2B6CAC"/>
+                </a:solidFill>
+                <a:latin typeface="Product Sans" panose="020B0403030502040203" pitchFamily="34" charset="0"/>
+                <a:ea typeface="Gaegu" pitchFamily="2" charset="0"/>
+              </a:rPr>
+              <a:t>Baue eigene Level im Editor</a:t>
+            </a:r>
+          </a:p>
+        </p:txBody>
+      </p:sp>
+      <p:pic>
+        <p:nvPicPr>
+          <p:cNvPr id="25" name="Grafik 24">
+            <a:extLst>
+              <a:ext uri="{FF2B5EF4-FFF2-40B4-BE49-F238E27FC236}">
+                <a16:creationId xmlns:a16="http://schemas.microsoft.com/office/drawing/2014/main" id="{D18D3B9A-C449-4783-AB03-2A9B6BCA57A3}"/>
+              </a:ext>
+            </a:extLst>
+          </p:cNvPr>
+          <p:cNvPicPr>
+            <a:picLocks noChangeAspect="1"/>
+          </p:cNvPicPr>
+          <p:nvPr/>
+        </p:nvPicPr>
+        <p:blipFill>
+          <a:blip r:embed="rId6">
+            <a:extLst>
+              <a:ext uri="{28A0092B-C50C-407E-A947-70E740481C1C}">
+                <a14:useLocalDpi xmlns:a14="http://schemas.microsoft.com/office/drawing/2010/main" val="0"/>
+              </a:ext>
+            </a:extLst>
+          </a:blip>
+          <a:stretch>
+            <a:fillRect/>
+          </a:stretch>
+        </p:blipFill>
+        <p:spPr>
+          <a:xfrm rot="19168061" flipH="1">
+            <a:off x="7387869" y="2532197"/>
+            <a:ext cx="234525" cy="222651"/>
+          </a:xfrm>
+          <a:prstGeom prst="rect">
+            <a:avLst/>
+          </a:prstGeom>
+        </p:spPr>
+      </p:pic>
+      <p:pic>
+        <p:nvPicPr>
+          <p:cNvPr id="3" name="Grafik 2">
+            <a:extLst>
+              <a:ext uri="{FF2B5EF4-FFF2-40B4-BE49-F238E27FC236}">
+                <a16:creationId xmlns:a16="http://schemas.microsoft.com/office/drawing/2014/main" id="{FAB2DFFB-9574-48A1-B6DA-817864161632}"/>
+              </a:ext>
+            </a:extLst>
+          </p:cNvPr>
+          <p:cNvPicPr>
+            <a:picLocks noChangeAspect="1"/>
+          </p:cNvPicPr>
+          <p:nvPr/>
+        </p:nvPicPr>
+        <p:blipFill>
+          <a:blip r:embed="rId7">
+            <a:extLst>
+              <a:ext uri="{28A0092B-C50C-407E-A947-70E740481C1C}">
+                <a14:useLocalDpi xmlns:a14="http://schemas.microsoft.com/office/drawing/2010/main" val="0"/>
+              </a:ext>
+              <a:ext uri="{96DAC541-7B7A-43D3-8B79-37D633B846F1}">
+                <asvg:svgBlip xmlns:asvg="http://schemas.microsoft.com/office/drawing/2016/SVG/main" r:embed="rId8"/>
+              </a:ext>
+            </a:extLst>
+          </a:blip>
+          <a:stretch>
+            <a:fillRect/>
+          </a:stretch>
+        </p:blipFill>
+        <p:spPr>
+          <a:xfrm>
+            <a:off x="4879695" y="175087"/>
+            <a:ext cx="3133680" cy="783420"/>
+          </a:xfrm>
+          <a:prstGeom prst="rect">
+            <a:avLst/>
+          </a:prstGeom>
+        </p:spPr>
+      </p:pic>
+      <p:pic>
+        <p:nvPicPr>
+          <p:cNvPr id="23" name="Grafik 22">
+            <a:extLst>
+              <a:ext uri="{FF2B5EF4-FFF2-40B4-BE49-F238E27FC236}">
+                <a16:creationId xmlns:a16="http://schemas.microsoft.com/office/drawing/2014/main" id="{CAF85C63-32BE-4249-8D76-9F0CB7FFCC6E}"/>
+              </a:ext>
+            </a:extLst>
+          </p:cNvPr>
+          <p:cNvPicPr>
+            <a:picLocks noChangeAspect="1"/>
+          </p:cNvPicPr>
+          <p:nvPr/>
+        </p:nvPicPr>
+        <p:blipFill>
+          <a:blip r:embed="rId9">
+            <a:extLst>
+              <a:ext uri="{28A0092B-C50C-407E-A947-70E740481C1C}">
+                <a14:useLocalDpi xmlns:a14="http://schemas.microsoft.com/office/drawing/2010/main" val="0"/>
+              </a:ext>
+            </a:extLst>
+          </a:blip>
+          <a:stretch>
+            <a:fillRect/>
+          </a:stretch>
+        </p:blipFill>
+        <p:spPr>
+          <a:xfrm rot="10352834" flipH="1">
+            <a:off x="1568093" y="3454920"/>
+            <a:ext cx="234525" cy="222650"/>
+          </a:xfrm>
+          <a:prstGeom prst="rect">
+            <a:avLst/>
+          </a:prstGeom>
+        </p:spPr>
+      </p:pic>
+      <p:sp>
+        <p:nvSpPr>
+          <p:cNvPr id="2" name="Textfeld 1">
+            <a:extLst>
+              <a:ext uri="{FF2B5EF4-FFF2-40B4-BE49-F238E27FC236}">
+                <a16:creationId xmlns:a16="http://schemas.microsoft.com/office/drawing/2014/main" id="{FD50216E-3DF2-49AD-BEB7-75E1F50623B6}"/>
+              </a:ext>
+            </a:extLst>
+          </p:cNvPr>
+          <p:cNvSpPr txBox="1"/>
+          <p:nvPr/>
+        </p:nvSpPr>
+        <p:spPr>
+          <a:xfrm>
+            <a:off x="9439874" y="3705189"/>
+            <a:ext cx="2395956" cy="369332"/>
+          </a:xfrm>
+          <a:prstGeom prst="rect">
+            <a:avLst/>
+          </a:prstGeom>
+          <a:noFill/>
+        </p:spPr>
+        <p:txBody>
+          <a:bodyPr wrap="square" rtlCol="0">
+            <a:spAutoFit/>
+          </a:bodyPr>
+          <a:lstStyle/>
+          <a:p>
+            <a:r>
+              <a:rPr lang="de-DE" dirty="0">
+                <a:solidFill>
+                  <a:schemeClr val="bg1"/>
+                </a:solidFill>
+                <a:latin typeface="Gaegu" pitchFamily="2" charset="0"/>
+                <a:ea typeface="Gaegu" pitchFamily="2" charset="0"/>
+              </a:rPr>
+              <a:t>Smartphone Steuerung</a:t>
+            </a:r>
+          </a:p>
+        </p:txBody>
+      </p:sp>
+      <p:pic>
+        <p:nvPicPr>
+          <p:cNvPr id="42" name="Grafik 41">
+            <a:extLst>
+              <a:ext uri="{FF2B5EF4-FFF2-40B4-BE49-F238E27FC236}">
+                <a16:creationId xmlns:a16="http://schemas.microsoft.com/office/drawing/2014/main" id="{8A824618-9DC9-4541-942E-315EDBBF4F7A}"/>
+              </a:ext>
+            </a:extLst>
+          </p:cNvPr>
+          <p:cNvPicPr>
+            <a:picLocks noChangeAspect="1"/>
+          </p:cNvPicPr>
+          <p:nvPr/>
+        </p:nvPicPr>
+        <p:blipFill>
+          <a:blip r:embed="rId10">
+            <a:extLst>
+              <a:ext uri="{28A0092B-C50C-407E-A947-70E740481C1C}">
+                <a14:useLocalDpi xmlns:a14="http://schemas.microsoft.com/office/drawing/2010/main" val="0"/>
+              </a:ext>
+              <a:ext uri="{96DAC541-7B7A-43D3-8B79-37D633B846F1}">
+                <asvg:svgBlip xmlns:asvg="http://schemas.microsoft.com/office/drawing/2016/SVG/main" r:embed="rId11"/>
+              </a:ext>
+            </a:extLst>
+          </a:blip>
+          <a:stretch>
+            <a:fillRect/>
+          </a:stretch>
+        </p:blipFill>
+        <p:spPr>
+          <a:xfrm rot="21387366">
+            <a:off x="8996044" y="3914936"/>
+            <a:ext cx="447127" cy="460087"/>
+          </a:xfrm>
+          <a:prstGeom prst="rect">
+            <a:avLst/>
+          </a:prstGeom>
+        </p:spPr>
+      </p:pic>
+    </p:spTree>
+    <p:extLst>
+      <p:ext uri="{BB962C8B-B14F-4D97-AF65-F5344CB8AC3E}">
+        <p14:creationId xmlns:p14="http://schemas.microsoft.com/office/powerpoint/2010/main" val="2753988696"/>
       </p:ext>
     </p:extLst>
   </p:cSld>

--- a/media/Panzer Party.pptx
+++ b/media/Panzer Party.pptx
@@ -10,6 +10,8 @@
     <p:sldId id="264" r:id="rId4"/>
     <p:sldId id="265" r:id="rId5"/>
     <p:sldId id="266" r:id="rId6"/>
+    <p:sldId id="267" r:id="rId7"/>
+    <p:sldId id="268" r:id="rId8"/>
   </p:sldIdLst>
   <p:sldSz cx="12192000" cy="6858000"/>
   <p:notesSz cx="6858000" cy="9144000"/>
@@ -328,7 +330,7 @@
           </ac:picMkLst>
         </pc:picChg>
         <pc:picChg chg="add del mod ord">
-          <ac:chgData name="Max Meuten" userId="1b66fd4c7ecdcb99" providerId="LiveId" clId="{5634777E-6FEB-4230-B8E3-6F6C6D766434}" dt="2018-09-07T22:07:25.688" v="222"/>
+          <ac:chgData name="Max Meuten" userId="1b66fd4c7ecdcb99" providerId="LiveId" clId="{5634777E-6FEB-4230-B8E3-6F6C6D766434}" dt="2018-09-07T22:07:25.688" v="222" actId="14826"/>
           <ac:picMkLst>
             <pc:docMk/>
             <pc:sldMk cId="127925174" sldId="265"/>
@@ -7075,6 +7077,1858 @@
 </p:sld>
 </file>
 
+<file path=ppt/slides/slide6.xml><?xml version="1.0" encoding="utf-8"?>
+<p:sld xmlns:a="http://schemas.openxmlformats.org/drawingml/2006/main" xmlns:r="http://schemas.openxmlformats.org/officeDocument/2006/relationships" xmlns:p="http://schemas.openxmlformats.org/presentationml/2006/main">
+  <p:cSld>
+    <p:bg>
+      <p:bgPr>
+        <a:solidFill>
+          <a:schemeClr val="bg1"/>
+        </a:solidFill>
+        <a:effectLst/>
+      </p:bgPr>
+    </p:bg>
+    <p:spTree>
+      <p:nvGrpSpPr>
+        <p:cNvPr id="1" name=""/>
+        <p:cNvGrpSpPr/>
+        <p:nvPr/>
+      </p:nvGrpSpPr>
+      <p:grpSpPr>
+        <a:xfrm>
+          <a:off x="0" y="0"/>
+          <a:ext cx="0" cy="0"/>
+          <a:chOff x="0" y="0"/>
+          <a:chExt cx="0" cy="0"/>
+        </a:xfrm>
+      </p:grpSpPr>
+      <p:sp>
+        <p:nvSpPr>
+          <p:cNvPr id="22" name="Rechteck: abgerundete Ecken 21">
+            <a:extLst>
+              <a:ext uri="{FF2B5EF4-FFF2-40B4-BE49-F238E27FC236}">
+                <a16:creationId xmlns:a16="http://schemas.microsoft.com/office/drawing/2014/main" id="{2DE8C402-2765-4CE4-81E5-D224025D565C}"/>
+              </a:ext>
+            </a:extLst>
+          </p:cNvPr>
+          <p:cNvSpPr/>
+          <p:nvPr/>
+        </p:nvSpPr>
+        <p:spPr>
+          <a:xfrm>
+            <a:off x="7646727" y="2386865"/>
+            <a:ext cx="1662235" cy="411443"/>
+          </a:xfrm>
+          <a:prstGeom prst="roundRect">
+            <a:avLst>
+              <a:gd name="adj" fmla="val 0"/>
+            </a:avLst>
+          </a:prstGeom>
+          <a:noFill/>
+          <a:ln w="19050">
+            <a:noFill/>
+          </a:ln>
+        </p:spPr>
+        <p:style>
+          <a:lnRef idx="2">
+            <a:schemeClr val="dk1"/>
+          </a:lnRef>
+          <a:fillRef idx="1">
+            <a:schemeClr val="lt1"/>
+          </a:fillRef>
+          <a:effectRef idx="0">
+            <a:schemeClr val="dk1"/>
+          </a:effectRef>
+          <a:fontRef idx="minor">
+            <a:schemeClr val="dk1"/>
+          </a:fontRef>
+        </p:style>
+        <p:txBody>
+          <a:bodyPr rtlCol="0" anchor="ctr"/>
+          <a:lstStyle/>
+          <a:p>
+            <a:pPr algn="ctr"/>
+            <a:r>
+              <a:rPr lang="de-DE" sz="1400" dirty="0">
+                <a:solidFill>
+                  <a:srgbClr val="A2397E"/>
+                </a:solidFill>
+                <a:latin typeface="Product Sans" panose="020B0403030502040203" pitchFamily="34" charset="0"/>
+              </a:rPr>
+              <a:t>von Max Meuten</a:t>
+            </a:r>
+            <a:br>
+              <a:rPr lang="de-DE" sz="1400" dirty="0">
+                <a:solidFill>
+                  <a:srgbClr val="A2397E"/>
+                </a:solidFill>
+                <a:latin typeface="Product Sans" panose="020B0403030502040203" pitchFamily="34" charset="0"/>
+              </a:rPr>
+            </a:br>
+            <a:r>
+              <a:rPr lang="de-DE" sz="1400" dirty="0">
+                <a:solidFill>
+                  <a:srgbClr val="A2397E"/>
+                </a:solidFill>
+                <a:latin typeface="Product Sans" panose="020B0403030502040203" pitchFamily="34" charset="0"/>
+              </a:rPr>
+              <a:t> und Niklas Wilke</a:t>
+            </a:r>
+          </a:p>
+        </p:txBody>
+      </p:sp>
+      <p:pic>
+        <p:nvPicPr>
+          <p:cNvPr id="18" name="Grafik 17">
+            <a:extLst>
+              <a:ext uri="{FF2B5EF4-FFF2-40B4-BE49-F238E27FC236}">
+                <a16:creationId xmlns:a16="http://schemas.microsoft.com/office/drawing/2014/main" id="{F735A203-310C-4E20-AE85-E2A8ED7324EA}"/>
+              </a:ext>
+            </a:extLst>
+          </p:cNvPr>
+          <p:cNvPicPr>
+            <a:picLocks noChangeAspect="1"/>
+          </p:cNvPicPr>
+          <p:nvPr/>
+        </p:nvPicPr>
+        <p:blipFill>
+          <a:blip r:embed="rId2">
+            <a:extLst>
+              <a:ext uri="{28A0092B-C50C-407E-A947-70E740481C1C}">
+                <a14:useLocalDpi xmlns:a14="http://schemas.microsoft.com/office/drawing/2010/main" val="0"/>
+              </a:ext>
+            </a:extLst>
+          </a:blip>
+          <a:stretch>
+            <a:fillRect/>
+          </a:stretch>
+        </p:blipFill>
+        <p:spPr>
+          <a:xfrm>
+            <a:off x="2609192" y="3606967"/>
+            <a:ext cx="6187512" cy="2579849"/>
+          </a:xfrm>
+          <a:prstGeom prst="rect">
+            <a:avLst/>
+          </a:prstGeom>
+          <a:effectLst>
+            <a:outerShdw blurRad="63500" sx="102000" sy="102000" algn="ctr" rotWithShape="0">
+              <a:prstClr val="black">
+                <a:alpha val="40000"/>
+              </a:prstClr>
+            </a:outerShdw>
+          </a:effectLst>
+        </p:spPr>
+      </p:pic>
+      <p:grpSp>
+        <p:nvGrpSpPr>
+          <p:cNvPr id="5" name="Gruppieren 4">
+            <a:extLst>
+              <a:ext uri="{FF2B5EF4-FFF2-40B4-BE49-F238E27FC236}">
+                <a16:creationId xmlns:a16="http://schemas.microsoft.com/office/drawing/2014/main" id="{7D8C09A8-F71D-4F33-A2CE-CC54CA7DDD8C}"/>
+              </a:ext>
+            </a:extLst>
+          </p:cNvPr>
+          <p:cNvGrpSpPr/>
+          <p:nvPr/>
+        </p:nvGrpSpPr>
+        <p:grpSpPr>
+          <a:xfrm>
+            <a:off x="8694326" y="310114"/>
+            <a:ext cx="3011486" cy="528088"/>
+            <a:chOff x="4948236" y="1113176"/>
+            <a:chExt cx="3011486" cy="528088"/>
+          </a:xfrm>
+        </p:grpSpPr>
+        <p:sp>
+          <p:nvSpPr>
+            <p:cNvPr id="16" name="Rechteck: abgerundete Ecken 15">
+              <a:extLst>
+                <a:ext uri="{FF2B5EF4-FFF2-40B4-BE49-F238E27FC236}">
+                  <a16:creationId xmlns:a16="http://schemas.microsoft.com/office/drawing/2014/main" id="{87309DD0-9CF9-4B80-BB7C-BAA2167F64B1}"/>
+                </a:ext>
+              </a:extLst>
+            </p:cNvPr>
+            <p:cNvSpPr/>
+            <p:nvPr/>
+          </p:nvSpPr>
+          <p:spPr>
+            <a:xfrm>
+              <a:off x="4948236" y="1116129"/>
+              <a:ext cx="788988" cy="525135"/>
+            </a:xfrm>
+            <a:prstGeom prst="roundRect">
+              <a:avLst>
+                <a:gd name="adj" fmla="val 0"/>
+              </a:avLst>
+            </a:prstGeom>
+            <a:noFill/>
+            <a:ln w="19050">
+              <a:noFill/>
+            </a:ln>
+          </p:spPr>
+          <p:style>
+            <a:lnRef idx="2">
+              <a:schemeClr val="dk1"/>
+            </a:lnRef>
+            <a:fillRef idx="1">
+              <a:schemeClr val="lt1"/>
+            </a:fillRef>
+            <a:effectRef idx="0">
+              <a:schemeClr val="dk1"/>
+            </a:effectRef>
+            <a:fontRef idx="minor">
+              <a:schemeClr val="dk1"/>
+            </a:fontRef>
+          </p:style>
+          <p:txBody>
+            <a:bodyPr rtlCol="0" anchor="ctr"/>
+            <a:lstStyle/>
+            <a:p>
+              <a:pPr algn="ctr"/>
+              <a:r>
+                <a:rPr lang="de-DE" sz="1600" b="1" dirty="0">
+                  <a:solidFill>
+                    <a:srgbClr val="E6AF00"/>
+                  </a:solidFill>
+                </a:rPr>
+                <a:t>JS ES6</a:t>
+              </a:r>
+            </a:p>
+            <a:p>
+              <a:pPr algn="ctr"/>
+              <a:r>
+                <a:rPr lang="de-DE" sz="1100" dirty="0">
+                  <a:solidFill>
+                    <a:srgbClr val="E6AF00"/>
+                  </a:solidFill>
+                </a:rPr>
+                <a:t>4486 </a:t>
+              </a:r>
+              <a:r>
+                <a:rPr lang="de-DE" sz="1100" dirty="0" err="1">
+                  <a:solidFill>
+                    <a:srgbClr val="E6AF00"/>
+                  </a:solidFill>
+                </a:rPr>
+                <a:t>lines</a:t>
+              </a:r>
+              <a:endParaRPr lang="de-DE" dirty="0">
+                <a:solidFill>
+                  <a:srgbClr val="E6AF00"/>
+                </a:solidFill>
+              </a:endParaRPr>
+            </a:p>
+          </p:txBody>
+        </p:sp>
+        <p:sp>
+          <p:nvSpPr>
+            <p:cNvPr id="20" name="Rechteck: abgerundete Ecken 19">
+              <a:extLst>
+                <a:ext uri="{FF2B5EF4-FFF2-40B4-BE49-F238E27FC236}">
+                  <a16:creationId xmlns:a16="http://schemas.microsoft.com/office/drawing/2014/main" id="{2CF1C19A-7684-4FE6-AA6C-7D2C3F820D64}"/>
+                </a:ext>
+              </a:extLst>
+            </p:cNvPr>
+            <p:cNvSpPr/>
+            <p:nvPr/>
+          </p:nvSpPr>
+          <p:spPr>
+            <a:xfrm>
+              <a:off x="6041356" y="1116128"/>
+              <a:ext cx="800380" cy="525135"/>
+            </a:xfrm>
+            <a:prstGeom prst="roundRect">
+              <a:avLst>
+                <a:gd name="adj" fmla="val 0"/>
+              </a:avLst>
+            </a:prstGeom>
+            <a:noFill/>
+            <a:ln w="19050">
+              <a:noFill/>
+            </a:ln>
+          </p:spPr>
+          <p:style>
+            <a:lnRef idx="2">
+              <a:schemeClr val="dk1"/>
+            </a:lnRef>
+            <a:fillRef idx="1">
+              <a:schemeClr val="lt1"/>
+            </a:fillRef>
+            <a:effectRef idx="0">
+              <a:schemeClr val="dk1"/>
+            </a:effectRef>
+            <a:fontRef idx="minor">
+              <a:schemeClr val="dk1"/>
+            </a:fontRef>
+          </p:style>
+          <p:txBody>
+            <a:bodyPr rtlCol="0" anchor="ctr"/>
+            <a:lstStyle/>
+            <a:p>
+              <a:pPr algn="ctr"/>
+              <a:r>
+                <a:rPr lang="de-DE" sz="1600" b="1" dirty="0">
+                  <a:solidFill>
+                    <a:schemeClr val="accent1"/>
+                  </a:solidFill>
+                </a:rPr>
+                <a:t>CSS3</a:t>
+              </a:r>
+            </a:p>
+            <a:p>
+              <a:pPr algn="ctr"/>
+              <a:r>
+                <a:rPr lang="de-DE" sz="1100" dirty="0">
+                  <a:solidFill>
+                    <a:schemeClr val="accent1"/>
+                  </a:solidFill>
+                </a:rPr>
+                <a:t>1399 </a:t>
+              </a:r>
+              <a:r>
+                <a:rPr lang="de-DE" sz="1100" dirty="0" err="1">
+                  <a:solidFill>
+                    <a:schemeClr val="accent1"/>
+                  </a:solidFill>
+                </a:rPr>
+                <a:t>lines</a:t>
+              </a:r>
+              <a:endParaRPr lang="de-DE" sz="1100" dirty="0">
+                <a:solidFill>
+                  <a:schemeClr val="accent1"/>
+                </a:solidFill>
+              </a:endParaRPr>
+            </a:p>
+          </p:txBody>
+        </p:sp>
+        <p:sp>
+          <p:nvSpPr>
+            <p:cNvPr id="12" name="Rechteck: abgerundete Ecken 11">
+              <a:extLst>
+                <a:ext uri="{FF2B5EF4-FFF2-40B4-BE49-F238E27FC236}">
+                  <a16:creationId xmlns:a16="http://schemas.microsoft.com/office/drawing/2014/main" id="{C7210E9D-D622-4E20-9528-27E49C029A39}"/>
+                </a:ext>
+              </a:extLst>
+            </p:cNvPr>
+            <p:cNvSpPr/>
+            <p:nvPr/>
+          </p:nvSpPr>
+          <p:spPr>
+            <a:xfrm>
+              <a:off x="7111641" y="1113176"/>
+              <a:ext cx="848081" cy="525135"/>
+            </a:xfrm>
+            <a:prstGeom prst="roundRect">
+              <a:avLst>
+                <a:gd name="adj" fmla="val 0"/>
+              </a:avLst>
+            </a:prstGeom>
+            <a:noFill/>
+            <a:ln w="19050">
+              <a:noFill/>
+            </a:ln>
+          </p:spPr>
+          <p:style>
+            <a:lnRef idx="2">
+              <a:schemeClr val="dk1"/>
+            </a:lnRef>
+            <a:fillRef idx="1">
+              <a:schemeClr val="lt1"/>
+            </a:fillRef>
+            <a:effectRef idx="0">
+              <a:schemeClr val="dk1"/>
+            </a:effectRef>
+            <a:fontRef idx="minor">
+              <a:schemeClr val="dk1"/>
+            </a:fontRef>
+          </p:style>
+          <p:txBody>
+            <a:bodyPr rtlCol="0" anchor="ctr"/>
+            <a:lstStyle/>
+            <a:p>
+              <a:pPr algn="ctr"/>
+              <a:r>
+                <a:rPr lang="de-DE" sz="1600" b="1" dirty="0">
+                  <a:solidFill>
+                    <a:schemeClr val="accent2"/>
+                  </a:solidFill>
+                </a:rPr>
+                <a:t>HTML5</a:t>
+              </a:r>
+            </a:p>
+            <a:p>
+              <a:pPr algn="ctr"/>
+              <a:r>
+                <a:rPr lang="de-DE" sz="1100" dirty="0">
+                  <a:solidFill>
+                    <a:schemeClr val="accent2"/>
+                  </a:solidFill>
+                </a:rPr>
+                <a:t>599 </a:t>
+              </a:r>
+              <a:r>
+                <a:rPr lang="de-DE" sz="1100" dirty="0" err="1">
+                  <a:solidFill>
+                    <a:schemeClr val="accent2"/>
+                  </a:solidFill>
+                </a:rPr>
+                <a:t>lines</a:t>
+              </a:r>
+              <a:endParaRPr lang="de-DE" sz="1100" dirty="0">
+                <a:solidFill>
+                  <a:schemeClr val="accent2"/>
+                </a:solidFill>
+              </a:endParaRPr>
+            </a:p>
+          </p:txBody>
+        </p:sp>
+        <p:sp>
+          <p:nvSpPr>
+            <p:cNvPr id="4" name="Textfeld 3">
+              <a:extLst>
+                <a:ext uri="{FF2B5EF4-FFF2-40B4-BE49-F238E27FC236}">
+                  <a16:creationId xmlns:a16="http://schemas.microsoft.com/office/drawing/2014/main" id="{F876528C-AA37-4178-9058-43DEB5276211}"/>
+                </a:ext>
+              </a:extLst>
+            </p:cNvPr>
+            <p:cNvSpPr txBox="1"/>
+            <p:nvPr/>
+          </p:nvSpPr>
+          <p:spPr>
+            <a:xfrm>
+              <a:off x="5745752" y="1193667"/>
+              <a:ext cx="300082" cy="369332"/>
+            </a:xfrm>
+            <a:prstGeom prst="rect">
+              <a:avLst/>
+            </a:prstGeom>
+            <a:noFill/>
+          </p:spPr>
+          <p:txBody>
+            <a:bodyPr wrap="none" rtlCol="0">
+              <a:spAutoFit/>
+            </a:bodyPr>
+            <a:lstStyle/>
+            <a:p>
+              <a:r>
+                <a:rPr lang="de-DE" b="1" dirty="0">
+                  <a:solidFill>
+                    <a:schemeClr val="bg1"/>
+                  </a:solidFill>
+                </a:rPr>
+                <a:t>+</a:t>
+              </a:r>
+            </a:p>
+          </p:txBody>
+        </p:sp>
+        <p:sp>
+          <p:nvSpPr>
+            <p:cNvPr id="21" name="Textfeld 20">
+              <a:extLst>
+                <a:ext uri="{FF2B5EF4-FFF2-40B4-BE49-F238E27FC236}">
+                  <a16:creationId xmlns:a16="http://schemas.microsoft.com/office/drawing/2014/main" id="{B74D88FB-BF84-4E59-B034-72D592A0DC5F}"/>
+                </a:ext>
+              </a:extLst>
+            </p:cNvPr>
+            <p:cNvSpPr txBox="1"/>
+            <p:nvPr/>
+          </p:nvSpPr>
+          <p:spPr>
+            <a:xfrm>
+              <a:off x="6832100" y="1193667"/>
+              <a:ext cx="300082" cy="369332"/>
+            </a:xfrm>
+            <a:prstGeom prst="rect">
+              <a:avLst/>
+            </a:prstGeom>
+            <a:noFill/>
+          </p:spPr>
+          <p:txBody>
+            <a:bodyPr wrap="none" rtlCol="0">
+              <a:spAutoFit/>
+            </a:bodyPr>
+            <a:lstStyle/>
+            <a:p>
+              <a:r>
+                <a:rPr lang="de-DE" b="1" dirty="0">
+                  <a:solidFill>
+                    <a:schemeClr val="bg1"/>
+                  </a:solidFill>
+                </a:rPr>
+                <a:t>+</a:t>
+              </a:r>
+            </a:p>
+          </p:txBody>
+        </p:sp>
+      </p:grpSp>
+      <p:sp>
+        <p:nvSpPr>
+          <p:cNvPr id="26" name="Rechteck: abgerundete Ecken 25">
+            <a:extLst>
+              <a:ext uri="{FF2B5EF4-FFF2-40B4-BE49-F238E27FC236}">
+                <a16:creationId xmlns:a16="http://schemas.microsoft.com/office/drawing/2014/main" id="{3EEA3DCB-23E2-4133-BDC7-1F1C324CCA81}"/>
+              </a:ext>
+            </a:extLst>
+          </p:cNvPr>
+          <p:cNvSpPr/>
+          <p:nvPr/>
+        </p:nvSpPr>
+        <p:spPr>
+          <a:xfrm>
+            <a:off x="9236160" y="4611015"/>
+            <a:ext cx="2877382" cy="1039178"/>
+          </a:xfrm>
+          <a:prstGeom prst="roundRect">
+            <a:avLst>
+              <a:gd name="adj" fmla="val 0"/>
+            </a:avLst>
+          </a:prstGeom>
+          <a:noFill/>
+          <a:ln w="19050">
+            <a:noFill/>
+          </a:ln>
+        </p:spPr>
+        <p:style>
+          <a:lnRef idx="2">
+            <a:schemeClr val="dk1"/>
+          </a:lnRef>
+          <a:fillRef idx="1">
+            <a:schemeClr val="lt1"/>
+          </a:fillRef>
+          <a:effectRef idx="0">
+            <a:schemeClr val="dk1"/>
+          </a:effectRef>
+          <a:fontRef idx="minor">
+            <a:schemeClr val="dk1"/>
+          </a:fontRef>
+        </p:style>
+        <p:txBody>
+          <a:bodyPr rtlCol="0" anchor="ctr"/>
+          <a:lstStyle/>
+          <a:p>
+            <a:pPr marL="324000" indent="-285750">
+              <a:spcBef>
+                <a:spcPts val="600"/>
+              </a:spcBef>
+              <a:buSzPct val="100000"/>
+              <a:buBlip>
+                <a:blip r:embed="rId3">
+                  <a:extLst/>
+                </a:blip>
+              </a:buBlip>
+            </a:pPr>
+            <a:r>
+              <a:rPr lang="de-DE" sz="1600" dirty="0">
+                <a:solidFill>
+                  <a:srgbClr val="32C77C"/>
+                </a:solidFill>
+                <a:latin typeface="Product Sans" panose="020B0403030502040203" pitchFamily="34" charset="0"/>
+                <a:ea typeface="Gaegu" pitchFamily="2" charset="0"/>
+              </a:rPr>
+              <a:t>Steuere deinen Panzer</a:t>
+            </a:r>
+            <a:br>
+              <a:rPr lang="de-DE" sz="1600" dirty="0">
+                <a:solidFill>
+                  <a:srgbClr val="32C77C"/>
+                </a:solidFill>
+                <a:latin typeface="Product Sans" panose="020B0403030502040203" pitchFamily="34" charset="0"/>
+                <a:ea typeface="Gaegu" pitchFamily="2" charset="0"/>
+              </a:rPr>
+            </a:br>
+            <a:r>
+              <a:rPr lang="de-DE" sz="1600" dirty="0">
+                <a:solidFill>
+                  <a:srgbClr val="32C77C"/>
+                </a:solidFill>
+                <a:latin typeface="Product Sans" panose="020B0403030502040203" pitchFamily="34" charset="0"/>
+                <a:ea typeface="Gaegu" pitchFamily="2" charset="0"/>
+              </a:rPr>
+              <a:t> mit dem Smartphone</a:t>
+            </a:r>
+          </a:p>
+          <a:p>
+            <a:pPr marL="324000" indent="-285750">
+              <a:spcBef>
+                <a:spcPts val="600"/>
+              </a:spcBef>
+              <a:buSzPct val="100000"/>
+              <a:buBlip>
+                <a:blip r:embed="rId4">
+                  <a:extLst/>
+                </a:blip>
+              </a:buBlip>
+            </a:pPr>
+            <a:r>
+              <a:rPr lang="de-DE" sz="1600" dirty="0">
+                <a:solidFill>
+                  <a:srgbClr val="32C77C"/>
+                </a:solidFill>
+                <a:latin typeface="Product Sans" panose="020B0403030502040203" pitchFamily="34" charset="0"/>
+                <a:ea typeface="Gaegu" pitchFamily="2" charset="0"/>
+              </a:rPr>
+              <a:t>Baue eigene Level im Editor</a:t>
+            </a:r>
+          </a:p>
+        </p:txBody>
+      </p:sp>
+      <p:pic>
+        <p:nvPicPr>
+          <p:cNvPr id="3" name="Grafik 2">
+            <a:extLst>
+              <a:ext uri="{FF2B5EF4-FFF2-40B4-BE49-F238E27FC236}">
+                <a16:creationId xmlns:a16="http://schemas.microsoft.com/office/drawing/2014/main" id="{FAB2DFFB-9574-48A1-B6DA-817864161632}"/>
+              </a:ext>
+            </a:extLst>
+          </p:cNvPr>
+          <p:cNvPicPr>
+            <a:picLocks noChangeAspect="1"/>
+          </p:cNvPicPr>
+          <p:nvPr/>
+        </p:nvPicPr>
+        <p:blipFill>
+          <a:blip r:embed="rId5">
+            <a:extLst>
+              <a:ext uri="{28A0092B-C50C-407E-A947-70E740481C1C}">
+                <a14:useLocalDpi xmlns:a14="http://schemas.microsoft.com/office/drawing/2010/main" val="0"/>
+              </a:ext>
+              <a:ext uri="{96DAC541-7B7A-43D3-8B79-37D633B846F1}">
+                <asvg:svgBlip xmlns:asvg="http://schemas.microsoft.com/office/drawing/2016/SVG/main" r:embed="rId6"/>
+              </a:ext>
+            </a:extLst>
+          </a:blip>
+          <a:stretch>
+            <a:fillRect/>
+          </a:stretch>
+        </p:blipFill>
+        <p:spPr>
+          <a:xfrm>
+            <a:off x="4136108" y="2823547"/>
+            <a:ext cx="3133680" cy="783420"/>
+          </a:xfrm>
+          <a:prstGeom prst="rect">
+            <a:avLst/>
+          </a:prstGeom>
+        </p:spPr>
+      </p:pic>
+      <p:sp>
+        <p:nvSpPr>
+          <p:cNvPr id="19" name="Rechteck: abgerundete Ecken 18">
+            <a:extLst>
+              <a:ext uri="{FF2B5EF4-FFF2-40B4-BE49-F238E27FC236}">
+                <a16:creationId xmlns:a16="http://schemas.microsoft.com/office/drawing/2014/main" id="{36A9CA1D-8C82-4E4A-8605-51E7D57959AD}"/>
+              </a:ext>
+            </a:extLst>
+          </p:cNvPr>
+          <p:cNvSpPr/>
+          <p:nvPr/>
+        </p:nvSpPr>
+        <p:spPr>
+          <a:xfrm>
+            <a:off x="2304617" y="161259"/>
+            <a:ext cx="3252903" cy="1533928"/>
+          </a:xfrm>
+          <a:prstGeom prst="roundRect">
+            <a:avLst>
+              <a:gd name="adj" fmla="val 0"/>
+            </a:avLst>
+          </a:prstGeom>
+          <a:noFill/>
+          <a:ln w="19050">
+            <a:noFill/>
+          </a:ln>
+        </p:spPr>
+        <p:style>
+          <a:lnRef idx="2">
+            <a:schemeClr val="dk1"/>
+          </a:lnRef>
+          <a:fillRef idx="1">
+            <a:schemeClr val="lt1"/>
+          </a:fillRef>
+          <a:effectRef idx="0">
+            <a:schemeClr val="dk1"/>
+          </a:effectRef>
+          <a:fontRef idx="minor">
+            <a:schemeClr val="dk1"/>
+          </a:fontRef>
+        </p:style>
+        <p:txBody>
+          <a:bodyPr rtlCol="0" anchor="ctr"/>
+          <a:lstStyle/>
+          <a:p>
+            <a:pPr marL="324000" indent="-285750">
+              <a:spcBef>
+                <a:spcPts val="600"/>
+              </a:spcBef>
+              <a:buSzPct val="100000"/>
+              <a:buBlip>
+                <a:blip r:embed="rId4">
+                  <a:extLst/>
+                </a:blip>
+              </a:buBlip>
+            </a:pPr>
+            <a:r>
+              <a:rPr lang="de-DE" sz="1600" dirty="0">
+                <a:solidFill>
+                  <a:srgbClr val="2B6CAC"/>
+                </a:solidFill>
+                <a:latin typeface="Product Sans" panose="020B0403030502040203" pitchFamily="34" charset="0"/>
+                <a:ea typeface="Gaegu" pitchFamily="2" charset="0"/>
+              </a:rPr>
+              <a:t>Spiele mit bis zu 6 Spielern</a:t>
+            </a:r>
+          </a:p>
+          <a:p>
+            <a:pPr marL="324000" indent="-285750">
+              <a:spcBef>
+                <a:spcPts val="600"/>
+              </a:spcBef>
+              <a:buSzPct val="100000"/>
+              <a:buBlip>
+                <a:blip r:embed="rId4">
+                  <a:extLst/>
+                </a:blip>
+              </a:buBlip>
+            </a:pPr>
+            <a:r>
+              <a:rPr lang="de-DE" sz="1600" dirty="0">
+                <a:solidFill>
+                  <a:srgbClr val="2B6CAC"/>
+                </a:solidFill>
+                <a:latin typeface="Product Sans" panose="020B0403030502040203" pitchFamily="34" charset="0"/>
+                <a:ea typeface="Gaegu" pitchFamily="2" charset="0"/>
+              </a:rPr>
+              <a:t>Sammle die </a:t>
+            </a:r>
+            <a:r>
+              <a:rPr lang="de-DE" sz="1600" dirty="0" err="1">
+                <a:solidFill>
+                  <a:srgbClr val="2B6CAC"/>
+                </a:solidFill>
+                <a:latin typeface="Product Sans" panose="020B0403030502040203" pitchFamily="34" charset="0"/>
+                <a:ea typeface="Gaegu" pitchFamily="2" charset="0"/>
+              </a:rPr>
+              <a:t>Powerups</a:t>
+            </a:r>
+            <a:r>
+              <a:rPr lang="de-DE" sz="1600" dirty="0">
+                <a:solidFill>
+                  <a:srgbClr val="2B6CAC"/>
+                </a:solidFill>
+                <a:latin typeface="Product Sans" panose="020B0403030502040203" pitchFamily="34" charset="0"/>
+                <a:ea typeface="Gaegu" pitchFamily="2" charset="0"/>
+              </a:rPr>
+              <a:t> ein um dir einen Vorteil zu verschaffen</a:t>
+            </a:r>
+          </a:p>
+          <a:p>
+            <a:pPr marL="324000" indent="-285750">
+              <a:spcBef>
+                <a:spcPts val="600"/>
+              </a:spcBef>
+              <a:buSzPct val="100000"/>
+              <a:buBlip>
+                <a:blip r:embed="rId3">
+                  <a:extLst/>
+                </a:blip>
+              </a:buBlip>
+            </a:pPr>
+            <a:r>
+              <a:rPr lang="de-DE" sz="1600" dirty="0">
+                <a:solidFill>
+                  <a:srgbClr val="2B6CAC"/>
+                </a:solidFill>
+                <a:latin typeface="Product Sans" panose="020B0403030502040203" pitchFamily="34" charset="0"/>
+                <a:ea typeface="Gaegu" pitchFamily="2" charset="0"/>
+              </a:rPr>
+              <a:t>Besiege KI-Bots für Bonuspunkte</a:t>
+            </a:r>
+          </a:p>
+        </p:txBody>
+      </p:sp>
+      <p:grpSp>
+        <p:nvGrpSpPr>
+          <p:cNvPr id="8" name="Gruppieren 7">
+            <a:extLst>
+              <a:ext uri="{FF2B5EF4-FFF2-40B4-BE49-F238E27FC236}">
+                <a16:creationId xmlns:a16="http://schemas.microsoft.com/office/drawing/2014/main" id="{A320E487-B26D-4C16-9E89-7D7E7C0874B0}"/>
+              </a:ext>
+            </a:extLst>
+          </p:cNvPr>
+          <p:cNvGrpSpPr/>
+          <p:nvPr/>
+        </p:nvGrpSpPr>
+        <p:grpSpPr>
+          <a:xfrm>
+            <a:off x="210521" y="2826786"/>
+            <a:ext cx="1662235" cy="569415"/>
+            <a:chOff x="2314452" y="1085009"/>
+            <a:chExt cx="1662235" cy="569415"/>
+          </a:xfrm>
+        </p:grpSpPr>
+        <p:sp>
+          <p:nvSpPr>
+            <p:cNvPr id="24" name="Rechteck: abgerundete Ecken 23">
+              <a:extLst>
+                <a:ext uri="{FF2B5EF4-FFF2-40B4-BE49-F238E27FC236}">
+                  <a16:creationId xmlns:a16="http://schemas.microsoft.com/office/drawing/2014/main" id="{D585E929-F5D3-4BC9-B137-AB39F62C6FCE}"/>
+                </a:ext>
+              </a:extLst>
+            </p:cNvPr>
+            <p:cNvSpPr/>
+            <p:nvPr/>
+          </p:nvSpPr>
+          <p:spPr>
+            <a:xfrm>
+              <a:off x="2314452" y="1085009"/>
+              <a:ext cx="1662235" cy="569415"/>
+            </a:xfrm>
+            <a:prstGeom prst="roundRect">
+              <a:avLst>
+                <a:gd name="adj" fmla="val 0"/>
+              </a:avLst>
+            </a:prstGeom>
+            <a:noFill/>
+            <a:ln w="19050">
+              <a:noFill/>
+            </a:ln>
+          </p:spPr>
+          <p:style>
+            <a:lnRef idx="2">
+              <a:schemeClr val="dk1"/>
+            </a:lnRef>
+            <a:fillRef idx="1">
+              <a:schemeClr val="lt1"/>
+            </a:fillRef>
+            <a:effectRef idx="0">
+              <a:schemeClr val="dk1"/>
+            </a:effectRef>
+            <a:fontRef idx="minor">
+              <a:schemeClr val="dk1"/>
+            </a:fontRef>
+          </p:style>
+          <p:txBody>
+            <a:bodyPr rtlCol="0" anchor="ctr"/>
+            <a:lstStyle/>
+            <a:p>
+              <a:pPr marL="38250">
+                <a:spcBef>
+                  <a:spcPts val="600"/>
+                </a:spcBef>
+                <a:buSzPct val="100000"/>
+              </a:pPr>
+              <a:r>
+                <a:rPr lang="de-DE" sz="1600" dirty="0">
+                  <a:solidFill>
+                    <a:srgbClr val="2B6CAC"/>
+                  </a:solidFill>
+                  <a:latin typeface="Product Sans" panose="020B0403030502040203" pitchFamily="34" charset="0"/>
+                  <a:ea typeface="Gaegu" pitchFamily="2" charset="0"/>
+                </a:rPr>
+                <a:t>Spiele mit bis zu</a:t>
+              </a:r>
+              <a:br>
+                <a:rPr lang="de-DE" sz="1600" dirty="0">
+                  <a:solidFill>
+                    <a:srgbClr val="2B6CAC"/>
+                  </a:solidFill>
+                  <a:latin typeface="Product Sans" panose="020B0403030502040203" pitchFamily="34" charset="0"/>
+                  <a:ea typeface="Gaegu" pitchFamily="2" charset="0"/>
+                </a:rPr>
+              </a:br>
+              <a:r>
+                <a:rPr lang="de-DE" sz="1600" dirty="0">
+                  <a:solidFill>
+                    <a:srgbClr val="2B6CAC"/>
+                  </a:solidFill>
+                  <a:latin typeface="Product Sans" panose="020B0403030502040203" pitchFamily="34" charset="0"/>
+                  <a:ea typeface="Gaegu" pitchFamily="2" charset="0"/>
+                </a:rPr>
+                <a:t> 6x       Spielern</a:t>
+              </a:r>
+            </a:p>
+          </p:txBody>
+        </p:sp>
+        <p:pic>
+          <p:nvPicPr>
+            <p:cNvPr id="27" name="Grafik 26">
+              <a:extLst>
+                <a:ext uri="{FF2B5EF4-FFF2-40B4-BE49-F238E27FC236}">
+                  <a16:creationId xmlns:a16="http://schemas.microsoft.com/office/drawing/2014/main" id="{5D14FBB9-C3B5-4193-99CC-D37103BF29C0}"/>
+                </a:ext>
+              </a:extLst>
+            </p:cNvPr>
+            <p:cNvPicPr>
+              <a:picLocks noChangeAspect="1"/>
+            </p:cNvPicPr>
+            <p:nvPr/>
+          </p:nvPicPr>
+          <p:blipFill>
+            <a:blip r:embed="rId7">
+              <a:extLst>
+                <a:ext uri="{28A0092B-C50C-407E-A947-70E740481C1C}">
+                  <a14:useLocalDpi xmlns:a14="http://schemas.microsoft.com/office/drawing/2010/main" val="0"/>
+                </a:ext>
+              </a:extLst>
+            </a:blip>
+            <a:stretch>
+              <a:fillRect/>
+            </a:stretch>
+          </p:blipFill>
+          <p:spPr>
+            <a:xfrm rot="7688981" flipH="1">
+              <a:off x="2742593" y="1388026"/>
+              <a:ext cx="234525" cy="222650"/>
+            </a:xfrm>
+            <a:prstGeom prst="rect">
+              <a:avLst/>
+            </a:prstGeom>
+          </p:spPr>
+        </p:pic>
+      </p:grpSp>
+    </p:spTree>
+    <p:extLst>
+      <p:ext uri="{BB962C8B-B14F-4D97-AF65-F5344CB8AC3E}">
+        <p14:creationId xmlns:p14="http://schemas.microsoft.com/office/powerpoint/2010/main" val="132697229"/>
+      </p:ext>
+    </p:extLst>
+  </p:cSld>
+  <p:clrMapOvr>
+    <a:masterClrMapping/>
+  </p:clrMapOvr>
+</p:sld>
+</file>
+
+<file path=ppt/slides/slide7.xml><?xml version="1.0" encoding="utf-8"?>
+<p:sld xmlns:a="http://schemas.openxmlformats.org/drawingml/2006/main" xmlns:r="http://schemas.openxmlformats.org/officeDocument/2006/relationships" xmlns:p="http://schemas.openxmlformats.org/presentationml/2006/main">
+  <p:cSld>
+    <p:bg>
+      <p:bgPr>
+        <a:blipFill dpi="0" rotWithShape="1">
+          <a:blip r:embed="rId2">
+            <a:lum/>
+          </a:blip>
+          <a:srcRect/>
+          <a:stretch>
+            <a:fillRect/>
+          </a:stretch>
+        </a:blipFill>
+        <a:effectLst/>
+      </p:bgPr>
+    </p:bg>
+    <p:spTree>
+      <p:nvGrpSpPr>
+        <p:cNvPr id="1" name=""/>
+        <p:cNvGrpSpPr/>
+        <p:nvPr/>
+      </p:nvGrpSpPr>
+      <p:grpSpPr>
+        <a:xfrm>
+          <a:off x="0" y="0"/>
+          <a:ext cx="0" cy="0"/>
+          <a:chOff x="0" y="0"/>
+          <a:chExt cx="0" cy="0"/>
+        </a:xfrm>
+      </p:grpSpPr>
+      <p:sp>
+        <p:nvSpPr>
+          <p:cNvPr id="22" name="Rechteck: abgerundete Ecken 21">
+            <a:extLst>
+              <a:ext uri="{FF2B5EF4-FFF2-40B4-BE49-F238E27FC236}">
+                <a16:creationId xmlns:a16="http://schemas.microsoft.com/office/drawing/2014/main" id="{2DE8C402-2765-4CE4-81E5-D224025D565C}"/>
+              </a:ext>
+            </a:extLst>
+          </p:cNvPr>
+          <p:cNvSpPr/>
+          <p:nvPr/>
+        </p:nvSpPr>
+        <p:spPr>
+          <a:xfrm>
+            <a:off x="7646727" y="2386865"/>
+            <a:ext cx="1662235" cy="411443"/>
+          </a:xfrm>
+          <a:prstGeom prst="roundRect">
+            <a:avLst>
+              <a:gd name="adj" fmla="val 0"/>
+            </a:avLst>
+          </a:prstGeom>
+          <a:noFill/>
+          <a:ln w="19050">
+            <a:noFill/>
+          </a:ln>
+        </p:spPr>
+        <p:style>
+          <a:lnRef idx="2">
+            <a:schemeClr val="dk1"/>
+          </a:lnRef>
+          <a:fillRef idx="1">
+            <a:schemeClr val="lt1"/>
+          </a:fillRef>
+          <a:effectRef idx="0">
+            <a:schemeClr val="dk1"/>
+          </a:effectRef>
+          <a:fontRef idx="minor">
+            <a:schemeClr val="dk1"/>
+          </a:fontRef>
+        </p:style>
+        <p:txBody>
+          <a:bodyPr rtlCol="0" anchor="ctr"/>
+          <a:lstStyle/>
+          <a:p>
+            <a:pPr algn="ctr"/>
+            <a:r>
+              <a:rPr lang="de-DE" sz="1400" dirty="0">
+                <a:solidFill>
+                  <a:srgbClr val="A2397E"/>
+                </a:solidFill>
+                <a:latin typeface="Product Sans" panose="020B0403030502040203" pitchFamily="34" charset="0"/>
+              </a:rPr>
+              <a:t>von Max Meuten</a:t>
+            </a:r>
+            <a:br>
+              <a:rPr lang="de-DE" sz="1400" dirty="0">
+                <a:solidFill>
+                  <a:srgbClr val="A2397E"/>
+                </a:solidFill>
+                <a:latin typeface="Product Sans" panose="020B0403030502040203" pitchFamily="34" charset="0"/>
+              </a:rPr>
+            </a:br>
+            <a:r>
+              <a:rPr lang="de-DE" sz="1400" dirty="0">
+                <a:solidFill>
+                  <a:srgbClr val="A2397E"/>
+                </a:solidFill>
+                <a:latin typeface="Product Sans" panose="020B0403030502040203" pitchFamily="34" charset="0"/>
+              </a:rPr>
+              <a:t> und Niklas Wilke</a:t>
+            </a:r>
+          </a:p>
+        </p:txBody>
+      </p:sp>
+      <p:pic>
+        <p:nvPicPr>
+          <p:cNvPr id="18" name="Grafik 17">
+            <a:extLst>
+              <a:ext uri="{FF2B5EF4-FFF2-40B4-BE49-F238E27FC236}">
+                <a16:creationId xmlns:a16="http://schemas.microsoft.com/office/drawing/2014/main" id="{F735A203-310C-4E20-AE85-E2A8ED7324EA}"/>
+              </a:ext>
+            </a:extLst>
+          </p:cNvPr>
+          <p:cNvPicPr>
+            <a:picLocks noChangeAspect="1"/>
+          </p:cNvPicPr>
+          <p:nvPr/>
+        </p:nvPicPr>
+        <p:blipFill>
+          <a:blip r:embed="rId3">
+            <a:extLst>
+              <a:ext uri="{28A0092B-C50C-407E-A947-70E740481C1C}">
+                <a14:useLocalDpi xmlns:a14="http://schemas.microsoft.com/office/drawing/2010/main" val="0"/>
+              </a:ext>
+            </a:extLst>
+          </a:blip>
+          <a:stretch>
+            <a:fillRect/>
+          </a:stretch>
+        </p:blipFill>
+        <p:spPr>
+          <a:xfrm>
+            <a:off x="2609192" y="3606967"/>
+            <a:ext cx="6187512" cy="2579849"/>
+          </a:xfrm>
+          <a:prstGeom prst="rect">
+            <a:avLst/>
+          </a:prstGeom>
+          <a:effectLst>
+            <a:outerShdw blurRad="63500" sx="102000" sy="102000" algn="ctr" rotWithShape="0">
+              <a:prstClr val="black">
+                <a:alpha val="40000"/>
+              </a:prstClr>
+            </a:outerShdw>
+          </a:effectLst>
+        </p:spPr>
+      </p:pic>
+      <p:grpSp>
+        <p:nvGrpSpPr>
+          <p:cNvPr id="5" name="Gruppieren 4">
+            <a:extLst>
+              <a:ext uri="{FF2B5EF4-FFF2-40B4-BE49-F238E27FC236}">
+                <a16:creationId xmlns:a16="http://schemas.microsoft.com/office/drawing/2014/main" id="{7D8C09A8-F71D-4F33-A2CE-CC54CA7DDD8C}"/>
+              </a:ext>
+            </a:extLst>
+          </p:cNvPr>
+          <p:cNvGrpSpPr/>
+          <p:nvPr/>
+        </p:nvGrpSpPr>
+        <p:grpSpPr>
+          <a:xfrm>
+            <a:off x="8694326" y="310114"/>
+            <a:ext cx="3011486" cy="528088"/>
+            <a:chOff x="4948236" y="1113176"/>
+            <a:chExt cx="3011486" cy="528088"/>
+          </a:xfrm>
+        </p:grpSpPr>
+        <p:sp>
+          <p:nvSpPr>
+            <p:cNvPr id="16" name="Rechteck: abgerundete Ecken 15">
+              <a:extLst>
+                <a:ext uri="{FF2B5EF4-FFF2-40B4-BE49-F238E27FC236}">
+                  <a16:creationId xmlns:a16="http://schemas.microsoft.com/office/drawing/2014/main" id="{87309DD0-9CF9-4B80-BB7C-BAA2167F64B1}"/>
+                </a:ext>
+              </a:extLst>
+            </p:cNvPr>
+            <p:cNvSpPr/>
+            <p:nvPr/>
+          </p:nvSpPr>
+          <p:spPr>
+            <a:xfrm>
+              <a:off x="4948236" y="1116129"/>
+              <a:ext cx="788988" cy="525135"/>
+            </a:xfrm>
+            <a:prstGeom prst="roundRect">
+              <a:avLst>
+                <a:gd name="adj" fmla="val 0"/>
+              </a:avLst>
+            </a:prstGeom>
+            <a:noFill/>
+            <a:ln w="19050">
+              <a:noFill/>
+            </a:ln>
+          </p:spPr>
+          <p:style>
+            <a:lnRef idx="2">
+              <a:schemeClr val="dk1"/>
+            </a:lnRef>
+            <a:fillRef idx="1">
+              <a:schemeClr val="lt1"/>
+            </a:fillRef>
+            <a:effectRef idx="0">
+              <a:schemeClr val="dk1"/>
+            </a:effectRef>
+            <a:fontRef idx="minor">
+              <a:schemeClr val="dk1"/>
+            </a:fontRef>
+          </p:style>
+          <p:txBody>
+            <a:bodyPr rtlCol="0" anchor="ctr"/>
+            <a:lstStyle/>
+            <a:p>
+              <a:pPr algn="ctr"/>
+              <a:r>
+                <a:rPr lang="de-DE" sz="1600" b="1" dirty="0">
+                  <a:solidFill>
+                    <a:srgbClr val="E6AF00"/>
+                  </a:solidFill>
+                </a:rPr>
+                <a:t>JS ES6</a:t>
+              </a:r>
+            </a:p>
+            <a:p>
+              <a:pPr algn="ctr"/>
+              <a:r>
+                <a:rPr lang="de-DE" sz="1100" dirty="0">
+                  <a:solidFill>
+                    <a:srgbClr val="E6AF00"/>
+                  </a:solidFill>
+                </a:rPr>
+                <a:t>4486 </a:t>
+              </a:r>
+              <a:r>
+                <a:rPr lang="de-DE" sz="1100" dirty="0" err="1">
+                  <a:solidFill>
+                    <a:srgbClr val="E6AF00"/>
+                  </a:solidFill>
+                </a:rPr>
+                <a:t>lines</a:t>
+              </a:r>
+              <a:endParaRPr lang="de-DE" dirty="0">
+                <a:solidFill>
+                  <a:srgbClr val="E6AF00"/>
+                </a:solidFill>
+              </a:endParaRPr>
+            </a:p>
+          </p:txBody>
+        </p:sp>
+        <p:sp>
+          <p:nvSpPr>
+            <p:cNvPr id="20" name="Rechteck: abgerundete Ecken 19">
+              <a:extLst>
+                <a:ext uri="{FF2B5EF4-FFF2-40B4-BE49-F238E27FC236}">
+                  <a16:creationId xmlns:a16="http://schemas.microsoft.com/office/drawing/2014/main" id="{2CF1C19A-7684-4FE6-AA6C-7D2C3F820D64}"/>
+                </a:ext>
+              </a:extLst>
+            </p:cNvPr>
+            <p:cNvSpPr/>
+            <p:nvPr/>
+          </p:nvSpPr>
+          <p:spPr>
+            <a:xfrm>
+              <a:off x="6041356" y="1116128"/>
+              <a:ext cx="800380" cy="525135"/>
+            </a:xfrm>
+            <a:prstGeom prst="roundRect">
+              <a:avLst>
+                <a:gd name="adj" fmla="val 0"/>
+              </a:avLst>
+            </a:prstGeom>
+            <a:noFill/>
+            <a:ln w="19050">
+              <a:noFill/>
+            </a:ln>
+          </p:spPr>
+          <p:style>
+            <a:lnRef idx="2">
+              <a:schemeClr val="dk1"/>
+            </a:lnRef>
+            <a:fillRef idx="1">
+              <a:schemeClr val="lt1"/>
+            </a:fillRef>
+            <a:effectRef idx="0">
+              <a:schemeClr val="dk1"/>
+            </a:effectRef>
+            <a:fontRef idx="minor">
+              <a:schemeClr val="dk1"/>
+            </a:fontRef>
+          </p:style>
+          <p:txBody>
+            <a:bodyPr rtlCol="0" anchor="ctr"/>
+            <a:lstStyle/>
+            <a:p>
+              <a:pPr algn="ctr"/>
+              <a:r>
+                <a:rPr lang="de-DE" sz="1600" b="1" dirty="0">
+                  <a:solidFill>
+                    <a:schemeClr val="accent1"/>
+                  </a:solidFill>
+                </a:rPr>
+                <a:t>CSS3</a:t>
+              </a:r>
+            </a:p>
+            <a:p>
+              <a:pPr algn="ctr"/>
+              <a:r>
+                <a:rPr lang="de-DE" sz="1100" dirty="0">
+                  <a:solidFill>
+                    <a:schemeClr val="accent1"/>
+                  </a:solidFill>
+                </a:rPr>
+                <a:t>1399 </a:t>
+              </a:r>
+              <a:r>
+                <a:rPr lang="de-DE" sz="1100" dirty="0" err="1">
+                  <a:solidFill>
+                    <a:schemeClr val="accent1"/>
+                  </a:solidFill>
+                </a:rPr>
+                <a:t>lines</a:t>
+              </a:r>
+              <a:endParaRPr lang="de-DE" sz="1100" dirty="0">
+                <a:solidFill>
+                  <a:schemeClr val="accent1"/>
+                </a:solidFill>
+              </a:endParaRPr>
+            </a:p>
+          </p:txBody>
+        </p:sp>
+        <p:sp>
+          <p:nvSpPr>
+            <p:cNvPr id="12" name="Rechteck: abgerundete Ecken 11">
+              <a:extLst>
+                <a:ext uri="{FF2B5EF4-FFF2-40B4-BE49-F238E27FC236}">
+                  <a16:creationId xmlns:a16="http://schemas.microsoft.com/office/drawing/2014/main" id="{C7210E9D-D622-4E20-9528-27E49C029A39}"/>
+                </a:ext>
+              </a:extLst>
+            </p:cNvPr>
+            <p:cNvSpPr/>
+            <p:nvPr/>
+          </p:nvSpPr>
+          <p:spPr>
+            <a:xfrm>
+              <a:off x="7111641" y="1113176"/>
+              <a:ext cx="848081" cy="525135"/>
+            </a:xfrm>
+            <a:prstGeom prst="roundRect">
+              <a:avLst>
+                <a:gd name="adj" fmla="val 0"/>
+              </a:avLst>
+            </a:prstGeom>
+            <a:noFill/>
+            <a:ln w="19050">
+              <a:noFill/>
+            </a:ln>
+          </p:spPr>
+          <p:style>
+            <a:lnRef idx="2">
+              <a:schemeClr val="dk1"/>
+            </a:lnRef>
+            <a:fillRef idx="1">
+              <a:schemeClr val="lt1"/>
+            </a:fillRef>
+            <a:effectRef idx="0">
+              <a:schemeClr val="dk1"/>
+            </a:effectRef>
+            <a:fontRef idx="minor">
+              <a:schemeClr val="dk1"/>
+            </a:fontRef>
+          </p:style>
+          <p:txBody>
+            <a:bodyPr rtlCol="0" anchor="ctr"/>
+            <a:lstStyle/>
+            <a:p>
+              <a:pPr algn="ctr"/>
+              <a:r>
+                <a:rPr lang="de-DE" sz="1600" b="1" dirty="0">
+                  <a:solidFill>
+                    <a:schemeClr val="accent2"/>
+                  </a:solidFill>
+                </a:rPr>
+                <a:t>HTML5</a:t>
+              </a:r>
+            </a:p>
+            <a:p>
+              <a:pPr algn="ctr"/>
+              <a:r>
+                <a:rPr lang="de-DE" sz="1100" dirty="0">
+                  <a:solidFill>
+                    <a:schemeClr val="accent2"/>
+                  </a:solidFill>
+                </a:rPr>
+                <a:t>599 </a:t>
+              </a:r>
+              <a:r>
+                <a:rPr lang="de-DE" sz="1100" dirty="0" err="1">
+                  <a:solidFill>
+                    <a:schemeClr val="accent2"/>
+                  </a:solidFill>
+                </a:rPr>
+                <a:t>lines</a:t>
+              </a:r>
+              <a:endParaRPr lang="de-DE" sz="1100" dirty="0">
+                <a:solidFill>
+                  <a:schemeClr val="accent2"/>
+                </a:solidFill>
+              </a:endParaRPr>
+            </a:p>
+          </p:txBody>
+        </p:sp>
+        <p:sp>
+          <p:nvSpPr>
+            <p:cNvPr id="4" name="Textfeld 3">
+              <a:extLst>
+                <a:ext uri="{FF2B5EF4-FFF2-40B4-BE49-F238E27FC236}">
+                  <a16:creationId xmlns:a16="http://schemas.microsoft.com/office/drawing/2014/main" id="{F876528C-AA37-4178-9058-43DEB5276211}"/>
+                </a:ext>
+              </a:extLst>
+            </p:cNvPr>
+            <p:cNvSpPr txBox="1"/>
+            <p:nvPr/>
+          </p:nvSpPr>
+          <p:spPr>
+            <a:xfrm>
+              <a:off x="5745752" y="1193667"/>
+              <a:ext cx="300082" cy="369332"/>
+            </a:xfrm>
+            <a:prstGeom prst="rect">
+              <a:avLst/>
+            </a:prstGeom>
+            <a:noFill/>
+          </p:spPr>
+          <p:txBody>
+            <a:bodyPr wrap="none" rtlCol="0">
+              <a:spAutoFit/>
+            </a:bodyPr>
+            <a:lstStyle/>
+            <a:p>
+              <a:r>
+                <a:rPr lang="de-DE" b="1" dirty="0">
+                  <a:solidFill>
+                    <a:schemeClr val="bg1"/>
+                  </a:solidFill>
+                </a:rPr>
+                <a:t>+</a:t>
+              </a:r>
+            </a:p>
+          </p:txBody>
+        </p:sp>
+        <p:sp>
+          <p:nvSpPr>
+            <p:cNvPr id="21" name="Textfeld 20">
+              <a:extLst>
+                <a:ext uri="{FF2B5EF4-FFF2-40B4-BE49-F238E27FC236}">
+                  <a16:creationId xmlns:a16="http://schemas.microsoft.com/office/drawing/2014/main" id="{B74D88FB-BF84-4E59-B034-72D592A0DC5F}"/>
+                </a:ext>
+              </a:extLst>
+            </p:cNvPr>
+            <p:cNvSpPr txBox="1"/>
+            <p:nvPr/>
+          </p:nvSpPr>
+          <p:spPr>
+            <a:xfrm>
+              <a:off x="6832100" y="1193667"/>
+              <a:ext cx="300082" cy="369332"/>
+            </a:xfrm>
+            <a:prstGeom prst="rect">
+              <a:avLst/>
+            </a:prstGeom>
+            <a:noFill/>
+          </p:spPr>
+          <p:txBody>
+            <a:bodyPr wrap="none" rtlCol="0">
+              <a:spAutoFit/>
+            </a:bodyPr>
+            <a:lstStyle/>
+            <a:p>
+              <a:r>
+                <a:rPr lang="de-DE" b="1" dirty="0">
+                  <a:solidFill>
+                    <a:schemeClr val="bg1"/>
+                  </a:solidFill>
+                </a:rPr>
+                <a:t>+</a:t>
+              </a:r>
+            </a:p>
+          </p:txBody>
+        </p:sp>
+      </p:grpSp>
+      <p:sp>
+        <p:nvSpPr>
+          <p:cNvPr id="26" name="Rechteck: abgerundete Ecken 25">
+            <a:extLst>
+              <a:ext uri="{FF2B5EF4-FFF2-40B4-BE49-F238E27FC236}">
+                <a16:creationId xmlns:a16="http://schemas.microsoft.com/office/drawing/2014/main" id="{3EEA3DCB-23E2-4133-BDC7-1F1C324CCA81}"/>
+              </a:ext>
+            </a:extLst>
+          </p:cNvPr>
+          <p:cNvSpPr/>
+          <p:nvPr/>
+        </p:nvSpPr>
+        <p:spPr>
+          <a:xfrm>
+            <a:off x="9236160" y="4611015"/>
+            <a:ext cx="2877382" cy="1039178"/>
+          </a:xfrm>
+          <a:prstGeom prst="roundRect">
+            <a:avLst>
+              <a:gd name="adj" fmla="val 0"/>
+            </a:avLst>
+          </a:prstGeom>
+          <a:noFill/>
+          <a:ln w="19050">
+            <a:noFill/>
+          </a:ln>
+        </p:spPr>
+        <p:style>
+          <a:lnRef idx="2">
+            <a:schemeClr val="dk1"/>
+          </a:lnRef>
+          <a:fillRef idx="1">
+            <a:schemeClr val="lt1"/>
+          </a:fillRef>
+          <a:effectRef idx="0">
+            <a:schemeClr val="dk1"/>
+          </a:effectRef>
+          <a:fontRef idx="minor">
+            <a:schemeClr val="dk1"/>
+          </a:fontRef>
+        </p:style>
+        <p:txBody>
+          <a:bodyPr rtlCol="0" anchor="ctr"/>
+          <a:lstStyle/>
+          <a:p>
+            <a:pPr marL="324000" indent="-285750">
+              <a:spcBef>
+                <a:spcPts val="600"/>
+              </a:spcBef>
+              <a:buSzPct val="100000"/>
+              <a:buBlip>
+                <a:blip r:embed="rId4">
+                  <a:extLst/>
+                </a:blip>
+              </a:buBlip>
+            </a:pPr>
+            <a:r>
+              <a:rPr lang="de-DE" sz="1600" dirty="0">
+                <a:solidFill>
+                  <a:srgbClr val="32C77C"/>
+                </a:solidFill>
+                <a:latin typeface="Product Sans" panose="020B0403030502040203" pitchFamily="34" charset="0"/>
+                <a:ea typeface="Gaegu" pitchFamily="2" charset="0"/>
+              </a:rPr>
+              <a:t>Steuere deinen Panzer</a:t>
+            </a:r>
+            <a:br>
+              <a:rPr lang="de-DE" sz="1600" dirty="0">
+                <a:solidFill>
+                  <a:srgbClr val="32C77C"/>
+                </a:solidFill>
+                <a:latin typeface="Product Sans" panose="020B0403030502040203" pitchFamily="34" charset="0"/>
+                <a:ea typeface="Gaegu" pitchFamily="2" charset="0"/>
+              </a:rPr>
+            </a:br>
+            <a:r>
+              <a:rPr lang="de-DE" sz="1600" dirty="0">
+                <a:solidFill>
+                  <a:srgbClr val="32C77C"/>
+                </a:solidFill>
+                <a:latin typeface="Product Sans" panose="020B0403030502040203" pitchFamily="34" charset="0"/>
+                <a:ea typeface="Gaegu" pitchFamily="2" charset="0"/>
+              </a:rPr>
+              <a:t> mit dem Smartphone</a:t>
+            </a:r>
+          </a:p>
+          <a:p>
+            <a:pPr marL="324000" indent="-285750">
+              <a:spcBef>
+                <a:spcPts val="600"/>
+              </a:spcBef>
+              <a:buSzPct val="100000"/>
+              <a:buBlip>
+                <a:blip r:embed="rId5">
+                  <a:extLst/>
+                </a:blip>
+              </a:buBlip>
+            </a:pPr>
+            <a:r>
+              <a:rPr lang="de-DE" sz="1600" dirty="0">
+                <a:solidFill>
+                  <a:srgbClr val="32C77C"/>
+                </a:solidFill>
+                <a:latin typeface="Product Sans" panose="020B0403030502040203" pitchFamily="34" charset="0"/>
+                <a:ea typeface="Gaegu" pitchFamily="2" charset="0"/>
+              </a:rPr>
+              <a:t>Baue eigene Level im Editor</a:t>
+            </a:r>
+          </a:p>
+        </p:txBody>
+      </p:sp>
+      <p:pic>
+        <p:nvPicPr>
+          <p:cNvPr id="3" name="Grafik 2">
+            <a:extLst>
+              <a:ext uri="{FF2B5EF4-FFF2-40B4-BE49-F238E27FC236}">
+                <a16:creationId xmlns:a16="http://schemas.microsoft.com/office/drawing/2014/main" id="{FAB2DFFB-9574-48A1-B6DA-817864161632}"/>
+              </a:ext>
+            </a:extLst>
+          </p:cNvPr>
+          <p:cNvPicPr>
+            <a:picLocks noChangeAspect="1"/>
+          </p:cNvPicPr>
+          <p:nvPr/>
+        </p:nvPicPr>
+        <p:blipFill>
+          <a:blip r:embed="rId6">
+            <a:extLst>
+              <a:ext uri="{28A0092B-C50C-407E-A947-70E740481C1C}">
+                <a14:useLocalDpi xmlns:a14="http://schemas.microsoft.com/office/drawing/2010/main" val="0"/>
+              </a:ext>
+              <a:ext uri="{96DAC541-7B7A-43D3-8B79-37D633B846F1}">
+                <asvg:svgBlip xmlns:asvg="http://schemas.microsoft.com/office/drawing/2016/SVG/main" r:embed="rId7"/>
+              </a:ext>
+            </a:extLst>
+          </a:blip>
+          <a:stretch>
+            <a:fillRect/>
+          </a:stretch>
+        </p:blipFill>
+        <p:spPr>
+          <a:xfrm>
+            <a:off x="4136108" y="2823547"/>
+            <a:ext cx="3133680" cy="783420"/>
+          </a:xfrm>
+          <a:prstGeom prst="rect">
+            <a:avLst/>
+          </a:prstGeom>
+        </p:spPr>
+      </p:pic>
+      <p:sp>
+        <p:nvSpPr>
+          <p:cNvPr id="19" name="Rechteck: abgerundete Ecken 18">
+            <a:extLst>
+              <a:ext uri="{FF2B5EF4-FFF2-40B4-BE49-F238E27FC236}">
+                <a16:creationId xmlns:a16="http://schemas.microsoft.com/office/drawing/2014/main" id="{36A9CA1D-8C82-4E4A-8605-51E7D57959AD}"/>
+              </a:ext>
+            </a:extLst>
+          </p:cNvPr>
+          <p:cNvSpPr/>
+          <p:nvPr/>
+        </p:nvSpPr>
+        <p:spPr>
+          <a:xfrm>
+            <a:off x="2304617" y="161259"/>
+            <a:ext cx="3252903" cy="1533928"/>
+          </a:xfrm>
+          <a:prstGeom prst="roundRect">
+            <a:avLst>
+              <a:gd name="adj" fmla="val 0"/>
+            </a:avLst>
+          </a:prstGeom>
+          <a:noFill/>
+          <a:ln w="19050">
+            <a:noFill/>
+          </a:ln>
+        </p:spPr>
+        <p:style>
+          <a:lnRef idx="2">
+            <a:schemeClr val="dk1"/>
+          </a:lnRef>
+          <a:fillRef idx="1">
+            <a:schemeClr val="lt1"/>
+          </a:fillRef>
+          <a:effectRef idx="0">
+            <a:schemeClr val="dk1"/>
+          </a:effectRef>
+          <a:fontRef idx="minor">
+            <a:schemeClr val="dk1"/>
+          </a:fontRef>
+        </p:style>
+        <p:txBody>
+          <a:bodyPr rtlCol="0" anchor="ctr"/>
+          <a:lstStyle/>
+          <a:p>
+            <a:pPr marL="324000" indent="-285750">
+              <a:spcBef>
+                <a:spcPts val="600"/>
+              </a:spcBef>
+              <a:buSzPct val="100000"/>
+              <a:buBlip>
+                <a:blip r:embed="rId5">
+                  <a:extLst/>
+                </a:blip>
+              </a:buBlip>
+            </a:pPr>
+            <a:r>
+              <a:rPr lang="de-DE" sz="1600" dirty="0">
+                <a:solidFill>
+                  <a:srgbClr val="2B6CAC"/>
+                </a:solidFill>
+                <a:latin typeface="Product Sans" panose="020B0403030502040203" pitchFamily="34" charset="0"/>
+                <a:ea typeface="Gaegu" pitchFamily="2" charset="0"/>
+              </a:rPr>
+              <a:t>Spiele mit bis zu 6 Spielern</a:t>
+            </a:r>
+          </a:p>
+          <a:p>
+            <a:pPr marL="324000" indent="-285750">
+              <a:spcBef>
+                <a:spcPts val="600"/>
+              </a:spcBef>
+              <a:buSzPct val="100000"/>
+              <a:buBlip>
+                <a:blip r:embed="rId5">
+                  <a:extLst/>
+                </a:blip>
+              </a:buBlip>
+            </a:pPr>
+            <a:r>
+              <a:rPr lang="de-DE" sz="1600" dirty="0">
+                <a:solidFill>
+                  <a:srgbClr val="2B6CAC"/>
+                </a:solidFill>
+                <a:latin typeface="Product Sans" panose="020B0403030502040203" pitchFamily="34" charset="0"/>
+                <a:ea typeface="Gaegu" pitchFamily="2" charset="0"/>
+              </a:rPr>
+              <a:t>Sammle die </a:t>
+            </a:r>
+            <a:r>
+              <a:rPr lang="de-DE" sz="1600" dirty="0" err="1">
+                <a:solidFill>
+                  <a:srgbClr val="2B6CAC"/>
+                </a:solidFill>
+                <a:latin typeface="Product Sans" panose="020B0403030502040203" pitchFamily="34" charset="0"/>
+                <a:ea typeface="Gaegu" pitchFamily="2" charset="0"/>
+              </a:rPr>
+              <a:t>Powerups</a:t>
+            </a:r>
+            <a:r>
+              <a:rPr lang="de-DE" sz="1600" dirty="0">
+                <a:solidFill>
+                  <a:srgbClr val="2B6CAC"/>
+                </a:solidFill>
+                <a:latin typeface="Product Sans" panose="020B0403030502040203" pitchFamily="34" charset="0"/>
+                <a:ea typeface="Gaegu" pitchFamily="2" charset="0"/>
+              </a:rPr>
+              <a:t> ein um dir einen Vorteil zu verschaffen</a:t>
+            </a:r>
+          </a:p>
+          <a:p>
+            <a:pPr marL="324000" indent="-285750">
+              <a:spcBef>
+                <a:spcPts val="600"/>
+              </a:spcBef>
+              <a:buSzPct val="100000"/>
+              <a:buBlip>
+                <a:blip r:embed="rId4">
+                  <a:extLst/>
+                </a:blip>
+              </a:buBlip>
+            </a:pPr>
+            <a:r>
+              <a:rPr lang="de-DE" sz="1600" dirty="0">
+                <a:solidFill>
+                  <a:srgbClr val="2B6CAC"/>
+                </a:solidFill>
+                <a:latin typeface="Product Sans" panose="020B0403030502040203" pitchFamily="34" charset="0"/>
+                <a:ea typeface="Gaegu" pitchFamily="2" charset="0"/>
+              </a:rPr>
+              <a:t>Besiege KI-Bots für Bonuspunkte</a:t>
+            </a:r>
+          </a:p>
+        </p:txBody>
+      </p:sp>
+      <p:grpSp>
+        <p:nvGrpSpPr>
+          <p:cNvPr id="8" name="Gruppieren 7">
+            <a:extLst>
+              <a:ext uri="{FF2B5EF4-FFF2-40B4-BE49-F238E27FC236}">
+                <a16:creationId xmlns:a16="http://schemas.microsoft.com/office/drawing/2014/main" id="{A320E487-B26D-4C16-9E89-7D7E7C0874B0}"/>
+              </a:ext>
+            </a:extLst>
+          </p:cNvPr>
+          <p:cNvGrpSpPr/>
+          <p:nvPr/>
+        </p:nvGrpSpPr>
+        <p:grpSpPr>
+          <a:xfrm>
+            <a:off x="210521" y="2826786"/>
+            <a:ext cx="1662235" cy="569415"/>
+            <a:chOff x="2314452" y="1085009"/>
+            <a:chExt cx="1662235" cy="569415"/>
+          </a:xfrm>
+        </p:grpSpPr>
+        <p:sp>
+          <p:nvSpPr>
+            <p:cNvPr id="24" name="Rechteck: abgerundete Ecken 23">
+              <a:extLst>
+                <a:ext uri="{FF2B5EF4-FFF2-40B4-BE49-F238E27FC236}">
+                  <a16:creationId xmlns:a16="http://schemas.microsoft.com/office/drawing/2014/main" id="{D585E929-F5D3-4BC9-B137-AB39F62C6FCE}"/>
+                </a:ext>
+              </a:extLst>
+            </p:cNvPr>
+            <p:cNvSpPr/>
+            <p:nvPr/>
+          </p:nvSpPr>
+          <p:spPr>
+            <a:xfrm>
+              <a:off x="2314452" y="1085009"/>
+              <a:ext cx="1662235" cy="569415"/>
+            </a:xfrm>
+            <a:prstGeom prst="roundRect">
+              <a:avLst>
+                <a:gd name="adj" fmla="val 0"/>
+              </a:avLst>
+            </a:prstGeom>
+            <a:noFill/>
+            <a:ln w="19050">
+              <a:noFill/>
+            </a:ln>
+          </p:spPr>
+          <p:style>
+            <a:lnRef idx="2">
+              <a:schemeClr val="dk1"/>
+            </a:lnRef>
+            <a:fillRef idx="1">
+              <a:schemeClr val="lt1"/>
+            </a:fillRef>
+            <a:effectRef idx="0">
+              <a:schemeClr val="dk1"/>
+            </a:effectRef>
+            <a:fontRef idx="minor">
+              <a:schemeClr val="dk1"/>
+            </a:fontRef>
+          </p:style>
+          <p:txBody>
+            <a:bodyPr rtlCol="0" anchor="ctr"/>
+            <a:lstStyle/>
+            <a:p>
+              <a:pPr marL="38250">
+                <a:spcBef>
+                  <a:spcPts val="600"/>
+                </a:spcBef>
+                <a:buSzPct val="100000"/>
+              </a:pPr>
+              <a:r>
+                <a:rPr lang="de-DE" sz="1600" dirty="0">
+                  <a:solidFill>
+                    <a:srgbClr val="2B6CAC"/>
+                  </a:solidFill>
+                  <a:latin typeface="Product Sans" panose="020B0403030502040203" pitchFamily="34" charset="0"/>
+                  <a:ea typeface="Gaegu" pitchFamily="2" charset="0"/>
+                </a:rPr>
+                <a:t>Spiele mit bis zu</a:t>
+              </a:r>
+              <a:br>
+                <a:rPr lang="de-DE" sz="1600" dirty="0">
+                  <a:solidFill>
+                    <a:srgbClr val="2B6CAC"/>
+                  </a:solidFill>
+                  <a:latin typeface="Product Sans" panose="020B0403030502040203" pitchFamily="34" charset="0"/>
+                  <a:ea typeface="Gaegu" pitchFamily="2" charset="0"/>
+                </a:rPr>
+              </a:br>
+              <a:r>
+                <a:rPr lang="de-DE" sz="1600" dirty="0">
+                  <a:solidFill>
+                    <a:srgbClr val="2B6CAC"/>
+                  </a:solidFill>
+                  <a:latin typeface="Product Sans" panose="020B0403030502040203" pitchFamily="34" charset="0"/>
+                  <a:ea typeface="Gaegu" pitchFamily="2" charset="0"/>
+                </a:rPr>
+                <a:t> 6x       Spielern</a:t>
+              </a:r>
+            </a:p>
+          </p:txBody>
+        </p:sp>
+        <p:pic>
+          <p:nvPicPr>
+            <p:cNvPr id="27" name="Grafik 26">
+              <a:extLst>
+                <a:ext uri="{FF2B5EF4-FFF2-40B4-BE49-F238E27FC236}">
+                  <a16:creationId xmlns:a16="http://schemas.microsoft.com/office/drawing/2014/main" id="{5D14FBB9-C3B5-4193-99CC-D37103BF29C0}"/>
+                </a:ext>
+              </a:extLst>
+            </p:cNvPr>
+            <p:cNvPicPr>
+              <a:picLocks noChangeAspect="1"/>
+            </p:cNvPicPr>
+            <p:nvPr/>
+          </p:nvPicPr>
+          <p:blipFill>
+            <a:blip r:embed="rId8">
+              <a:extLst>
+                <a:ext uri="{28A0092B-C50C-407E-A947-70E740481C1C}">
+                  <a14:useLocalDpi xmlns:a14="http://schemas.microsoft.com/office/drawing/2010/main" val="0"/>
+                </a:ext>
+              </a:extLst>
+            </a:blip>
+            <a:stretch>
+              <a:fillRect/>
+            </a:stretch>
+          </p:blipFill>
+          <p:spPr>
+            <a:xfrm rot="7688981" flipH="1">
+              <a:off x="2742593" y="1388026"/>
+              <a:ext cx="234525" cy="222650"/>
+            </a:xfrm>
+            <a:prstGeom prst="rect">
+              <a:avLst/>
+            </a:prstGeom>
+          </p:spPr>
+        </p:pic>
+      </p:grpSp>
+    </p:spTree>
+    <p:extLst>
+      <p:ext uri="{BB962C8B-B14F-4D97-AF65-F5344CB8AC3E}">
+        <p14:creationId xmlns:p14="http://schemas.microsoft.com/office/powerpoint/2010/main" val="1989172555"/>
+      </p:ext>
+    </p:extLst>
+  </p:cSld>
+  <p:clrMapOvr>
+    <a:masterClrMapping/>
+  </p:clrMapOvr>
+</p:sld>
+</file>
+
 <file path=ppt/theme/theme1.xml><?xml version="1.0" encoding="utf-8"?>
 <a:theme xmlns:a="http://schemas.openxmlformats.org/drawingml/2006/main" name="Office">
   <a:themeElements>

--- a/media/Panzer Party.pptx
+++ b/media/Panzer Party.pptx
@@ -8,8 +8,8 @@
     <p:sldId id="261" r:id="rId2"/>
     <p:sldId id="262" r:id="rId3"/>
     <p:sldId id="264" r:id="rId4"/>
-    <p:sldId id="265" r:id="rId5"/>
-    <p:sldId id="266" r:id="rId6"/>
+    <p:sldId id="266" r:id="rId5"/>
+    <p:sldId id="265" r:id="rId6"/>
   </p:sldIdLst>
   <p:sldSz cx="12192000" cy="6858000"/>
   <p:notesSz cx="6858000" cy="9144000"/>
@@ -131,8 +131,7 @@
 <file path=ppt/revisionInfo.xml><?xml version="1.0" encoding="utf-8"?>
 <p1510:revInfo xmlns:a="http://schemas.openxmlformats.org/drawingml/2006/main" xmlns:r="http://schemas.openxmlformats.org/officeDocument/2006/relationships" xmlns:p1510="http://schemas.microsoft.com/office/powerpoint/2015/10/main">
   <p1510:revLst>
-    <p1510:client id="{2142F0FC-25CE-40AD-8CFF-6ED6C3083B6E}" v="120" dt="2018-09-07T20:47:18.275"/>
-    <p1510:client id="{5634777E-6FEB-4230-B8E3-6F6C6D766434}" v="389" dt="2018-09-08T11:07:37.063"/>
+    <p1510:client id="{5634777E-6FEB-4230-B8E3-6F6C6D766434}" v="1765" dt="2018-09-09T10:51:57.672"/>
   </p1510:revLst>
 </p1510:revInfo>
 </file>
@@ -141,8 +140,8 @@
 <pc:chgInfo xmlns:a="http://schemas.openxmlformats.org/drawingml/2006/main" xmlns:r="http://schemas.openxmlformats.org/officeDocument/2006/relationships" xmlns:ac="http://schemas.microsoft.com/office/drawing/2013/main/command" xmlns:pc="http://schemas.microsoft.com/office/powerpoint/2013/main/command">
   <pc:docChgLst>
     <pc:chgData name="Max Meuten" userId="1b66fd4c7ecdcb99" providerId="LiveId" clId="{5634777E-6FEB-4230-B8E3-6F6C6D766434}"/>
-    <pc:docChg chg="undo redo custSel addSld modSld">
-      <pc:chgData name="Max Meuten" userId="1b66fd4c7ecdcb99" providerId="LiveId" clId="{5634777E-6FEB-4230-B8E3-6F6C6D766434}" dt="2018-09-08T11:07:03.355" v="382"/>
+    <pc:docChg chg="undo redo custSel addSld modSld sldOrd">
+      <pc:chgData name="Max Meuten" userId="1b66fd4c7ecdcb99" providerId="LiveId" clId="{5634777E-6FEB-4230-B8E3-6F6C6D766434}" dt="2018-09-09T10:51:57.674" v="1757" actId="20577"/>
       <pc:docMkLst>
         <pc:docMk/>
       </pc:docMkLst>
@@ -162,21 +161,21 @@
         </pc:spChg>
       </pc:sldChg>
       <pc:sldChg chg="addSp delSp modSp add">
-        <pc:chgData name="Max Meuten" userId="1b66fd4c7ecdcb99" providerId="LiveId" clId="{5634777E-6FEB-4230-B8E3-6F6C6D766434}" dt="2018-09-08T01:09:56.580" v="379" actId="14826"/>
+        <pc:chgData name="Max Meuten" userId="1b66fd4c7ecdcb99" providerId="LiveId" clId="{5634777E-6FEB-4230-B8E3-6F6C6D766434}" dt="2018-09-09T10:51:57.674" v="1757" actId="20577"/>
         <pc:sldMkLst>
           <pc:docMk/>
           <pc:sldMk cId="127925174" sldId="265"/>
         </pc:sldMkLst>
         <pc:spChg chg="mod">
-          <ac:chgData name="Max Meuten" userId="1b66fd4c7ecdcb99" providerId="LiveId" clId="{5634777E-6FEB-4230-B8E3-6F6C6D766434}" dt="2018-09-07T21:57:22.270" v="211" actId="1035"/>
+          <ac:chgData name="Max Meuten" userId="1b66fd4c7ecdcb99" providerId="LiveId" clId="{5634777E-6FEB-4230-B8E3-6F6C6D766434}" dt="2018-09-09T01:56:17.053" v="1281" actId="1035"/>
           <ac:spMkLst>
             <pc:docMk/>
             <pc:sldMk cId="127925174" sldId="265"/>
             <ac:spMk id="2" creationId="{FD50216E-3DF2-49AD-BEB7-75E1F50623B6}"/>
           </ac:spMkLst>
         </pc:spChg>
-        <pc:spChg chg="mod">
-          <ac:chgData name="Max Meuten" userId="1b66fd4c7ecdcb99" providerId="LiveId" clId="{5634777E-6FEB-4230-B8E3-6F6C6D766434}" dt="2018-09-08T00:55:18.551" v="374" actId="1037"/>
+        <pc:spChg chg="del mod">
+          <ac:chgData name="Max Meuten" userId="1b66fd4c7ecdcb99" providerId="LiveId" clId="{5634777E-6FEB-4230-B8E3-6F6C6D766434}" dt="2018-09-08T21:42:30.124" v="425" actId="478"/>
           <ac:spMkLst>
             <pc:docMk/>
             <pc:sldMk cId="127925174" sldId="265"/>
@@ -184,7 +183,7 @@
           </ac:spMkLst>
         </pc:spChg>
         <pc:spChg chg="mod">
-          <ac:chgData name="Max Meuten" userId="1b66fd4c7ecdcb99" providerId="LiveId" clId="{5634777E-6FEB-4230-B8E3-6F6C6D766434}" dt="2018-09-08T00:55:12.186" v="372" actId="1038"/>
+          <ac:chgData name="Max Meuten" userId="1b66fd4c7ecdcb99" providerId="LiveId" clId="{5634777E-6FEB-4230-B8E3-6F6C6D766434}" dt="2018-09-09T01:53:51.992" v="1261" actId="113"/>
           <ac:spMkLst>
             <pc:docMk/>
             <pc:sldMk cId="127925174" sldId="265"/>
@@ -200,7 +199,7 @@
           </ac:spMkLst>
         </pc:spChg>
         <pc:spChg chg="mod">
-          <ac:chgData name="Max Meuten" userId="1b66fd4c7ecdcb99" providerId="LiveId" clId="{5634777E-6FEB-4230-B8E3-6F6C6D766434}" dt="2018-09-08T00:54:59.813" v="360" actId="1037"/>
+          <ac:chgData name="Max Meuten" userId="1b66fd4c7ecdcb99" providerId="LiveId" clId="{5634777E-6FEB-4230-B8E3-6F6C6D766434}" dt="2018-09-09T01:53:49.519" v="1260" actId="113"/>
           <ac:spMkLst>
             <pc:docMk/>
             <pc:sldMk cId="127925174" sldId="265"/>
@@ -208,15 +207,15 @@
           </ac:spMkLst>
         </pc:spChg>
         <pc:spChg chg="mod">
-          <ac:chgData name="Max Meuten" userId="1b66fd4c7ecdcb99" providerId="LiveId" clId="{5634777E-6FEB-4230-B8E3-6F6C6D766434}" dt="2018-09-08T00:55:04.076" v="364" actId="1037"/>
+          <ac:chgData name="Max Meuten" userId="1b66fd4c7ecdcb99" providerId="LiveId" clId="{5634777E-6FEB-4230-B8E3-6F6C6D766434}" dt="2018-09-09T01:53:54.452" v="1262" actId="113"/>
           <ac:spMkLst>
             <pc:docMk/>
             <pc:sldMk cId="127925174" sldId="265"/>
             <ac:spMk id="20" creationId="{2CF1C19A-7684-4FE6-AA6C-7D2C3F820D64}"/>
           </ac:spMkLst>
         </pc:spChg>
-        <pc:spChg chg="mod">
-          <ac:chgData name="Max Meuten" userId="1b66fd4c7ecdcb99" providerId="LiveId" clId="{5634777E-6FEB-4230-B8E3-6F6C6D766434}" dt="2018-09-08T00:55:21.850" v="378" actId="1037"/>
+        <pc:spChg chg="del mod">
+          <ac:chgData name="Max Meuten" userId="1b66fd4c7ecdcb99" providerId="LiveId" clId="{5634777E-6FEB-4230-B8E3-6F6C6D766434}" dt="2018-09-08T21:42:30.953" v="426" actId="478"/>
           <ac:spMkLst>
             <pc:docMk/>
             <pc:sldMk cId="127925174" sldId="265"/>
@@ -224,7 +223,7 @@
           </ac:spMkLst>
         </pc:spChg>
         <pc:spChg chg="mod">
-          <ac:chgData name="Max Meuten" userId="1b66fd4c7ecdcb99" providerId="LiveId" clId="{5634777E-6FEB-4230-B8E3-6F6C6D766434}" dt="2018-09-07T22:18:58.092" v="348" actId="207"/>
+          <ac:chgData name="Max Meuten" userId="1b66fd4c7ecdcb99" providerId="LiveId" clId="{5634777E-6FEB-4230-B8E3-6F6C6D766434}" dt="2018-09-08T22:03:33.260" v="588" actId="14100"/>
           <ac:spMkLst>
             <pc:docMk/>
             <pc:sldMk cId="127925174" sldId="265"/>
@@ -240,7 +239,7 @@
           </ac:spMkLst>
         </pc:spChg>
         <pc:spChg chg="mod">
-          <ac:chgData name="Max Meuten" userId="1b66fd4c7ecdcb99" providerId="LiveId" clId="{5634777E-6FEB-4230-B8E3-6F6C6D766434}" dt="2018-09-07T22:08:42.531" v="319" actId="14100"/>
+          <ac:chgData name="Max Meuten" userId="1b66fd4c7ecdcb99" providerId="LiveId" clId="{5634777E-6FEB-4230-B8E3-6F6C6D766434}" dt="2018-09-09T10:51:57.674" v="1757" actId="20577"/>
           <ac:spMkLst>
             <pc:docMk/>
             <pc:sldMk cId="127925174" sldId="265"/>
@@ -287,6 +286,14 @@
             <ac:spMk id="31" creationId="{6A58A6BB-56F4-4E23-AEB3-8773C7C82FED}"/>
           </ac:spMkLst>
         </pc:spChg>
+        <pc:spChg chg="add mod">
+          <ac:chgData name="Max Meuten" userId="1b66fd4c7ecdcb99" providerId="LiveId" clId="{5634777E-6FEB-4230-B8E3-6F6C6D766434}" dt="2018-09-08T22:26:42.369" v="1018" actId="1036"/>
+          <ac:spMkLst>
+            <pc:docMk/>
+            <pc:sldMk cId="127925174" sldId="265"/>
+            <ac:spMk id="32" creationId="{A541BEAA-CD42-47D9-AFE2-1F9DDE5506DF}"/>
+          </ac:spMkLst>
+        </pc:spChg>
         <pc:spChg chg="del">
           <ac:chgData name="Max Meuten" userId="1b66fd4c7ecdcb99" providerId="LiveId" clId="{5634777E-6FEB-4230-B8E3-6F6C6D766434}" dt="2018-09-07T21:53:08.418" v="13" actId="478"/>
           <ac:spMkLst>
@@ -303,6 +310,142 @@
             <ac:spMk id="33" creationId="{2D5895D4-80F1-4023-986A-A632313171BA}"/>
           </ac:spMkLst>
         </pc:spChg>
+        <pc:spChg chg="add mod">
+          <ac:chgData name="Max Meuten" userId="1b66fd4c7ecdcb99" providerId="LiveId" clId="{5634777E-6FEB-4230-B8E3-6F6C6D766434}" dt="2018-09-08T23:07:04.423" v="1208" actId="1035"/>
+          <ac:spMkLst>
+            <pc:docMk/>
+            <pc:sldMk cId="127925174" sldId="265"/>
+            <ac:spMk id="34" creationId="{E0567810-DDCB-4F8D-A824-1FAE33462035}"/>
+          </ac:spMkLst>
+        </pc:spChg>
+        <pc:spChg chg="add mod">
+          <ac:chgData name="Max Meuten" userId="1b66fd4c7ecdcb99" providerId="LiveId" clId="{5634777E-6FEB-4230-B8E3-6F6C6D766434}" dt="2018-09-08T22:26:52.471" v="1041" actId="1036"/>
+          <ac:spMkLst>
+            <pc:docMk/>
+            <pc:sldMk cId="127925174" sldId="265"/>
+            <ac:spMk id="35" creationId="{A4D5677E-890D-4343-A320-C4E89C8071EE}"/>
+          </ac:spMkLst>
+        </pc:spChg>
+        <pc:spChg chg="add mod">
+          <ac:chgData name="Max Meuten" userId="1b66fd4c7ecdcb99" providerId="LiveId" clId="{5634777E-6FEB-4230-B8E3-6F6C6D766434}" dt="2018-09-08T22:26:45.387" v="1024" actId="1036"/>
+          <ac:spMkLst>
+            <pc:docMk/>
+            <pc:sldMk cId="127925174" sldId="265"/>
+            <ac:spMk id="36" creationId="{A48C1D88-BEFD-4E22-BBFA-601EDE31F33B}"/>
+          </ac:spMkLst>
+        </pc:spChg>
+        <pc:spChg chg="add del mod">
+          <ac:chgData name="Max Meuten" userId="1b66fd4c7ecdcb99" providerId="LiveId" clId="{5634777E-6FEB-4230-B8E3-6F6C6D766434}" dt="2018-09-08T22:26:33.863" v="1005" actId="478"/>
+          <ac:spMkLst>
+            <pc:docMk/>
+            <pc:sldMk cId="127925174" sldId="265"/>
+            <ac:spMk id="38" creationId="{539DD0EC-D7B8-4C8F-8296-7D1E4755E875}"/>
+          </ac:spMkLst>
+        </pc:spChg>
+        <pc:spChg chg="add del mod">
+          <ac:chgData name="Max Meuten" userId="1b66fd4c7ecdcb99" providerId="LiveId" clId="{5634777E-6FEB-4230-B8E3-6F6C6D766434}" dt="2018-09-08T22:26:33.863" v="1005" actId="478"/>
+          <ac:spMkLst>
+            <pc:docMk/>
+            <pc:sldMk cId="127925174" sldId="265"/>
+            <ac:spMk id="39" creationId="{43276B14-0483-49F6-A453-468758FC6FDF}"/>
+          </ac:spMkLst>
+        </pc:spChg>
+        <pc:spChg chg="add del mod">
+          <ac:chgData name="Max Meuten" userId="1b66fd4c7ecdcb99" providerId="LiveId" clId="{5634777E-6FEB-4230-B8E3-6F6C6D766434}" dt="2018-09-08T22:26:33.863" v="1005" actId="478"/>
+          <ac:spMkLst>
+            <pc:docMk/>
+            <pc:sldMk cId="127925174" sldId="265"/>
+            <ac:spMk id="40" creationId="{0CBA43F1-DAEF-460E-BA3F-2175C3A0EF4E}"/>
+          </ac:spMkLst>
+        </pc:spChg>
+        <pc:spChg chg="add del mod">
+          <ac:chgData name="Max Meuten" userId="1b66fd4c7ecdcb99" providerId="LiveId" clId="{5634777E-6FEB-4230-B8E3-6F6C6D766434}" dt="2018-09-08T22:26:33.863" v="1005" actId="478"/>
+          <ac:spMkLst>
+            <pc:docMk/>
+            <pc:sldMk cId="127925174" sldId="265"/>
+            <ac:spMk id="41" creationId="{E7DB18B6-1DB7-4F81-8D78-94B7E8A2F016}"/>
+          </ac:spMkLst>
+        </pc:spChg>
+        <pc:spChg chg="add mod topLvl">
+          <ac:chgData name="Max Meuten" userId="1b66fd4c7ecdcb99" providerId="LiveId" clId="{5634777E-6FEB-4230-B8E3-6F6C6D766434}" dt="2018-09-09T02:01:27.847" v="1352" actId="165"/>
+          <ac:spMkLst>
+            <pc:docMk/>
+            <pc:sldMk cId="127925174" sldId="265"/>
+            <ac:spMk id="49" creationId="{917A09C1-35E8-4917-AD03-DCCCD1ED0F17}"/>
+          </ac:spMkLst>
+        </pc:spChg>
+        <pc:spChg chg="add mod">
+          <ac:chgData name="Max Meuten" userId="1b66fd4c7ecdcb99" providerId="LiveId" clId="{5634777E-6FEB-4230-B8E3-6F6C6D766434}" dt="2018-09-09T02:10:57.863" v="1506" actId="1076"/>
+          <ac:spMkLst>
+            <pc:docMk/>
+            <pc:sldMk cId="127925174" sldId="265"/>
+            <ac:spMk id="63" creationId="{B724912B-7C28-4D47-9864-4CB0BFFBF933}"/>
+          </ac:spMkLst>
+        </pc:spChg>
+        <pc:spChg chg="add del mod">
+          <ac:chgData name="Max Meuten" userId="1b66fd4c7ecdcb99" providerId="LiveId" clId="{5634777E-6FEB-4230-B8E3-6F6C6D766434}" dt="2018-09-09T02:14:07.182" v="1587" actId="478"/>
+          <ac:spMkLst>
+            <pc:docMk/>
+            <pc:sldMk cId="127925174" sldId="265"/>
+            <ac:spMk id="64" creationId="{34D37A03-06E7-4F1C-8DE6-E58E71D12EB3}"/>
+          </ac:spMkLst>
+        </pc:spChg>
+        <pc:spChg chg="add del mod">
+          <ac:chgData name="Max Meuten" userId="1b66fd4c7ecdcb99" providerId="LiveId" clId="{5634777E-6FEB-4230-B8E3-6F6C6D766434}" dt="2018-09-09T02:16:03.982" v="1609" actId="478"/>
+          <ac:spMkLst>
+            <pc:docMk/>
+            <pc:sldMk cId="127925174" sldId="265"/>
+            <ac:spMk id="65" creationId="{49AFCA6C-9761-4C06-B01A-754E65E88225}"/>
+          </ac:spMkLst>
+        </pc:spChg>
+        <pc:spChg chg="add del mod">
+          <ac:chgData name="Max Meuten" userId="1b66fd4c7ecdcb99" providerId="LiveId" clId="{5634777E-6FEB-4230-B8E3-6F6C6D766434}" dt="2018-09-09T02:14:32.861" v="1593" actId="478"/>
+          <ac:spMkLst>
+            <pc:docMk/>
+            <pc:sldMk cId="127925174" sldId="265"/>
+            <ac:spMk id="66" creationId="{D922968E-37FC-4771-8158-DBD7B95EC025}"/>
+          </ac:spMkLst>
+        </pc:spChg>
+        <pc:spChg chg="add del mod">
+          <ac:chgData name="Max Meuten" userId="1b66fd4c7ecdcb99" providerId="LiveId" clId="{5634777E-6FEB-4230-B8E3-6F6C6D766434}" dt="2018-09-09T02:14:48.215" v="1595" actId="478"/>
+          <ac:spMkLst>
+            <pc:docMk/>
+            <pc:sldMk cId="127925174" sldId="265"/>
+            <ac:spMk id="67" creationId="{FA55A0E2-CD2A-4B82-A187-573E424D88D8}"/>
+          </ac:spMkLst>
+        </pc:spChg>
+        <pc:spChg chg="add del mod">
+          <ac:chgData name="Max Meuten" userId="1b66fd4c7ecdcb99" providerId="LiveId" clId="{5634777E-6FEB-4230-B8E3-6F6C6D766434}" dt="2018-09-09T02:19:30.125" v="1629" actId="478"/>
+          <ac:spMkLst>
+            <pc:docMk/>
+            <pc:sldMk cId="127925174" sldId="265"/>
+            <ac:spMk id="68" creationId="{2CBE6F81-E599-4187-B798-5A61F8769907}"/>
+          </ac:spMkLst>
+        </pc:spChg>
+        <pc:spChg chg="add mod">
+          <ac:chgData name="Max Meuten" userId="1b66fd4c7ecdcb99" providerId="LiveId" clId="{5634777E-6FEB-4230-B8E3-6F6C6D766434}" dt="2018-09-09T02:24:08.739" v="1727" actId="1036"/>
+          <ac:spMkLst>
+            <pc:docMk/>
+            <pc:sldMk cId="127925174" sldId="265"/>
+            <ac:spMk id="69" creationId="{E88B5E06-C2BC-4E5A-A020-17F713705A97}"/>
+          </ac:spMkLst>
+        </pc:spChg>
+        <pc:grpChg chg="add mod ord">
+          <ac:chgData name="Max Meuten" userId="1b66fd4c7ecdcb99" providerId="LiveId" clId="{5634777E-6FEB-4230-B8E3-6F6C6D766434}" dt="2018-09-08T22:26:31.811" v="1003" actId="164"/>
+          <ac:grpSpMkLst>
+            <pc:docMk/>
+            <pc:sldMk cId="127925174" sldId="265"/>
+            <ac:grpSpMk id="37" creationId="{9B4A5CE7-2858-4295-B5C3-D67735AC88D2}"/>
+          </ac:grpSpMkLst>
+        </pc:grpChg>
+        <pc:grpChg chg="add del mod">
+          <ac:chgData name="Max Meuten" userId="1b66fd4c7ecdcb99" providerId="LiveId" clId="{5634777E-6FEB-4230-B8E3-6F6C6D766434}" dt="2018-09-09T02:01:27.847" v="1352" actId="165"/>
+          <ac:grpSpMkLst>
+            <pc:docMk/>
+            <pc:sldMk cId="127925174" sldId="265"/>
+            <ac:grpSpMk id="50" creationId="{C9BF29BB-82A3-41E5-ADF3-7C69BE517CF3}"/>
+          </ac:grpSpMkLst>
+        </pc:grpChg>
         <pc:graphicFrameChg chg="add del mod ord">
           <ac:chgData name="Max Meuten" userId="1b66fd4c7ecdcb99" providerId="LiveId" clId="{5634777E-6FEB-4230-B8E3-6F6C6D766434}" dt="2018-09-07T22:07:32.029" v="225" actId="478"/>
           <ac:graphicFrameMkLst>
@@ -311,8 +454,24 @@
             <ac:graphicFrameMk id="6" creationId="{200A7437-9B32-44BE-8BCA-D70372991DE9}"/>
           </ac:graphicFrameMkLst>
         </pc:graphicFrameChg>
+        <pc:graphicFrameChg chg="add mod">
+          <ac:chgData name="Max Meuten" userId="1b66fd4c7ecdcb99" providerId="LiveId" clId="{5634777E-6FEB-4230-B8E3-6F6C6D766434}" dt="2018-09-09T10:34:11.108" v="1752" actId="1038"/>
+          <ac:graphicFrameMkLst>
+            <pc:docMk/>
+            <pc:sldMk cId="127925174" sldId="265"/>
+            <ac:graphicFrameMk id="43" creationId="{DA8D5167-6867-47E2-8826-08C68D592BAC}"/>
+          </ac:graphicFrameMkLst>
+        </pc:graphicFrameChg>
+        <pc:graphicFrameChg chg="add mod">
+          <ac:chgData name="Max Meuten" userId="1b66fd4c7ecdcb99" providerId="LiveId" clId="{5634777E-6FEB-4230-B8E3-6F6C6D766434}" dt="2018-09-09T10:34:11.108" v="1752" actId="1038"/>
+          <ac:graphicFrameMkLst>
+            <pc:docMk/>
+            <pc:sldMk cId="127925174" sldId="265"/>
+            <ac:graphicFrameMk id="44" creationId="{FAF5442B-65B6-4A83-B799-2639AE20B3D5}"/>
+          </ac:graphicFrameMkLst>
+        </pc:graphicFrameChg>
         <pc:picChg chg="mod">
-          <ac:chgData name="Max Meuten" userId="1b66fd4c7ecdcb99" providerId="LiveId" clId="{5634777E-6FEB-4230-B8E3-6F6C6D766434}" dt="2018-09-07T22:07:56.493" v="289" actId="1035"/>
+          <ac:chgData name="Max Meuten" userId="1b66fd4c7ecdcb99" providerId="LiveId" clId="{5634777E-6FEB-4230-B8E3-6F6C6D766434}" dt="2018-09-08T22:01:07.476" v="522" actId="1036"/>
           <ac:picMkLst>
             <pc:docMk/>
             <pc:sldMk cId="127925174" sldId="265"/>
@@ -327,6 +486,22 @@
             <ac:picMk id="5" creationId="{5F9172F3-A5CF-4B8A-9076-6409FD580A9E}"/>
           </ac:picMkLst>
         </pc:picChg>
+        <pc:picChg chg="add mod">
+          <ac:chgData name="Max Meuten" userId="1b66fd4c7ecdcb99" providerId="LiveId" clId="{5634777E-6FEB-4230-B8E3-6F6C6D766434}" dt="2018-09-08T22:27:16.737" v="1067" actId="1036"/>
+          <ac:picMkLst>
+            <pc:docMk/>
+            <pc:sldMk cId="127925174" sldId="265"/>
+            <ac:picMk id="6" creationId="{6F2E4FA4-65F1-4674-BE21-7685E20D0283}"/>
+          </ac:picMkLst>
+        </pc:picChg>
+        <pc:picChg chg="mod">
+          <ac:chgData name="Max Meuten" userId="1b66fd4c7ecdcb99" providerId="LiveId" clId="{5634777E-6FEB-4230-B8E3-6F6C6D766434}" dt="2018-09-08T22:29:55.794" v="1077" actId="688"/>
+          <ac:picMkLst>
+            <pc:docMk/>
+            <pc:sldMk cId="127925174" sldId="265"/>
+            <ac:picMk id="7" creationId="{1CCD5DC9-F77A-4645-84A5-6F2FB2119FE2}"/>
+          </ac:picMkLst>
+        </pc:picChg>
         <pc:picChg chg="add del mod ord">
           <ac:chgData name="Max Meuten" userId="1b66fd4c7ecdcb99" providerId="LiveId" clId="{5634777E-6FEB-4230-B8E3-6F6C6D766434}" dt="2018-09-07T22:07:25.688" v="222"/>
           <ac:picMkLst>
@@ -335,12 +510,36 @@
             <ac:picMk id="8" creationId="{19A1442D-D099-47FF-B769-647ECA0EFBA9}"/>
           </ac:picMkLst>
         </pc:picChg>
-        <pc:picChg chg="add mod ord">
-          <ac:chgData name="Max Meuten" userId="1b66fd4c7ecdcb99" providerId="LiveId" clId="{5634777E-6FEB-4230-B8E3-6F6C6D766434}" dt="2018-09-07T22:07:38.188" v="228" actId="167"/>
+        <pc:picChg chg="mod">
+          <ac:chgData name="Max Meuten" userId="1b66fd4c7ecdcb99" providerId="LiveId" clId="{5634777E-6FEB-4230-B8E3-6F6C6D766434}" dt="2018-09-08T22:30:03.603" v="1080" actId="1076"/>
+          <ac:picMkLst>
+            <pc:docMk/>
+            <pc:sldMk cId="127925174" sldId="265"/>
+            <ac:picMk id="9" creationId="{4687F255-3C0A-47C0-A962-C09A1F111D73}"/>
+          </ac:picMkLst>
+        </pc:picChg>
+        <pc:picChg chg="add del mod ord">
+          <ac:chgData name="Max Meuten" userId="1b66fd4c7ecdcb99" providerId="LiveId" clId="{5634777E-6FEB-4230-B8E3-6F6C6D766434}" dt="2018-09-08T21:51:21.452" v="431" actId="478"/>
           <ac:picMkLst>
             <pc:docMk/>
             <pc:sldMk cId="127925174" sldId="265"/>
             <ac:picMk id="10" creationId="{B587F85C-8F9F-47FD-A257-72B7A98E8ACC}"/>
+          </ac:picMkLst>
+        </pc:picChg>
+        <pc:picChg chg="add mod">
+          <ac:chgData name="Max Meuten" userId="1b66fd4c7ecdcb99" providerId="LiveId" clId="{5634777E-6FEB-4230-B8E3-6F6C6D766434}" dt="2018-09-08T22:27:12.551" v="1057" actId="1035"/>
+          <ac:picMkLst>
+            <pc:docMk/>
+            <pc:sldMk cId="127925174" sldId="265"/>
+            <ac:picMk id="11" creationId="{7C4F219D-2F51-4F19-B3A2-67241E8DBA8D}"/>
+          </ac:picMkLst>
+        </pc:picChg>
+        <pc:picChg chg="add mod">
+          <ac:chgData name="Max Meuten" userId="1b66fd4c7ecdcb99" providerId="LiveId" clId="{5634777E-6FEB-4230-B8E3-6F6C6D766434}" dt="2018-09-08T22:27:15.054" v="1060" actId="1036"/>
+          <ac:picMkLst>
+            <pc:docMk/>
+            <pc:sldMk cId="127925174" sldId="265"/>
+            <ac:picMk id="14" creationId="{1307C259-1E59-4065-B17C-971299DE14F2}"/>
           </ac:picMkLst>
         </pc:picChg>
         <pc:picChg chg="del">
@@ -351,8 +550,16 @@
             <ac:picMk id="14" creationId="{DA0A999E-B518-4867-A02F-1E910B6B8F12}"/>
           </ac:picMkLst>
         </pc:picChg>
+        <pc:picChg chg="add del mod">
+          <ac:chgData name="Max Meuten" userId="1b66fd4c7ecdcb99" providerId="LiveId" clId="{5634777E-6FEB-4230-B8E3-6F6C6D766434}" dt="2018-09-08T22:09:36.063" v="616" actId="478"/>
+          <ac:picMkLst>
+            <pc:docMk/>
+            <pc:sldMk cId="127925174" sldId="265"/>
+            <ac:picMk id="17" creationId="{3547159B-9B8B-4484-B34C-0F019245C5FF}"/>
+          </ac:picMkLst>
+        </pc:picChg>
         <pc:picChg chg="mod">
-          <ac:chgData name="Max Meuten" userId="1b66fd4c7ecdcb99" providerId="LiveId" clId="{5634777E-6FEB-4230-B8E3-6F6C6D766434}" dt="2018-09-08T01:09:56.580" v="379" actId="14826"/>
+          <ac:chgData name="Max Meuten" userId="1b66fd4c7ecdcb99" providerId="LiveId" clId="{5634777E-6FEB-4230-B8E3-6F6C6D766434}" dt="2018-09-09T10:25:17.100" v="1729" actId="1038"/>
           <ac:picMkLst>
             <pc:docMk/>
             <pc:sldMk cId="127925174" sldId="265"/>
@@ -360,16 +567,160 @@
           </ac:picMkLst>
         </pc:picChg>
         <pc:picChg chg="mod">
-          <ac:chgData name="Max Meuten" userId="1b66fd4c7ecdcb99" providerId="LiveId" clId="{5634777E-6FEB-4230-B8E3-6F6C6D766434}" dt="2018-09-07T21:57:20.139" v="208" actId="1035"/>
+          <ac:chgData name="Max Meuten" userId="1b66fd4c7ecdcb99" providerId="LiveId" clId="{5634777E-6FEB-4230-B8E3-6F6C6D766434}" dt="2018-09-08T22:30:05.052" v="1081" actId="1076"/>
+          <ac:picMkLst>
+            <pc:docMk/>
+            <pc:sldMk cId="127925174" sldId="265"/>
+            <ac:picMk id="23" creationId="{CAF85C63-32BE-4249-8D76-9F0CB7FFCC6E}"/>
+          </ac:picMkLst>
+        </pc:picChg>
+        <pc:picChg chg="add mod">
+          <ac:chgData name="Max Meuten" userId="1b66fd4c7ecdcb99" providerId="LiveId" clId="{5634777E-6FEB-4230-B8E3-6F6C6D766434}" dt="2018-09-08T22:27:18.768" v="1070" actId="1037"/>
+          <ac:picMkLst>
+            <pc:docMk/>
+            <pc:sldMk cId="127925174" sldId="265"/>
+            <ac:picMk id="24" creationId="{EAC210E6-FD3C-4C35-8E69-B9E79D17C9F3}"/>
+          </ac:picMkLst>
+        </pc:picChg>
+        <pc:picChg chg="mod">
+          <ac:chgData name="Max Meuten" userId="1b66fd4c7ecdcb99" providerId="LiveId" clId="{5634777E-6FEB-4230-B8E3-6F6C6D766434}" dt="2018-09-08T22:30:02.390" v="1079" actId="1076"/>
+          <ac:picMkLst>
+            <pc:docMk/>
+            <pc:sldMk cId="127925174" sldId="265"/>
+            <ac:picMk id="25" creationId="{D18D3B9A-C449-4783-AB03-2A9B6BCA57A3}"/>
+          </ac:picMkLst>
+        </pc:picChg>
+        <pc:picChg chg="add del mod">
+          <ac:chgData name="Max Meuten" userId="1b66fd4c7ecdcb99" providerId="LiveId" clId="{5634777E-6FEB-4230-B8E3-6F6C6D766434}" dt="2018-09-08T21:52:45.817" v="433" actId="478"/>
+          <ac:picMkLst>
+            <pc:docMk/>
+            <pc:sldMk cId="127925174" sldId="265"/>
+            <ac:picMk id="27" creationId="{9A08C15D-AB35-40FD-8CBA-15240375D4DA}"/>
+          </ac:picMkLst>
+        </pc:picChg>
+        <pc:picChg chg="add del mod ord">
+          <ac:chgData name="Max Meuten" userId="1b66fd4c7ecdcb99" providerId="LiveId" clId="{5634777E-6FEB-4230-B8E3-6F6C6D766434}" dt="2018-09-08T22:01:42.761" v="523" actId="478"/>
+          <ac:picMkLst>
+            <pc:docMk/>
+            <pc:sldMk cId="127925174" sldId="265"/>
+            <ac:picMk id="28" creationId="{7D1DEB16-AC9D-4576-926F-293FBBC628B2}"/>
+          </ac:picMkLst>
+        </pc:picChg>
+        <pc:picChg chg="add del ord">
+          <ac:chgData name="Max Meuten" userId="1b66fd4c7ecdcb99" providerId="LiveId" clId="{5634777E-6FEB-4230-B8E3-6F6C6D766434}" dt="2018-09-08T22:09:17.244" v="589" actId="478"/>
+          <ac:picMkLst>
+            <pc:docMk/>
+            <pc:sldMk cId="127925174" sldId="265"/>
+            <ac:picMk id="29" creationId="{35AB5878-4F0F-4856-B654-5D3171D15A65}"/>
+          </ac:picMkLst>
+        </pc:picChg>
+        <pc:picChg chg="add del ord">
+          <ac:chgData name="Max Meuten" userId="1b66fd4c7ecdcb99" providerId="LiveId" clId="{5634777E-6FEB-4230-B8E3-6F6C6D766434}" dt="2018-09-08T22:12:18.598" v="617" actId="478"/>
+          <ac:picMkLst>
+            <pc:docMk/>
+            <pc:sldMk cId="127925174" sldId="265"/>
+            <ac:picMk id="30" creationId="{FBFC6146-36D5-48FB-BD10-38DDC210EE73}"/>
+          </ac:picMkLst>
+        </pc:picChg>
+        <pc:picChg chg="add del ord">
+          <ac:chgData name="Max Meuten" userId="1b66fd4c7ecdcb99" providerId="LiveId" clId="{5634777E-6FEB-4230-B8E3-6F6C6D766434}" dt="2018-09-08T22:23:09.528" v="947" actId="478"/>
+          <ac:picMkLst>
+            <pc:docMk/>
+            <pc:sldMk cId="127925174" sldId="265"/>
+            <ac:picMk id="31" creationId="{C8661497-C18A-4748-9E32-BFA0FFC3F01A}"/>
+          </ac:picMkLst>
+        </pc:picChg>
+        <pc:picChg chg="add del ord">
+          <ac:chgData name="Max Meuten" userId="1b66fd4c7ecdcb99" providerId="LiveId" clId="{5634777E-6FEB-4230-B8E3-6F6C6D766434}" dt="2018-09-08T22:55:29.955" v="1146" actId="478"/>
+          <ac:picMkLst>
+            <pc:docMk/>
+            <pc:sldMk cId="127925174" sldId="265"/>
+            <ac:picMk id="33" creationId="{1B398AB0-E62E-4201-935C-6723751C03FC}"/>
+          </ac:picMkLst>
+        </pc:picChg>
+        <pc:picChg chg="del mod">
+          <ac:chgData name="Max Meuten" userId="1b66fd4c7ecdcb99" providerId="LiveId" clId="{5634777E-6FEB-4230-B8E3-6F6C6D766434}" dt="2018-09-08T22:01:57.995" v="529" actId="478"/>
           <ac:picMkLst>
             <pc:docMk/>
             <pc:sldMk cId="127925174" sldId="265"/>
             <ac:picMk id="42" creationId="{8A824618-9DC9-4541-942E-315EDBBF4F7A}"/>
           </ac:picMkLst>
         </pc:picChg>
+        <pc:picChg chg="add del">
+          <ac:chgData name="Max Meuten" userId="1b66fd4c7ecdcb99" providerId="LiveId" clId="{5634777E-6FEB-4230-B8E3-6F6C6D766434}" dt="2018-09-08T22:56:33.937" v="1148" actId="478"/>
+          <ac:picMkLst>
+            <pc:docMk/>
+            <pc:sldMk cId="127925174" sldId="265"/>
+            <ac:picMk id="45" creationId="{0164FFFD-6802-40A4-9814-D24F7B3298E3}"/>
+          </ac:picMkLst>
+        </pc:picChg>
+        <pc:picChg chg="add mod ord">
+          <ac:chgData name="Max Meuten" userId="1b66fd4c7ecdcb99" providerId="LiveId" clId="{5634777E-6FEB-4230-B8E3-6F6C6D766434}" dt="2018-09-09T01:55:59.678" v="1276" actId="1076"/>
+          <ac:picMkLst>
+            <pc:docMk/>
+            <pc:sldMk cId="127925174" sldId="265"/>
+            <ac:picMk id="46" creationId="{CDFD17B0-A223-43F1-B798-BC8BB6B32E28}"/>
+          </ac:picMkLst>
+        </pc:picChg>
+        <pc:picChg chg="add del mod ord topLvl">
+          <ac:chgData name="Max Meuten" userId="1b66fd4c7ecdcb99" providerId="LiveId" clId="{5634777E-6FEB-4230-B8E3-6F6C6D766434}" dt="2018-09-09T02:01:30.975" v="1353" actId="478"/>
+          <ac:picMkLst>
+            <pc:docMk/>
+            <pc:sldMk cId="127925174" sldId="265"/>
+            <ac:picMk id="48" creationId="{28901EF7-352D-45BE-82BC-956627589D71}"/>
+          </ac:picMkLst>
+        </pc:picChg>
+        <pc:picChg chg="add del mod">
+          <ac:chgData name="Max Meuten" userId="1b66fd4c7ecdcb99" providerId="LiveId" clId="{5634777E-6FEB-4230-B8E3-6F6C6D766434}" dt="2018-09-09T02:02:15.277" v="1365" actId="478"/>
+          <ac:picMkLst>
+            <pc:docMk/>
+            <pc:sldMk cId="127925174" sldId="265"/>
+            <ac:picMk id="52" creationId="{3ABB97C6-E2EE-4600-8C78-73A56F0DD8EA}"/>
+          </ac:picMkLst>
+        </pc:picChg>
+        <pc:picChg chg="add del mod">
+          <ac:chgData name="Max Meuten" userId="1b66fd4c7ecdcb99" providerId="LiveId" clId="{5634777E-6FEB-4230-B8E3-6F6C6D766434}" dt="2018-09-09T02:03:07.495" v="1412" actId="478"/>
+          <ac:picMkLst>
+            <pc:docMk/>
+            <pc:sldMk cId="127925174" sldId="265"/>
+            <ac:picMk id="54" creationId="{6707A6A2-37ED-492A-AE43-2C010D0858C4}"/>
+          </ac:picMkLst>
+        </pc:picChg>
+        <pc:picChg chg="add del mod">
+          <ac:chgData name="Max Meuten" userId="1b66fd4c7ecdcb99" providerId="LiveId" clId="{5634777E-6FEB-4230-B8E3-6F6C6D766434}" dt="2018-09-09T02:08:51.182" v="1438" actId="478"/>
+          <ac:picMkLst>
+            <pc:docMk/>
+            <pc:sldMk cId="127925174" sldId="265"/>
+            <ac:picMk id="56" creationId="{9AE08B26-D46E-4FA2-A249-27536D88F5B0}"/>
+          </ac:picMkLst>
+        </pc:picChg>
+        <pc:picChg chg="add del mod">
+          <ac:chgData name="Max Meuten" userId="1b66fd4c7ecdcb99" providerId="LiveId" clId="{5634777E-6FEB-4230-B8E3-6F6C6D766434}" dt="2018-09-09T02:07:33.846" v="1418"/>
+          <ac:picMkLst>
+            <pc:docMk/>
+            <pc:sldMk cId="127925174" sldId="265"/>
+            <ac:picMk id="58" creationId="{F2465F0E-2EC1-49BF-AF2E-6930669C2EC9}"/>
+          </ac:picMkLst>
+        </pc:picChg>
+        <pc:picChg chg="add mod">
+          <ac:chgData name="Max Meuten" userId="1b66fd4c7ecdcb99" providerId="LiveId" clId="{5634777E-6FEB-4230-B8E3-6F6C6D766434}" dt="2018-09-09T10:34:11.108" v="1752" actId="1038"/>
+          <ac:picMkLst>
+            <pc:docMk/>
+            <pc:sldMk cId="127925174" sldId="265"/>
+            <ac:picMk id="60" creationId="{6B51741E-6997-4AB2-9DAA-CD2218EA13ED}"/>
+          </ac:picMkLst>
+        </pc:picChg>
+        <pc:picChg chg="add mod ord">
+          <ac:chgData name="Max Meuten" userId="1b66fd4c7ecdcb99" providerId="LiveId" clId="{5634777E-6FEB-4230-B8E3-6F6C6D766434}" dt="2018-09-09T10:34:11.108" v="1752" actId="1038"/>
+          <ac:picMkLst>
+            <pc:docMk/>
+            <pc:sldMk cId="127925174" sldId="265"/>
+            <ac:picMk id="62" creationId="{ACD4936F-A704-4FEE-98CB-FF4984A1DE29}"/>
+          </ac:picMkLst>
+        </pc:picChg>
       </pc:sldChg>
-      <pc:sldChg chg="add addCm delCm">
-        <pc:chgData name="Max Meuten" userId="1b66fd4c7ecdcb99" providerId="LiveId" clId="{5634777E-6FEB-4230-B8E3-6F6C6D766434}" dt="2018-09-08T11:07:03.355" v="382"/>
+      <pc:sldChg chg="add ord addCm delCm">
+        <pc:chgData name="Max Meuten" userId="1b66fd4c7ecdcb99" providerId="LiveId" clId="{5634777E-6FEB-4230-B8E3-6F6C6D766434}" dt="2018-09-08T21:51:16.626" v="429"/>
         <pc:sldMkLst>
           <pc:docMk/>
           <pc:sldMk cId="2753988696" sldId="266"/>
@@ -527,7 +878,7 @@
           <a:p>
             <a:fld id="{C68B15F9-1F71-4A1B-8F45-AFDC7418A1CD}" type="datetimeFigureOut">
               <a:rPr lang="de-DE" smtClean="0"/>
-              <a:t>08.09.2018</a:t>
+              <a:t>09.09.2018</a:t>
             </a:fld>
             <a:endParaRPr lang="de-DE"/>
           </a:p>
@@ -725,7 +1076,7 @@
           <a:p>
             <a:fld id="{C68B15F9-1F71-4A1B-8F45-AFDC7418A1CD}" type="datetimeFigureOut">
               <a:rPr lang="de-DE" smtClean="0"/>
-              <a:t>08.09.2018</a:t>
+              <a:t>09.09.2018</a:t>
             </a:fld>
             <a:endParaRPr lang="de-DE"/>
           </a:p>
@@ -933,7 +1284,7 @@
           <a:p>
             <a:fld id="{C68B15F9-1F71-4A1B-8F45-AFDC7418A1CD}" type="datetimeFigureOut">
               <a:rPr lang="de-DE" smtClean="0"/>
-              <a:t>08.09.2018</a:t>
+              <a:t>09.09.2018</a:t>
             </a:fld>
             <a:endParaRPr lang="de-DE"/>
           </a:p>
@@ -1131,7 +1482,7 @@
           <a:p>
             <a:fld id="{C68B15F9-1F71-4A1B-8F45-AFDC7418A1CD}" type="datetimeFigureOut">
               <a:rPr lang="de-DE" smtClean="0"/>
-              <a:t>08.09.2018</a:t>
+              <a:t>09.09.2018</a:t>
             </a:fld>
             <a:endParaRPr lang="de-DE"/>
           </a:p>
@@ -1406,7 +1757,7 @@
           <a:p>
             <a:fld id="{C68B15F9-1F71-4A1B-8F45-AFDC7418A1CD}" type="datetimeFigureOut">
               <a:rPr lang="de-DE" smtClean="0"/>
-              <a:t>08.09.2018</a:t>
+              <a:t>09.09.2018</a:t>
             </a:fld>
             <a:endParaRPr lang="de-DE"/>
           </a:p>
@@ -1671,7 +2022,7 @@
           <a:p>
             <a:fld id="{C68B15F9-1F71-4A1B-8F45-AFDC7418A1CD}" type="datetimeFigureOut">
               <a:rPr lang="de-DE" smtClean="0"/>
-              <a:t>08.09.2018</a:t>
+              <a:t>09.09.2018</a:t>
             </a:fld>
             <a:endParaRPr lang="de-DE"/>
           </a:p>
@@ -2083,7 +2434,7 @@
           <a:p>
             <a:fld id="{C68B15F9-1F71-4A1B-8F45-AFDC7418A1CD}" type="datetimeFigureOut">
               <a:rPr lang="de-DE" smtClean="0"/>
-              <a:t>08.09.2018</a:t>
+              <a:t>09.09.2018</a:t>
             </a:fld>
             <a:endParaRPr lang="de-DE"/>
           </a:p>
@@ -2224,7 +2575,7 @@
           <a:p>
             <a:fld id="{C68B15F9-1F71-4A1B-8F45-AFDC7418A1CD}" type="datetimeFigureOut">
               <a:rPr lang="de-DE" smtClean="0"/>
-              <a:t>08.09.2018</a:t>
+              <a:t>09.09.2018</a:t>
             </a:fld>
             <a:endParaRPr lang="de-DE"/>
           </a:p>
@@ -2337,7 +2688,7 @@
           <a:p>
             <a:fld id="{C68B15F9-1F71-4A1B-8F45-AFDC7418A1CD}" type="datetimeFigureOut">
               <a:rPr lang="de-DE" smtClean="0"/>
-              <a:t>08.09.2018</a:t>
+              <a:t>09.09.2018</a:t>
             </a:fld>
             <a:endParaRPr lang="de-DE"/>
           </a:p>
@@ -2648,7 +2999,7 @@
           <a:p>
             <a:fld id="{C68B15F9-1F71-4A1B-8F45-AFDC7418A1CD}" type="datetimeFigureOut">
               <a:rPr lang="de-DE" smtClean="0"/>
-              <a:t>08.09.2018</a:t>
+              <a:t>09.09.2018</a:t>
             </a:fld>
             <a:endParaRPr lang="de-DE"/>
           </a:p>
@@ -2936,7 +3287,7 @@
           <a:p>
             <a:fld id="{C68B15F9-1F71-4A1B-8F45-AFDC7418A1CD}" type="datetimeFigureOut">
               <a:rPr lang="de-DE" smtClean="0"/>
-              <a:t>08.09.2018</a:t>
+              <a:t>09.09.2018</a:t>
             </a:fld>
             <a:endParaRPr lang="de-DE"/>
           </a:p>
@@ -3177,7 +3528,7 @@
           <a:p>
             <a:fld id="{C68B15F9-1F71-4A1B-8F45-AFDC7418A1CD}" type="datetimeFigureOut">
               <a:rPr lang="de-DE" smtClean="0"/>
-              <a:t>08.09.2018</a:t>
+              <a:t>09.09.2018</a:t>
             </a:fld>
             <a:endParaRPr lang="de-DE"/>
           </a:p>
@@ -6139,7 +6490,7 @@
     </p:spTree>
     <p:extLst>
       <p:ext uri="{BB962C8B-B14F-4D97-AF65-F5344CB8AC3E}">
-        <p14:creationId xmlns:p14="http://schemas.microsoft.com/office/powerpoint/2010/main" val="127925174"/>
+        <p14:creationId xmlns:p14="http://schemas.microsoft.com/office/powerpoint/2010/main" val="2753988696"/>
       </p:ext>
     </p:extLst>
   </p:cSld>
@@ -6168,10 +6519,10 @@
       </p:grpSpPr>
       <p:pic>
         <p:nvPicPr>
-          <p:cNvPr id="10" name="Grafik 9">
-            <a:extLst>
-              <a:ext uri="{FF2B5EF4-FFF2-40B4-BE49-F238E27FC236}">
-                <a16:creationId xmlns:a16="http://schemas.microsoft.com/office/drawing/2014/main" id="{B587F85C-8F9F-47FD-A257-72B7A98E8ACC}"/>
+          <p:cNvPr id="46" name="Grafik 45">
+            <a:extLst>
+              <a:ext uri="{FF2B5EF4-FFF2-40B4-BE49-F238E27FC236}">
+                <a16:creationId xmlns:a16="http://schemas.microsoft.com/office/drawing/2014/main" id="{CDFD17B0-A223-43F1-B798-BC8BB6B32E28}"/>
               </a:ext>
             </a:extLst>
           </p:cNvPr>
@@ -6181,14 +6532,14 @@
           <p:nvPr/>
         </p:nvPicPr>
         <p:blipFill>
-          <a:blip r:embed="rId2"/>
+          <a:blip r:embed="rId3"/>
           <a:stretch>
             <a:fillRect/>
           </a:stretch>
         </p:blipFill>
         <p:spPr>
           <a:xfrm>
-            <a:off x="0" y="2780"/>
+            <a:off x="0" y="1390"/>
             <a:ext cx="12192000" cy="6855220"/>
           </a:xfrm>
           <a:prstGeom prst="rect">
@@ -6210,8 +6561,8 @@
         </p:nvSpPr>
         <p:spPr>
           <a:xfrm>
-            <a:off x="4948236" y="1116129"/>
-            <a:ext cx="788988" cy="525135"/>
+            <a:off x="560120" y="973362"/>
+            <a:ext cx="811479" cy="536351"/>
           </a:xfrm>
           <a:prstGeom prst="roundRect">
             <a:avLst>
@@ -6247,6 +6598,7 @@
                 <a:solidFill>
                   <a:srgbClr val="E6AF00"/>
                 </a:solidFill>
+                <a:latin typeface="Product Sans" panose="020B0403030502040203" pitchFamily="34" charset="0"/>
               </a:rPr>
               <a:t>JS ES6</a:t>
             </a:r>
@@ -6254,25 +6606,28 @@
           <a:p>
             <a:pPr algn="ctr"/>
             <a:r>
-              <a:rPr lang="de-DE" sz="1100" dirty="0">
+              <a:rPr lang="de-DE" sz="800" dirty="0">
                 <a:solidFill>
                   <a:srgbClr val="E6AF00"/>
                 </a:solidFill>
+                <a:latin typeface="Source Code Pro" panose="020B0509030403020204" pitchFamily="49" charset="0"/>
               </a:rPr>
               <a:t>4486 </a:t>
             </a:r>
             <a:r>
-              <a:rPr lang="de-DE" sz="1100" dirty="0" err="1">
+              <a:rPr lang="de-DE" sz="800" dirty="0" err="1">
                 <a:solidFill>
                   <a:srgbClr val="E6AF00"/>
                 </a:solidFill>
+                <a:latin typeface="Source Code Pro" panose="020B0509030403020204" pitchFamily="49" charset="0"/>
               </a:rPr>
               <a:t>lines</a:t>
             </a:r>
-            <a:endParaRPr lang="de-DE" dirty="0">
+            <a:endParaRPr lang="de-DE" sz="1100" dirty="0">
               <a:solidFill>
                 <a:srgbClr val="E6AF00"/>
               </a:solidFill>
+              <a:latin typeface="Source Code Pro" panose="020B0509030403020204" pitchFamily="49" charset="0"/>
             </a:endParaRPr>
           </a:p>
         </p:txBody>
@@ -6291,8 +6646,8 @@
         </p:nvSpPr>
         <p:spPr>
           <a:xfrm>
-            <a:off x="6041356" y="1116128"/>
-            <a:ext cx="800380" cy="525135"/>
+            <a:off x="424468" y="2479677"/>
+            <a:ext cx="811479" cy="536351"/>
           </a:xfrm>
           <a:prstGeom prst="roundRect">
             <a:avLst>
@@ -6328,6 +6683,7 @@
                 <a:solidFill>
                   <a:schemeClr val="accent1"/>
                 </a:solidFill>
+                <a:latin typeface="Product Sans" panose="020B0403030502040203" pitchFamily="34" charset="0"/>
               </a:rPr>
               <a:t>CSS3</a:t>
             </a:r>
@@ -6335,25 +6691,28 @@
           <a:p>
             <a:pPr algn="ctr"/>
             <a:r>
-              <a:rPr lang="de-DE" sz="1100" dirty="0">
+              <a:rPr lang="de-DE" sz="800" dirty="0">
                 <a:solidFill>
                   <a:schemeClr val="accent1"/>
                 </a:solidFill>
+                <a:latin typeface="Source Code Pro" panose="020B0509030403020204" pitchFamily="49" charset="0"/>
               </a:rPr>
               <a:t>1399 </a:t>
             </a:r>
             <a:r>
-              <a:rPr lang="de-DE" sz="1100" dirty="0" err="1">
+              <a:rPr lang="de-DE" sz="800" dirty="0" err="1">
                 <a:solidFill>
                   <a:schemeClr val="accent1"/>
                 </a:solidFill>
+                <a:latin typeface="Source Code Pro" panose="020B0509030403020204" pitchFamily="49" charset="0"/>
               </a:rPr>
               <a:t>lines</a:t>
             </a:r>
-            <a:endParaRPr lang="de-DE" sz="1100" dirty="0">
+            <a:endParaRPr lang="de-DE" sz="800" dirty="0">
               <a:solidFill>
                 <a:schemeClr val="accent1"/>
               </a:solidFill>
+              <a:latin typeface="Source Code Pro" panose="020B0509030403020204" pitchFamily="49" charset="0"/>
             </a:endParaRPr>
           </a:p>
         </p:txBody>
@@ -6372,8 +6731,8 @@
         </p:nvSpPr>
         <p:spPr>
           <a:xfrm>
-            <a:off x="9034463" y="293407"/>
-            <a:ext cx="2877382" cy="411443"/>
+            <a:off x="4794250" y="1057275"/>
+            <a:ext cx="2597150" cy="318005"/>
           </a:xfrm>
           <a:prstGeom prst="roundRect">
             <a:avLst>
@@ -6405,13 +6764,44 @@
           <a:p>
             <a:pPr algn="ctr"/>
             <a:r>
-              <a:rPr lang="de-DE" sz="1400" dirty="0">
+              <a:rPr lang="de-DE" sz="1200" dirty="0">
                 <a:solidFill>
-                  <a:srgbClr val="A2397E"/>
+                  <a:schemeClr val="bg1"/>
                 </a:solidFill>
-                <a:latin typeface="Product Sans" panose="020B0403030502040203" pitchFamily="34" charset="0"/>
+                <a:latin typeface="Gaegu" pitchFamily="2" charset="0"/>
+                <a:ea typeface="Gaegu" pitchFamily="2" charset="0"/>
               </a:rPr>
-              <a:t>von Max Meuten und Niklas Wilke</a:t>
+              <a:t>von </a:t>
+            </a:r>
+            <a:r>
+              <a:rPr lang="de-DE" sz="1200" b="1" dirty="0">
+                <a:solidFill>
+                  <a:schemeClr val="bg1"/>
+                </a:solidFill>
+                <a:latin typeface="Gaegu" pitchFamily="2" charset="0"/>
+                <a:ea typeface="Gaegu" pitchFamily="2" charset="0"/>
+              </a:rPr>
+              <a:t>Max Meuten </a:t>
+            </a:r>
+            <a:r>
+              <a:rPr lang="de-DE" sz="1200" dirty="0">
+                <a:solidFill>
+                  <a:schemeClr val="bg1"/>
+                </a:solidFill>
+                <a:latin typeface="Gaegu" pitchFamily="2" charset="0"/>
+                <a:ea typeface="Gaegu" pitchFamily="2" charset="0"/>
+              </a:rPr>
+              <a:t>und </a:t>
+            </a:r>
+            <a:r>
+              <a:rPr lang="de-DE" sz="1200" b="1" dirty="0">
+                <a:solidFill>
+                  <a:schemeClr val="bg1"/>
+                </a:solidFill>
+                <a:latin typeface="Gaegu" pitchFamily="2" charset="0"/>
+                <a:ea typeface="Gaegu" pitchFamily="2" charset="0"/>
+              </a:rPr>
+              <a:t>Niklas Wilke</a:t>
             </a:r>
           </a:p>
         </p:txBody>
@@ -6431,7 +6821,7 @@
           <p:nvPr/>
         </p:nvPicPr>
         <p:blipFill>
-          <a:blip r:embed="rId3">
+          <a:blip r:embed="rId4">
             <a:extLst>
               <a:ext uri="{28A0092B-C50C-407E-A947-70E740481C1C}">
                 <a14:useLocalDpi xmlns:a14="http://schemas.microsoft.com/office/drawing/2010/main" val="0"/>
@@ -6444,7 +6834,7 @@
         </p:blipFill>
         <p:spPr>
           <a:xfrm>
-            <a:off x="6624496" y="4255725"/>
+            <a:off x="6641588" y="4255725"/>
             <a:ext cx="6187512" cy="2579849"/>
           </a:xfrm>
           <a:prstGeom prst="rect">
@@ -6473,8 +6863,8 @@
         </p:nvSpPr>
         <p:spPr>
           <a:xfrm>
-            <a:off x="7111641" y="1113176"/>
-            <a:ext cx="848081" cy="525135"/>
+            <a:off x="2173974" y="1792350"/>
+            <a:ext cx="884078" cy="541275"/>
           </a:xfrm>
           <a:prstGeom prst="roundRect">
             <a:avLst>
@@ -6510,6 +6900,7 @@
                 <a:solidFill>
                   <a:schemeClr val="accent2"/>
                 </a:solidFill>
+                <a:latin typeface="Product Sans" panose="020B0403030502040203" pitchFamily="34" charset="0"/>
               </a:rPr>
               <a:t>HTML5</a:t>
             </a:r>
@@ -6517,104 +6908,29 @@
           <a:p>
             <a:pPr algn="ctr"/>
             <a:r>
-              <a:rPr lang="de-DE" sz="1100" dirty="0">
+              <a:rPr lang="de-DE" sz="800" dirty="0">
                 <a:solidFill>
                   <a:schemeClr val="accent2"/>
                 </a:solidFill>
+                <a:latin typeface="Source Code Pro" panose="020B0509030403020204" pitchFamily="49" charset="0"/>
               </a:rPr>
               <a:t>599 </a:t>
             </a:r>
             <a:r>
-              <a:rPr lang="de-DE" sz="1100" dirty="0" err="1">
+              <a:rPr lang="de-DE" sz="800" dirty="0" err="1">
                 <a:solidFill>
                   <a:schemeClr val="accent2"/>
                 </a:solidFill>
+                <a:latin typeface="Source Code Pro" panose="020B0509030403020204" pitchFamily="49" charset="0"/>
               </a:rPr>
               <a:t>lines</a:t>
             </a:r>
-            <a:endParaRPr lang="de-DE" sz="1100" dirty="0">
+            <a:endParaRPr lang="de-DE" sz="800" dirty="0">
               <a:solidFill>
                 <a:schemeClr val="accent2"/>
               </a:solidFill>
+              <a:latin typeface="Source Code Pro" panose="020B0509030403020204" pitchFamily="49" charset="0"/>
             </a:endParaRPr>
-          </a:p>
-        </p:txBody>
-      </p:sp>
-      <p:sp>
-        <p:nvSpPr>
-          <p:cNvPr id="4" name="Textfeld 3">
-            <a:extLst>
-              <a:ext uri="{FF2B5EF4-FFF2-40B4-BE49-F238E27FC236}">
-                <a16:creationId xmlns:a16="http://schemas.microsoft.com/office/drawing/2014/main" id="{F876528C-AA37-4178-9058-43DEB5276211}"/>
-              </a:ext>
-            </a:extLst>
-          </p:cNvPr>
-          <p:cNvSpPr txBox="1"/>
-          <p:nvPr/>
-        </p:nvSpPr>
-        <p:spPr>
-          <a:xfrm>
-            <a:off x="5745752" y="1193667"/>
-            <a:ext cx="300082" cy="369332"/>
-          </a:xfrm>
-          <a:prstGeom prst="rect">
-            <a:avLst/>
-          </a:prstGeom>
-          <a:noFill/>
-        </p:spPr>
-        <p:txBody>
-          <a:bodyPr wrap="none" rtlCol="0">
-            <a:spAutoFit/>
-          </a:bodyPr>
-          <a:lstStyle/>
-          <a:p>
-            <a:r>
-              <a:rPr lang="de-DE" b="1" dirty="0">
-                <a:solidFill>
-                  <a:schemeClr val="bg1"/>
-                </a:solidFill>
-              </a:rPr>
-              <a:t>+</a:t>
-            </a:r>
-          </a:p>
-        </p:txBody>
-      </p:sp>
-      <p:sp>
-        <p:nvSpPr>
-          <p:cNvPr id="21" name="Textfeld 20">
-            <a:extLst>
-              <a:ext uri="{FF2B5EF4-FFF2-40B4-BE49-F238E27FC236}">
-                <a16:creationId xmlns:a16="http://schemas.microsoft.com/office/drawing/2014/main" id="{B74D88FB-BF84-4E59-B034-72D592A0DC5F}"/>
-              </a:ext>
-            </a:extLst>
-          </p:cNvPr>
-          <p:cNvSpPr txBox="1"/>
-          <p:nvPr/>
-        </p:nvSpPr>
-        <p:spPr>
-          <a:xfrm>
-            <a:off x="6832100" y="1193667"/>
-            <a:ext cx="300082" cy="369332"/>
-          </a:xfrm>
-          <a:prstGeom prst="rect">
-            <a:avLst/>
-          </a:prstGeom>
-          <a:noFill/>
-        </p:spPr>
-        <p:txBody>
-          <a:bodyPr wrap="none" rtlCol="0">
-            <a:spAutoFit/>
-          </a:bodyPr>
-          <a:lstStyle/>
-          <a:p>
-            <a:r>
-              <a:rPr lang="de-DE" b="1" dirty="0">
-                <a:solidFill>
-                  <a:schemeClr val="bg1"/>
-                </a:solidFill>
-              </a:rPr>
-              <a:t>+</a:t>
-            </a:r>
           </a:p>
         </p:txBody>
       </p:sp>
@@ -6624,42 +6940,6 @@
             <a:extLst>
               <a:ext uri="{FF2B5EF4-FFF2-40B4-BE49-F238E27FC236}">
                 <a16:creationId xmlns:a16="http://schemas.microsoft.com/office/drawing/2014/main" id="{1CCD5DC9-F77A-4645-84A5-6F2FB2119FE2}"/>
-              </a:ext>
-            </a:extLst>
-          </p:cNvPr>
-          <p:cNvPicPr>
-            <a:picLocks noChangeAspect="1"/>
-          </p:cNvPicPr>
-          <p:nvPr/>
-        </p:nvPicPr>
-        <p:blipFill>
-          <a:blip r:embed="rId4">
-            <a:extLst>
-              <a:ext uri="{28A0092B-C50C-407E-A947-70E740481C1C}">
-                <a14:useLocalDpi xmlns:a14="http://schemas.microsoft.com/office/drawing/2010/main" val="0"/>
-              </a:ext>
-            </a:extLst>
-          </a:blip>
-          <a:stretch>
-            <a:fillRect/>
-          </a:stretch>
-        </p:blipFill>
-        <p:spPr>
-          <a:xfrm rot="5110517" flipH="1">
-            <a:off x="6413171" y="4781986"/>
-            <a:ext cx="236100" cy="222651"/>
-          </a:xfrm>
-          <a:prstGeom prst="rect">
-            <a:avLst/>
-          </a:prstGeom>
-        </p:spPr>
-      </p:pic>
-      <p:pic>
-        <p:nvPicPr>
-          <p:cNvPr id="9" name="Grafik 8">
-            <a:extLst>
-              <a:ext uri="{FF2B5EF4-FFF2-40B4-BE49-F238E27FC236}">
-                <a16:creationId xmlns:a16="http://schemas.microsoft.com/office/drawing/2014/main" id="{4687F255-3C0A-47C0-A962-C09A1F111D73}"/>
               </a:ext>
             </a:extLst>
           </p:cNvPr>
@@ -6681,15 +6961,51 @@
           </a:stretch>
         </p:blipFill>
         <p:spPr>
-          <a:xfrm rot="12485512" flipH="1">
-            <a:off x="3745112" y="1946912"/>
-            <a:ext cx="236100" cy="224146"/>
+          <a:xfrm rot="3675813" flipH="1">
+            <a:off x="6165594" y="5562404"/>
+            <a:ext cx="236100" cy="222651"/>
           </a:xfrm>
           <a:prstGeom prst="rect">
             <a:avLst/>
           </a:prstGeom>
         </p:spPr>
       </p:pic>
+      <p:pic>
+        <p:nvPicPr>
+          <p:cNvPr id="9" name="Grafik 8">
+            <a:extLst>
+              <a:ext uri="{FF2B5EF4-FFF2-40B4-BE49-F238E27FC236}">
+                <a16:creationId xmlns:a16="http://schemas.microsoft.com/office/drawing/2014/main" id="{4687F255-3C0A-47C0-A962-C09A1F111D73}"/>
+              </a:ext>
+            </a:extLst>
+          </p:cNvPr>
+          <p:cNvPicPr>
+            <a:picLocks noChangeAspect="1"/>
+          </p:cNvPicPr>
+          <p:nvPr/>
+        </p:nvPicPr>
+        <p:blipFill>
+          <a:blip r:embed="rId6">
+            <a:extLst>
+              <a:ext uri="{28A0092B-C50C-407E-A947-70E740481C1C}">
+                <a14:useLocalDpi xmlns:a14="http://schemas.microsoft.com/office/drawing/2010/main" val="0"/>
+              </a:ext>
+            </a:extLst>
+          </a:blip>
+          <a:stretch>
+            <a:fillRect/>
+          </a:stretch>
+        </p:blipFill>
+        <p:spPr>
+          <a:xfrm rot="12485512" flipH="1">
+            <a:off x="4444543" y="1876605"/>
+            <a:ext cx="236100" cy="224146"/>
+          </a:xfrm>
+          <a:prstGeom prst="rect">
+            <a:avLst/>
+          </a:prstGeom>
+        </p:spPr>
+      </p:pic>
       <p:sp>
         <p:nvSpPr>
           <p:cNvPr id="26" name="Rechteck: abgerundete Ecken 25">
@@ -6704,7 +7020,7 @@
         </p:nvSpPr>
         <p:spPr>
           <a:xfrm>
-            <a:off x="333375" y="4117970"/>
+            <a:off x="588089" y="4117970"/>
             <a:ext cx="3643312" cy="2468568"/>
           </a:xfrm>
           <a:prstGeom prst="roundRect">
@@ -6741,7 +7057,7 @@
               </a:spcBef>
               <a:buSzPct val="100000"/>
               <a:buBlip>
-                <a:blip r:embed="rId4">
+                <a:blip r:embed="rId5">
                   <a:extLst/>
                 </a:blip>
               </a:buBlip>
@@ -6751,10 +7067,52 @@
                 <a:solidFill>
                   <a:srgbClr val="2B6CAC"/>
                 </a:solidFill>
-                <a:latin typeface="Product Sans" panose="020B0403030502040203" pitchFamily="34" charset="0"/>
+                <a:latin typeface="Gaegu" pitchFamily="2" charset="0"/>
                 <a:ea typeface="Gaegu" pitchFamily="2" charset="0"/>
               </a:rPr>
               <a:t>Spiele mit bis zu 6 Spielern</a:t>
+            </a:r>
+          </a:p>
+          <a:p>
+            <a:pPr marL="324000" indent="-285750">
+              <a:spcBef>
+                <a:spcPts val="600"/>
+              </a:spcBef>
+              <a:buSzPct val="100000"/>
+              <a:buBlip>
+                <a:blip r:embed="rId6">
+                  <a:extLst/>
+                </a:blip>
+              </a:buBlip>
+            </a:pPr>
+            <a:r>
+              <a:rPr lang="de-DE" sz="1600" dirty="0">
+                <a:solidFill>
+                  <a:srgbClr val="2BAC6C"/>
+                </a:solidFill>
+                <a:latin typeface="Gaegu" pitchFamily="2" charset="0"/>
+                <a:ea typeface="Gaegu" pitchFamily="2" charset="0"/>
+              </a:rPr>
+              <a:t>Steuere deinen Panzer mit</a:t>
+            </a:r>
+            <a:br>
+              <a:rPr lang="de-DE" sz="1600" dirty="0">
+                <a:solidFill>
+                  <a:srgbClr val="2BAC6C"/>
+                </a:solidFill>
+                <a:latin typeface="Gaegu" pitchFamily="2" charset="0"/>
+                <a:ea typeface="Gaegu" pitchFamily="2" charset="0"/>
+              </a:rPr>
+            </a:br>
+            <a:r>
+              <a:rPr lang="de-DE" sz="1600" dirty="0">
+                <a:solidFill>
+                  <a:srgbClr val="2BAC6C"/>
+                </a:solidFill>
+                <a:latin typeface="Gaegu" pitchFamily="2" charset="0"/>
+                <a:ea typeface="Gaegu" pitchFamily="2" charset="0"/>
+              </a:rPr>
+              <a:t>dem Smartphone</a:t>
             </a:r>
           </a:p>
           <a:p>
@@ -6772,12 +7130,51 @@
             <a:r>
               <a:rPr lang="de-DE" sz="1600" dirty="0">
                 <a:solidFill>
-                  <a:srgbClr val="2BAC6C"/>
+                  <a:srgbClr val="FFC331"/>
                 </a:solidFill>
-                <a:latin typeface="Product Sans" panose="020B0403030502040203" pitchFamily="34" charset="0"/>
+                <a:latin typeface="Gaegu" pitchFamily="2" charset="0"/>
                 <a:ea typeface="Gaegu" pitchFamily="2" charset="0"/>
               </a:rPr>
-              <a:t>Steuere deinen Panzer mit dem Smartphone</a:t>
+              <a:t>Sammle </a:t>
+            </a:r>
+            <a:r>
+              <a:rPr lang="de-DE" sz="1600" dirty="0" err="1">
+                <a:solidFill>
+                  <a:srgbClr val="FFC331"/>
+                </a:solidFill>
+                <a:latin typeface="Gaegu" pitchFamily="2" charset="0"/>
+                <a:ea typeface="Gaegu" pitchFamily="2" charset="0"/>
+              </a:rPr>
+              <a:t>Powerups</a:t>
+            </a:r>
+            <a:r>
+              <a:rPr lang="de-DE" sz="1600" dirty="0">
+                <a:solidFill>
+                  <a:srgbClr val="FFC331"/>
+                </a:solidFill>
+                <a:latin typeface="Gaegu" pitchFamily="2" charset="0"/>
+                <a:ea typeface="Gaegu" pitchFamily="2" charset="0"/>
+              </a:rPr>
+              <a:t> ein um dir</a:t>
+            </a:r>
+            <a:br>
+              <a:rPr lang="de-DE" sz="1600" dirty="0">
+                <a:solidFill>
+                  <a:srgbClr val="FFC331"/>
+                </a:solidFill>
+                <a:latin typeface="Gaegu" pitchFamily="2" charset="0"/>
+                <a:ea typeface="Gaegu" pitchFamily="2" charset="0"/>
+              </a:rPr>
+            </a:br>
+            <a:r>
+              <a:rPr lang="de-DE" sz="1600" dirty="0">
+                <a:solidFill>
+                  <a:srgbClr val="FFC331"/>
+                </a:solidFill>
+                <a:latin typeface="Gaegu" pitchFamily="2" charset="0"/>
+                <a:ea typeface="Gaegu" pitchFamily="2" charset="0"/>
+              </a:rPr>
+              <a:t>einen Vorteil zu verschaffen</a:t>
             </a:r>
           </a:p>
           <a:p>
@@ -6787,7 +7184,7 @@
               </a:spcBef>
               <a:buSzPct val="100000"/>
               <a:buBlip>
-                <a:blip r:embed="rId4">
+                <a:blip r:embed="rId6">
                   <a:extLst/>
                 </a:blip>
               </a:buBlip>
@@ -6795,32 +7192,12 @@
             <a:r>
               <a:rPr lang="de-DE" sz="1600" dirty="0">
                 <a:solidFill>
-                  <a:srgbClr val="2B6CAC"/>
+                  <a:srgbClr val="C54A49"/>
                 </a:solidFill>
-                <a:latin typeface="Product Sans" panose="020B0403030502040203" pitchFamily="34" charset="0"/>
+                <a:latin typeface="Gaegu" pitchFamily="2" charset="0"/>
                 <a:ea typeface="Gaegu" pitchFamily="2" charset="0"/>
               </a:rPr>
-              <a:t>Sammle die </a:t>
-            </a:r>
-            <a:r>
-              <a:rPr lang="de-DE" sz="1600" dirty="0" err="1">
-                <a:solidFill>
-                  <a:srgbClr val="2B6CAC"/>
-                </a:solidFill>
-                <a:latin typeface="Product Sans" panose="020B0403030502040203" pitchFamily="34" charset="0"/>
-                <a:ea typeface="Gaegu" pitchFamily="2" charset="0"/>
-              </a:rPr>
-              <a:t>Powerups</a:t>
-            </a:r>
-            <a:r>
-              <a:rPr lang="de-DE" sz="1600" dirty="0">
-                <a:solidFill>
-                  <a:srgbClr val="2B6CAC"/>
-                </a:solidFill>
-                <a:latin typeface="Product Sans" panose="020B0403030502040203" pitchFamily="34" charset="0"/>
-                <a:ea typeface="Gaegu" pitchFamily="2" charset="0"/>
-              </a:rPr>
-              <a:t> ein um dir einen Vorteil zu verschaffen</a:t>
+              <a:t>Besiege Bots für Bonuspunkte</a:t>
             </a:r>
           </a:p>
           <a:p>
@@ -6838,32 +7215,9 @@
             <a:r>
               <a:rPr lang="de-DE" sz="1600" dirty="0">
                 <a:solidFill>
-                  <a:srgbClr val="2BAC6C"/>
-                </a:solidFill>
-                <a:latin typeface="Product Sans" panose="020B0403030502040203" pitchFamily="34" charset="0"/>
-                <a:ea typeface="Gaegu" pitchFamily="2" charset="0"/>
-              </a:rPr>
-              <a:t>Besiege KI-Bots für Bonuspunkte</a:t>
-            </a:r>
-          </a:p>
-          <a:p>
-            <a:pPr marL="324000" indent="-285750">
-              <a:spcBef>
-                <a:spcPts val="600"/>
-              </a:spcBef>
-              <a:buSzPct val="100000"/>
-              <a:buBlip>
-                <a:blip r:embed="rId4">
-                  <a:extLst/>
-                </a:blip>
-              </a:buBlip>
-            </a:pPr>
-            <a:r>
-              <a:rPr lang="de-DE" sz="1600" dirty="0">
-                <a:solidFill>
                   <a:srgbClr val="2B6CAC"/>
                 </a:solidFill>
-                <a:latin typeface="Product Sans" panose="020B0403030502040203" pitchFamily="34" charset="0"/>
+                <a:latin typeface="Gaegu" pitchFamily="2" charset="0"/>
                 <a:ea typeface="Gaegu" pitchFamily="2" charset="0"/>
               </a:rPr>
               <a:t>Baue eigene Level im Editor</a:t>
@@ -6877,42 +7231,6 @@
             <a:extLst>
               <a:ext uri="{FF2B5EF4-FFF2-40B4-BE49-F238E27FC236}">
                 <a16:creationId xmlns:a16="http://schemas.microsoft.com/office/drawing/2014/main" id="{D18D3B9A-C449-4783-AB03-2A9B6BCA57A3}"/>
-              </a:ext>
-            </a:extLst>
-          </p:cNvPr>
-          <p:cNvPicPr>
-            <a:picLocks noChangeAspect="1"/>
-          </p:cNvPicPr>
-          <p:nvPr/>
-        </p:nvPicPr>
-        <p:blipFill>
-          <a:blip r:embed="rId6">
-            <a:extLst>
-              <a:ext uri="{28A0092B-C50C-407E-A947-70E740481C1C}">
-                <a14:useLocalDpi xmlns:a14="http://schemas.microsoft.com/office/drawing/2010/main" val="0"/>
-              </a:ext>
-            </a:extLst>
-          </a:blip>
-          <a:stretch>
-            <a:fillRect/>
-          </a:stretch>
-        </p:blipFill>
-        <p:spPr>
-          <a:xfrm rot="19168061" flipH="1">
-            <a:off x="7387869" y="2532197"/>
-            <a:ext cx="234525" cy="222651"/>
-          </a:xfrm>
-          <a:prstGeom prst="rect">
-            <a:avLst/>
-          </a:prstGeom>
-        </p:spPr>
-      </p:pic>
-      <p:pic>
-        <p:nvPicPr>
-          <p:cNvPr id="3" name="Grafik 2">
-            <a:extLst>
-              <a:ext uri="{FF2B5EF4-FFF2-40B4-BE49-F238E27FC236}">
-                <a16:creationId xmlns:a16="http://schemas.microsoft.com/office/drawing/2014/main" id="{FAB2DFFB-9574-48A1-B6DA-817864161632}"/>
               </a:ext>
             </a:extLst>
           </p:cNvPr>
@@ -6927,9 +7245,6 @@
               <a:ext uri="{28A0092B-C50C-407E-A947-70E740481C1C}">
                 <a14:useLocalDpi xmlns:a14="http://schemas.microsoft.com/office/drawing/2010/main" val="0"/>
               </a:ext>
-              <a:ext uri="{96DAC541-7B7A-43D3-8B79-37D633B846F1}">
-                <asvg:svgBlip xmlns:asvg="http://schemas.microsoft.com/office/drawing/2016/SVG/main" r:embed="rId8"/>
-              </a:ext>
             </a:extLst>
           </a:blip>
           <a:stretch>
@@ -6937,9 +7252,9 @@
           </a:stretch>
         </p:blipFill>
         <p:spPr>
-          <a:xfrm>
-            <a:off x="4879695" y="175087"/>
-            <a:ext cx="3133680" cy="783420"/>
+          <a:xfrm rot="18966006" flipH="1">
+            <a:off x="8637494" y="1212250"/>
+            <a:ext cx="234525" cy="222651"/>
           </a:xfrm>
           <a:prstGeom prst="rect">
             <a:avLst/>
@@ -6948,10 +7263,10 @@
       </p:pic>
       <p:pic>
         <p:nvPicPr>
-          <p:cNvPr id="23" name="Grafik 22">
-            <a:extLst>
-              <a:ext uri="{FF2B5EF4-FFF2-40B4-BE49-F238E27FC236}">
-                <a16:creationId xmlns:a16="http://schemas.microsoft.com/office/drawing/2014/main" id="{CAF85C63-32BE-4249-8D76-9F0CB7FFCC6E}"/>
+          <p:cNvPr id="3" name="Grafik 2">
+            <a:extLst>
+              <a:ext uri="{FF2B5EF4-FFF2-40B4-BE49-F238E27FC236}">
+                <a16:creationId xmlns:a16="http://schemas.microsoft.com/office/drawing/2014/main" id="{FAB2DFFB-9574-48A1-B6DA-817864161632}"/>
               </a:ext>
             </a:extLst>
           </p:cNvPr>
@@ -6961,10 +7276,13 @@
           <p:nvPr/>
         </p:nvPicPr>
         <p:blipFill>
-          <a:blip r:embed="rId9">
+          <a:blip r:embed="rId8">
             <a:extLst>
               <a:ext uri="{28A0092B-C50C-407E-A947-70E740481C1C}">
                 <a14:useLocalDpi xmlns:a14="http://schemas.microsoft.com/office/drawing/2010/main" val="0"/>
+              </a:ext>
+              <a:ext uri="{96DAC541-7B7A-43D3-8B79-37D633B846F1}">
+                <asvg:svgBlip xmlns:asvg="http://schemas.microsoft.com/office/drawing/2016/SVG/main" r:embed="rId9"/>
               </a:ext>
             </a:extLst>
           </a:blip>
@@ -6973,62 +7291,21 @@
           </a:stretch>
         </p:blipFill>
         <p:spPr>
-          <a:xfrm rot="10352834" flipH="1">
-            <a:off x="1568093" y="3454920"/>
-            <a:ext cx="234525" cy="222650"/>
+          <a:xfrm>
+            <a:off x="4287447" y="163937"/>
+            <a:ext cx="3750675" cy="937668"/>
           </a:xfrm>
           <a:prstGeom prst="rect">
             <a:avLst/>
           </a:prstGeom>
         </p:spPr>
       </p:pic>
-      <p:sp>
-        <p:nvSpPr>
-          <p:cNvPr id="2" name="Textfeld 1">
-            <a:extLst>
-              <a:ext uri="{FF2B5EF4-FFF2-40B4-BE49-F238E27FC236}">
-                <a16:creationId xmlns:a16="http://schemas.microsoft.com/office/drawing/2014/main" id="{FD50216E-3DF2-49AD-BEB7-75E1F50623B6}"/>
-              </a:ext>
-            </a:extLst>
-          </p:cNvPr>
-          <p:cNvSpPr txBox="1"/>
-          <p:nvPr/>
-        </p:nvSpPr>
-        <p:spPr>
-          <a:xfrm>
-            <a:off x="9439874" y="3705189"/>
-            <a:ext cx="2395956" cy="369332"/>
-          </a:xfrm>
-          <a:prstGeom prst="rect">
-            <a:avLst/>
-          </a:prstGeom>
-          <a:noFill/>
-        </p:spPr>
-        <p:txBody>
-          <a:bodyPr wrap="square" rtlCol="0">
-            <a:spAutoFit/>
-          </a:bodyPr>
-          <a:lstStyle/>
-          <a:p>
-            <a:r>
-              <a:rPr lang="de-DE" dirty="0">
-                <a:solidFill>
-                  <a:schemeClr val="bg1"/>
-                </a:solidFill>
-                <a:latin typeface="Gaegu" pitchFamily="2" charset="0"/>
-                <a:ea typeface="Gaegu" pitchFamily="2" charset="0"/>
-              </a:rPr>
-              <a:t>Smartphone Steuerung</a:t>
-            </a:r>
-          </a:p>
-        </p:txBody>
-      </p:sp>
       <p:pic>
         <p:nvPicPr>
-          <p:cNvPr id="42" name="Grafik 41">
-            <a:extLst>
-              <a:ext uri="{FF2B5EF4-FFF2-40B4-BE49-F238E27FC236}">
-                <a16:creationId xmlns:a16="http://schemas.microsoft.com/office/drawing/2014/main" id="{8A824618-9DC9-4541-942E-315EDBBF4F7A}"/>
+          <p:cNvPr id="23" name="Grafik 22">
+            <a:extLst>
+              <a:ext uri="{FF2B5EF4-FFF2-40B4-BE49-F238E27FC236}">
+                <a16:creationId xmlns:a16="http://schemas.microsoft.com/office/drawing/2014/main" id="{CAF85C63-32BE-4249-8D76-9F0CB7FFCC6E}"/>
               </a:ext>
             </a:extLst>
           </p:cNvPr>
@@ -7043,9 +7320,6 @@
               <a:ext uri="{28A0092B-C50C-407E-A947-70E740481C1C}">
                 <a14:useLocalDpi xmlns:a14="http://schemas.microsoft.com/office/drawing/2010/main" val="0"/>
               </a:ext>
-              <a:ext uri="{96DAC541-7B7A-43D3-8B79-37D633B846F1}">
-                <asvg:svgBlip xmlns:asvg="http://schemas.microsoft.com/office/drawing/2016/SVG/main" r:embed="rId11"/>
-              </a:ext>
             </a:extLst>
           </a:blip>
           <a:stretch>
@@ -7053,19 +7327,785 @@
           </a:stretch>
         </p:blipFill>
         <p:spPr>
-          <a:xfrm rot="21387366">
-            <a:off x="8996044" y="3914936"/>
-            <a:ext cx="447127" cy="460087"/>
+          <a:xfrm rot="10352834" flipH="1">
+            <a:off x="2151810" y="3243813"/>
+            <a:ext cx="234525" cy="222650"/>
           </a:xfrm>
           <a:prstGeom prst="rect">
             <a:avLst/>
           </a:prstGeom>
         </p:spPr>
       </p:pic>
+      <p:sp>
+        <p:nvSpPr>
+          <p:cNvPr id="2" name="Textfeld 1">
+            <a:extLst>
+              <a:ext uri="{FF2B5EF4-FFF2-40B4-BE49-F238E27FC236}">
+                <a16:creationId xmlns:a16="http://schemas.microsoft.com/office/drawing/2014/main" id="{FD50216E-3DF2-49AD-BEB7-75E1F50623B6}"/>
+              </a:ext>
+            </a:extLst>
+          </p:cNvPr>
+          <p:cNvSpPr txBox="1"/>
+          <p:nvPr/>
+        </p:nvSpPr>
+        <p:spPr>
+          <a:xfrm>
+            <a:off x="7656266" y="4084744"/>
+            <a:ext cx="2598363" cy="307777"/>
+          </a:xfrm>
+          <a:prstGeom prst="rect">
+            <a:avLst/>
+          </a:prstGeom>
+          <a:noFill/>
+        </p:spPr>
+        <p:txBody>
+          <a:bodyPr wrap="square" rtlCol="0">
+            <a:spAutoFit/>
+          </a:bodyPr>
+          <a:lstStyle/>
+          <a:p>
+            <a:r>
+              <a:rPr lang="de-DE" sz="1400" b="1" dirty="0">
+                <a:solidFill>
+                  <a:srgbClr val="3C7D9B"/>
+                </a:solidFill>
+                <a:latin typeface="Gaegu" pitchFamily="2" charset="0"/>
+                <a:ea typeface="Gaegu" pitchFamily="2" charset="0"/>
+              </a:rPr>
+              <a:t>Steuerung via Smartphone</a:t>
+            </a:r>
+          </a:p>
+        </p:txBody>
+      </p:sp>
+      <p:pic>
+        <p:nvPicPr>
+          <p:cNvPr id="6" name="Grafik 5">
+            <a:extLst>
+              <a:ext uri="{FF2B5EF4-FFF2-40B4-BE49-F238E27FC236}">
+                <a16:creationId xmlns:a16="http://schemas.microsoft.com/office/drawing/2014/main" id="{6F2E4FA4-65F1-4674-BE21-7685E20D0283}"/>
+              </a:ext>
+            </a:extLst>
+          </p:cNvPr>
+          <p:cNvPicPr>
+            <a:picLocks noChangeAspect="1"/>
+          </p:cNvPicPr>
+          <p:nvPr/>
+        </p:nvPicPr>
+        <p:blipFill>
+          <a:blip r:embed="rId11">
+            <a:extLst>
+              <a:ext uri="{28A0092B-C50C-407E-A947-70E740481C1C}">
+                <a14:useLocalDpi xmlns:a14="http://schemas.microsoft.com/office/drawing/2010/main" val="0"/>
+              </a:ext>
+            </a:extLst>
+          </a:blip>
+          <a:stretch>
+            <a:fillRect/>
+          </a:stretch>
+        </p:blipFill>
+        <p:spPr>
+          <a:xfrm>
+            <a:off x="10622902" y="1741567"/>
+            <a:ext cx="247112" cy="247112"/>
+          </a:xfrm>
+          <a:prstGeom prst="rect">
+            <a:avLst/>
+          </a:prstGeom>
+        </p:spPr>
+      </p:pic>
+      <p:pic>
+        <p:nvPicPr>
+          <p:cNvPr id="11" name="Grafik 10" descr="Ein Bild, das Vektorgrafiken enthält.&#10;&#10;Mit hoher Zuverlässigkeit generierte Beschreibung">
+            <a:extLst>
+              <a:ext uri="{FF2B5EF4-FFF2-40B4-BE49-F238E27FC236}">
+                <a16:creationId xmlns:a16="http://schemas.microsoft.com/office/drawing/2014/main" id="{7C4F219D-2F51-4F19-B3A2-67241E8DBA8D}"/>
+              </a:ext>
+            </a:extLst>
+          </p:cNvPr>
+          <p:cNvPicPr>
+            <a:picLocks noChangeAspect="1"/>
+          </p:cNvPicPr>
+          <p:nvPr/>
+        </p:nvPicPr>
+        <p:blipFill>
+          <a:blip r:embed="rId12">
+            <a:extLst>
+              <a:ext uri="{28A0092B-C50C-407E-A947-70E740481C1C}">
+                <a14:useLocalDpi xmlns:a14="http://schemas.microsoft.com/office/drawing/2010/main" val="0"/>
+              </a:ext>
+            </a:extLst>
+          </a:blip>
+          <a:stretch>
+            <a:fillRect/>
+          </a:stretch>
+        </p:blipFill>
+        <p:spPr>
+          <a:xfrm>
+            <a:off x="8848181" y="2968813"/>
+            <a:ext cx="247112" cy="247112"/>
+          </a:xfrm>
+          <a:prstGeom prst="rect">
+            <a:avLst/>
+          </a:prstGeom>
+        </p:spPr>
+      </p:pic>
+      <p:pic>
+        <p:nvPicPr>
+          <p:cNvPr id="14" name="Grafik 13" descr="Ein Bild, das Vektorgrafiken enthält.&#10;&#10;Mit sehr hoher Zuverlässigkeit generierte Beschreibung">
+            <a:extLst>
+              <a:ext uri="{FF2B5EF4-FFF2-40B4-BE49-F238E27FC236}">
+                <a16:creationId xmlns:a16="http://schemas.microsoft.com/office/drawing/2014/main" id="{1307C259-1E59-4065-B17C-971299DE14F2}"/>
+              </a:ext>
+            </a:extLst>
+          </p:cNvPr>
+          <p:cNvPicPr>
+            <a:picLocks noChangeAspect="1"/>
+          </p:cNvPicPr>
+          <p:nvPr/>
+        </p:nvPicPr>
+        <p:blipFill>
+          <a:blip r:embed="rId13">
+            <a:extLst>
+              <a:ext uri="{28A0092B-C50C-407E-A947-70E740481C1C}">
+                <a14:useLocalDpi xmlns:a14="http://schemas.microsoft.com/office/drawing/2010/main" val="0"/>
+              </a:ext>
+            </a:extLst>
+          </a:blip>
+          <a:stretch>
+            <a:fillRect/>
+          </a:stretch>
+        </p:blipFill>
+        <p:spPr>
+          <a:xfrm>
+            <a:off x="10076190" y="2831381"/>
+            <a:ext cx="247112" cy="247112"/>
+          </a:xfrm>
+          <a:prstGeom prst="rect">
+            <a:avLst/>
+          </a:prstGeom>
+        </p:spPr>
+      </p:pic>
+      <p:pic>
+        <p:nvPicPr>
+          <p:cNvPr id="24" name="Grafik 23" descr="Ein Bild, das Objekt enthält.&#10;&#10;Mit hoher Zuverlässigkeit generierte Beschreibung">
+            <a:extLst>
+              <a:ext uri="{FF2B5EF4-FFF2-40B4-BE49-F238E27FC236}">
+                <a16:creationId xmlns:a16="http://schemas.microsoft.com/office/drawing/2014/main" id="{EAC210E6-FD3C-4C35-8E69-B9E79D17C9F3}"/>
+              </a:ext>
+            </a:extLst>
+          </p:cNvPr>
+          <p:cNvPicPr>
+            <a:picLocks noChangeAspect="1"/>
+          </p:cNvPicPr>
+          <p:nvPr/>
+        </p:nvPicPr>
+        <p:blipFill>
+          <a:blip r:embed="rId14">
+            <a:extLst>
+              <a:ext uri="{28A0092B-C50C-407E-A947-70E740481C1C}">
+                <a14:useLocalDpi xmlns:a14="http://schemas.microsoft.com/office/drawing/2010/main" val="0"/>
+              </a:ext>
+            </a:extLst>
+          </a:blip>
+          <a:stretch>
+            <a:fillRect/>
+          </a:stretch>
+        </p:blipFill>
+        <p:spPr>
+          <a:xfrm>
+            <a:off x="9254789" y="1874524"/>
+            <a:ext cx="247113" cy="247113"/>
+          </a:xfrm>
+          <a:prstGeom prst="rect">
+            <a:avLst/>
+          </a:prstGeom>
+        </p:spPr>
+      </p:pic>
+      <p:sp>
+        <p:nvSpPr>
+          <p:cNvPr id="32" name="Textfeld 31">
+            <a:extLst>
+              <a:ext uri="{FF2B5EF4-FFF2-40B4-BE49-F238E27FC236}">
+                <a16:creationId xmlns:a16="http://schemas.microsoft.com/office/drawing/2014/main" id="{A541BEAA-CD42-47D9-AFE2-1F9DDE5506DF}"/>
+              </a:ext>
+            </a:extLst>
+          </p:cNvPr>
+          <p:cNvSpPr txBox="1"/>
+          <p:nvPr/>
+        </p:nvSpPr>
+        <p:spPr>
+          <a:xfrm>
+            <a:off x="10773549" y="2098914"/>
+            <a:ext cx="404813" cy="215444"/>
+          </a:xfrm>
+          <a:prstGeom prst="rect">
+            <a:avLst/>
+          </a:prstGeom>
+          <a:noFill/>
+        </p:spPr>
+        <p:txBody>
+          <a:bodyPr wrap="square" rtlCol="0">
+            <a:spAutoFit/>
+          </a:bodyPr>
+          <a:lstStyle/>
+          <a:p>
+            <a:r>
+              <a:rPr lang="de-DE" sz="800" b="1" dirty="0">
+                <a:ln w="3175">
+                  <a:noFill/>
+                </a:ln>
+                <a:solidFill>
+                  <a:srgbClr val="3C7D9B"/>
+                </a:solidFill>
+                <a:latin typeface="Open Sans" panose="020B0606030504020204" pitchFamily="34" charset="0"/>
+                <a:ea typeface="Open Sans" panose="020B0606030504020204" pitchFamily="34" charset="0"/>
+                <a:cs typeface="Open Sans" panose="020B0606030504020204" pitchFamily="34" charset="0"/>
+              </a:rPr>
+              <a:t>17+</a:t>
+            </a:r>
+          </a:p>
+        </p:txBody>
+      </p:sp>
+      <p:sp>
+        <p:nvSpPr>
+          <p:cNvPr id="34" name="Textfeld 33">
+            <a:extLst>
+              <a:ext uri="{FF2B5EF4-FFF2-40B4-BE49-F238E27FC236}">
+                <a16:creationId xmlns:a16="http://schemas.microsoft.com/office/drawing/2014/main" id="{E0567810-DDCB-4F8D-A824-1FAE33462035}"/>
+              </a:ext>
+            </a:extLst>
+          </p:cNvPr>
+          <p:cNvSpPr txBox="1"/>
+          <p:nvPr/>
+        </p:nvSpPr>
+        <p:spPr>
+          <a:xfrm>
+            <a:off x="8732769" y="3329843"/>
+            <a:ext cx="404813" cy="215444"/>
+          </a:xfrm>
+          <a:prstGeom prst="rect">
+            <a:avLst/>
+          </a:prstGeom>
+          <a:noFill/>
+        </p:spPr>
+        <p:txBody>
+          <a:bodyPr wrap="square" rtlCol="0">
+            <a:spAutoFit/>
+          </a:bodyPr>
+          <a:lstStyle/>
+          <a:p>
+            <a:r>
+              <a:rPr lang="de-DE" sz="800" b="1" dirty="0">
+                <a:ln w="3175">
+                  <a:noFill/>
+                </a:ln>
+                <a:solidFill>
+                  <a:srgbClr val="3C7D9B"/>
+                </a:solidFill>
+                <a:latin typeface="Open Sans" panose="020B0606030504020204" pitchFamily="34" charset="0"/>
+                <a:ea typeface="Open Sans" panose="020B0606030504020204" pitchFamily="34" charset="0"/>
+                <a:cs typeface="Open Sans" panose="020B0606030504020204" pitchFamily="34" charset="0"/>
+              </a:rPr>
+              <a:t>65+</a:t>
+            </a:r>
+          </a:p>
+        </p:txBody>
+      </p:sp>
+      <p:sp>
+        <p:nvSpPr>
+          <p:cNvPr id="35" name="Textfeld 34">
+            <a:extLst>
+              <a:ext uri="{FF2B5EF4-FFF2-40B4-BE49-F238E27FC236}">
+                <a16:creationId xmlns:a16="http://schemas.microsoft.com/office/drawing/2014/main" id="{A4D5677E-890D-4343-A320-C4E89C8071EE}"/>
+              </a:ext>
+            </a:extLst>
+          </p:cNvPr>
+          <p:cNvSpPr txBox="1"/>
+          <p:nvPr/>
+        </p:nvSpPr>
+        <p:spPr>
+          <a:xfrm>
+            <a:off x="9951410" y="3198747"/>
+            <a:ext cx="404813" cy="215444"/>
+          </a:xfrm>
+          <a:prstGeom prst="rect">
+            <a:avLst/>
+          </a:prstGeom>
+          <a:noFill/>
+        </p:spPr>
+        <p:txBody>
+          <a:bodyPr wrap="square" rtlCol="0">
+            <a:spAutoFit/>
+          </a:bodyPr>
+          <a:lstStyle/>
+          <a:p>
+            <a:r>
+              <a:rPr lang="de-DE" sz="800" b="1" dirty="0">
+                <a:ln w="3175">
+                  <a:noFill/>
+                </a:ln>
+                <a:solidFill>
+                  <a:srgbClr val="3C7D9B"/>
+                </a:solidFill>
+                <a:latin typeface="Open Sans" panose="020B0606030504020204" pitchFamily="34" charset="0"/>
+                <a:ea typeface="Open Sans" panose="020B0606030504020204" pitchFamily="34" charset="0"/>
+                <a:cs typeface="Open Sans" panose="020B0606030504020204" pitchFamily="34" charset="0"/>
+              </a:rPr>
+              <a:t>62+</a:t>
+            </a:r>
+          </a:p>
+        </p:txBody>
+      </p:sp>
+      <p:sp>
+        <p:nvSpPr>
+          <p:cNvPr id="36" name="Textfeld 35">
+            <a:extLst>
+              <a:ext uri="{FF2B5EF4-FFF2-40B4-BE49-F238E27FC236}">
+                <a16:creationId xmlns:a16="http://schemas.microsoft.com/office/drawing/2014/main" id="{A48C1D88-BEFD-4E22-BBFA-601EDE31F33B}"/>
+              </a:ext>
+            </a:extLst>
+          </p:cNvPr>
+          <p:cNvSpPr txBox="1"/>
+          <p:nvPr/>
+        </p:nvSpPr>
+        <p:spPr>
+          <a:xfrm>
+            <a:off x="9265903" y="2239613"/>
+            <a:ext cx="525758" cy="215444"/>
+          </a:xfrm>
+          <a:prstGeom prst="rect">
+            <a:avLst/>
+          </a:prstGeom>
+          <a:noFill/>
+        </p:spPr>
+        <p:txBody>
+          <a:bodyPr wrap="square" rtlCol="0">
+            <a:spAutoFit/>
+          </a:bodyPr>
+          <a:lstStyle/>
+          <a:p>
+            <a:r>
+              <a:rPr lang="de-DE" sz="800" b="1" dirty="0">
+                <a:ln w="3175">
+                  <a:noFill/>
+                </a:ln>
+                <a:solidFill>
+                  <a:srgbClr val="3C7D9B"/>
+                </a:solidFill>
+                <a:latin typeface="Open Sans" panose="020B0606030504020204" pitchFamily="34" charset="0"/>
+                <a:ea typeface="Open Sans" panose="020B0606030504020204" pitchFamily="34" charset="0"/>
+                <a:cs typeface="Open Sans" panose="020B0606030504020204" pitchFamily="34" charset="0"/>
+              </a:rPr>
+              <a:t>11+</a:t>
+            </a:r>
+          </a:p>
+        </p:txBody>
+      </p:sp>
+      <p:graphicFrame>
+        <p:nvGraphicFramePr>
+          <p:cNvPr id="43" name="Objekt 42">
+            <a:extLst>
+              <a:ext uri="{FF2B5EF4-FFF2-40B4-BE49-F238E27FC236}">
+                <a16:creationId xmlns:a16="http://schemas.microsoft.com/office/drawing/2014/main" id="{DA8D5167-6867-47E2-8826-08C68D592BAC}"/>
+              </a:ext>
+            </a:extLst>
+          </p:cNvPr>
+          <p:cNvGraphicFramePr>
+            <a:graphicFrameLocks noChangeAspect="1"/>
+          </p:cNvGraphicFramePr>
+          <p:nvPr>
+            <p:extLst>
+              <p:ext uri="{D42A27DB-BD31-4B8C-83A1-F6EECF244321}">
+                <p14:modId xmlns:p14="http://schemas.microsoft.com/office/powerpoint/2010/main" val="1885597209"/>
+              </p:ext>
+            </p:extLst>
+          </p:nvPr>
+        </p:nvGraphicFramePr>
+        <p:xfrm>
+          <a:off x="695853" y="5826425"/>
+          <a:ext cx="212384" cy="212384"/>
+        </p:xfrm>
+        <a:graphic>
+          <a:graphicData uri="http://schemas.openxmlformats.org/presentationml/2006/ole">
+            <mc:AlternateContent xmlns:mc="http://schemas.openxmlformats.org/markup-compatibility/2006">
+              <mc:Choice xmlns:v="urn:schemas-microsoft-com:vml" Requires="v">
+                <p:oleObj spid="_x0000_s1026" name="Image" r:id="rId15" imgW="431640" imgH="431640" progId="Photoshop.Image.16">
+                  <p:embed/>
+                </p:oleObj>
+              </mc:Choice>
+              <mc:Fallback>
+                <p:oleObj name="Image" r:id="rId15" imgW="431640" imgH="431640" progId="Photoshop.Image.16">
+                  <p:embed/>
+                  <p:pic>
+                    <p:nvPicPr>
+                      <p:cNvPr id="43" name="Objekt 42">
+                        <a:extLst>
+                          <a:ext uri="{FF2B5EF4-FFF2-40B4-BE49-F238E27FC236}">
+                            <a16:creationId xmlns:a16="http://schemas.microsoft.com/office/drawing/2014/main" id="{DA8D5167-6867-47E2-8826-08C68D592BAC}"/>
+                          </a:ext>
+                        </a:extLst>
+                      </p:cNvPr>
+                      <p:cNvPicPr/>
+                      <p:nvPr/>
+                    </p:nvPicPr>
+                    <p:blipFill>
+                      <a:blip r:embed="rId16"/>
+                      <a:stretch>
+                        <a:fillRect/>
+                      </a:stretch>
+                    </p:blipFill>
+                    <p:spPr>
+                      <a:xfrm>
+                        <a:off x="695853" y="5826425"/>
+                        <a:ext cx="212384" cy="212384"/>
+                      </a:xfrm>
+                      <a:prstGeom prst="rect">
+                        <a:avLst/>
+                      </a:prstGeom>
+                    </p:spPr>
+                  </p:pic>
+                </p:oleObj>
+              </mc:Fallback>
+            </mc:AlternateContent>
+          </a:graphicData>
+        </a:graphic>
+      </p:graphicFrame>
+      <p:graphicFrame>
+        <p:nvGraphicFramePr>
+          <p:cNvPr id="44" name="Objekt 43">
+            <a:extLst>
+              <a:ext uri="{FF2B5EF4-FFF2-40B4-BE49-F238E27FC236}">
+                <a16:creationId xmlns:a16="http://schemas.microsoft.com/office/drawing/2014/main" id="{FAF5442B-65B6-4A83-B799-2639AE20B3D5}"/>
+              </a:ext>
+            </a:extLst>
+          </p:cNvPr>
+          <p:cNvGraphicFramePr>
+            <a:graphicFrameLocks noChangeAspect="1"/>
+          </p:cNvGraphicFramePr>
+          <p:nvPr>
+            <p:extLst>
+              <p:ext uri="{D42A27DB-BD31-4B8C-83A1-F6EECF244321}">
+                <p14:modId xmlns:p14="http://schemas.microsoft.com/office/powerpoint/2010/main" val="2781134501"/>
+              </p:ext>
+            </p:extLst>
+          </p:nvPr>
+        </p:nvGraphicFramePr>
+        <p:xfrm>
+          <a:off x="702996" y="5272531"/>
+          <a:ext cx="212385" cy="212385"/>
+        </p:xfrm>
+        <a:graphic>
+          <a:graphicData uri="http://schemas.openxmlformats.org/presentationml/2006/ole">
+            <mc:AlternateContent xmlns:mc="http://schemas.openxmlformats.org/markup-compatibility/2006">
+              <mc:Choice xmlns:v="urn:schemas-microsoft-com:vml" Requires="v">
+                <p:oleObj spid="_x0000_s1027" name="Image" r:id="rId17" imgW="431640" imgH="431640" progId="Photoshop.Image.16">
+                  <p:embed/>
+                </p:oleObj>
+              </mc:Choice>
+              <mc:Fallback>
+                <p:oleObj name="Image" r:id="rId17" imgW="431640" imgH="431640" progId="Photoshop.Image.16">
+                  <p:embed/>
+                  <p:pic>
+                    <p:nvPicPr>
+                      <p:cNvPr id="44" name="Objekt 43">
+                        <a:extLst>
+                          <a:ext uri="{FF2B5EF4-FFF2-40B4-BE49-F238E27FC236}">
+                            <a16:creationId xmlns:a16="http://schemas.microsoft.com/office/drawing/2014/main" id="{FAF5442B-65B6-4A83-B799-2639AE20B3D5}"/>
+                          </a:ext>
+                        </a:extLst>
+                      </p:cNvPr>
+                      <p:cNvPicPr/>
+                      <p:nvPr/>
+                    </p:nvPicPr>
+                    <p:blipFill>
+                      <a:blip r:embed="rId18"/>
+                      <a:stretch>
+                        <a:fillRect/>
+                      </a:stretch>
+                    </p:blipFill>
+                    <p:spPr>
+                      <a:xfrm>
+                        <a:off x="702996" y="5272531"/>
+                        <a:ext cx="212385" cy="212385"/>
+                      </a:xfrm>
+                      <a:prstGeom prst="rect">
+                        <a:avLst/>
+                      </a:prstGeom>
+                    </p:spPr>
+                  </p:pic>
+                </p:oleObj>
+              </mc:Fallback>
+            </mc:AlternateContent>
+          </a:graphicData>
+        </a:graphic>
+      </p:graphicFrame>
+      <p:sp>
+        <p:nvSpPr>
+          <p:cNvPr id="49" name="Rechteck 48">
+            <a:extLst>
+              <a:ext uri="{FF2B5EF4-FFF2-40B4-BE49-F238E27FC236}">
+                <a16:creationId xmlns:a16="http://schemas.microsoft.com/office/drawing/2014/main" id="{917A09C1-35E8-4917-AD03-DCCCD1ED0F17}"/>
+              </a:ext>
+            </a:extLst>
+          </p:cNvPr>
+          <p:cNvSpPr/>
+          <p:nvPr/>
+        </p:nvSpPr>
+        <p:spPr>
+          <a:xfrm>
+            <a:off x="618939" y="4705427"/>
+            <a:ext cx="212384" cy="163772"/>
+          </a:xfrm>
+          <a:prstGeom prst="rect">
+            <a:avLst/>
+          </a:prstGeom>
+          <a:solidFill>
+            <a:srgbClr val="F4F6FB"/>
+          </a:solidFill>
+          <a:ln>
+            <a:noFill/>
+          </a:ln>
+        </p:spPr>
+        <p:style>
+          <a:lnRef idx="2">
+            <a:schemeClr val="accent1">
+              <a:shade val="50000"/>
+            </a:schemeClr>
+          </a:lnRef>
+          <a:fillRef idx="1">
+            <a:schemeClr val="accent1"/>
+          </a:fillRef>
+          <a:effectRef idx="0">
+            <a:schemeClr val="accent1"/>
+          </a:effectRef>
+          <a:fontRef idx="minor">
+            <a:schemeClr val="lt1"/>
+          </a:fontRef>
+        </p:style>
+        <p:txBody>
+          <a:bodyPr rtlCol="0" anchor="ctr"/>
+          <a:lstStyle/>
+          <a:p>
+            <a:pPr algn="ctr"/>
+            <a:endParaRPr lang="de-DE"/>
+          </a:p>
+        </p:txBody>
+      </p:sp>
+      <p:pic>
+        <p:nvPicPr>
+          <p:cNvPr id="60" name="Grafik 59">
+            <a:extLst>
+              <a:ext uri="{FF2B5EF4-FFF2-40B4-BE49-F238E27FC236}">
+                <a16:creationId xmlns:a16="http://schemas.microsoft.com/office/drawing/2014/main" id="{6B51741E-6997-4AB2-9DAA-CD2218EA13ED}"/>
+              </a:ext>
+            </a:extLst>
+          </p:cNvPr>
+          <p:cNvPicPr>
+            <a:picLocks noChangeAspect="1"/>
+          </p:cNvPicPr>
+          <p:nvPr/>
+        </p:nvPicPr>
+        <p:blipFill>
+          <a:blip r:embed="rId19">
+            <a:extLst>
+              <a:ext uri="{28A0092B-C50C-407E-A947-70E740481C1C}">
+                <a14:useLocalDpi xmlns:a14="http://schemas.microsoft.com/office/drawing/2010/main" val="0"/>
+              </a:ext>
+              <a:ext uri="{96DAC541-7B7A-43D3-8B79-37D633B846F1}">
+                <asvg:svgBlip xmlns:asvg="http://schemas.microsoft.com/office/drawing/2016/SVG/main" r:embed="rId20"/>
+              </a:ext>
+            </a:extLst>
+          </a:blip>
+          <a:stretch>
+            <a:fillRect/>
+          </a:stretch>
+        </p:blipFill>
+        <p:spPr>
+          <a:xfrm>
+            <a:off x="734682" y="4731585"/>
+            <a:ext cx="141443" cy="141443"/>
+          </a:xfrm>
+          <a:prstGeom prst="rect">
+            <a:avLst/>
+          </a:prstGeom>
+        </p:spPr>
+      </p:pic>
+      <p:sp>
+        <p:nvSpPr>
+          <p:cNvPr id="63" name="Rechteck 62">
+            <a:extLst>
+              <a:ext uri="{FF2B5EF4-FFF2-40B4-BE49-F238E27FC236}">
+                <a16:creationId xmlns:a16="http://schemas.microsoft.com/office/drawing/2014/main" id="{B724912B-7C28-4D47-9864-4CB0BFFBF933}"/>
+              </a:ext>
+            </a:extLst>
+          </p:cNvPr>
+          <p:cNvSpPr/>
+          <p:nvPr/>
+        </p:nvSpPr>
+        <p:spPr>
+          <a:xfrm>
+            <a:off x="615385" y="6155093"/>
+            <a:ext cx="212384" cy="163772"/>
+          </a:xfrm>
+          <a:prstGeom prst="rect">
+            <a:avLst/>
+          </a:prstGeom>
+          <a:solidFill>
+            <a:srgbClr val="F4F6FB"/>
+          </a:solidFill>
+          <a:ln>
+            <a:noFill/>
+          </a:ln>
+        </p:spPr>
+        <p:style>
+          <a:lnRef idx="2">
+            <a:schemeClr val="accent1">
+              <a:shade val="50000"/>
+            </a:schemeClr>
+          </a:lnRef>
+          <a:fillRef idx="1">
+            <a:schemeClr val="accent1"/>
+          </a:fillRef>
+          <a:effectRef idx="0">
+            <a:schemeClr val="accent1"/>
+          </a:effectRef>
+          <a:fontRef idx="minor">
+            <a:schemeClr val="lt1"/>
+          </a:fontRef>
+        </p:style>
+        <p:txBody>
+          <a:bodyPr rtlCol="0" anchor="ctr"/>
+          <a:lstStyle/>
+          <a:p>
+            <a:pPr algn="ctr"/>
+            <a:endParaRPr lang="de-DE"/>
+          </a:p>
+        </p:txBody>
+      </p:sp>
+      <p:pic>
+        <p:nvPicPr>
+          <p:cNvPr id="62" name="Grafik 61">
+            <a:extLst>
+              <a:ext uri="{FF2B5EF4-FFF2-40B4-BE49-F238E27FC236}">
+                <a16:creationId xmlns:a16="http://schemas.microsoft.com/office/drawing/2014/main" id="{ACD4936F-A704-4FEE-98CB-FF4984A1DE29}"/>
+              </a:ext>
+            </a:extLst>
+          </p:cNvPr>
+          <p:cNvPicPr>
+            <a:picLocks noChangeAspect="1"/>
+          </p:cNvPicPr>
+          <p:nvPr/>
+        </p:nvPicPr>
+        <p:blipFill>
+          <a:blip r:embed="rId21">
+            <a:extLst>
+              <a:ext uri="{28A0092B-C50C-407E-A947-70E740481C1C}">
+                <a14:useLocalDpi xmlns:a14="http://schemas.microsoft.com/office/drawing/2010/main" val="0"/>
+              </a:ext>
+              <a:ext uri="{96DAC541-7B7A-43D3-8B79-37D633B846F1}">
+                <asvg:svgBlip xmlns:asvg="http://schemas.microsoft.com/office/drawing/2016/SVG/main" r:embed="rId22"/>
+              </a:ext>
+            </a:extLst>
+          </a:blip>
+          <a:stretch>
+            <a:fillRect/>
+          </a:stretch>
+        </p:blipFill>
+        <p:spPr>
+          <a:xfrm>
+            <a:off x="734682" y="6188441"/>
+            <a:ext cx="130424" cy="130424"/>
+          </a:xfrm>
+          <a:prstGeom prst="rect">
+            <a:avLst/>
+          </a:prstGeom>
+        </p:spPr>
+      </p:pic>
+      <p:sp>
+        <p:nvSpPr>
+          <p:cNvPr id="69" name="Rechteck 68">
+            <a:extLst>
+              <a:ext uri="{FF2B5EF4-FFF2-40B4-BE49-F238E27FC236}">
+                <a16:creationId xmlns:a16="http://schemas.microsoft.com/office/drawing/2014/main" id="{E88B5E06-C2BC-4E5A-A020-17F713705A97}"/>
+              </a:ext>
+            </a:extLst>
+          </p:cNvPr>
+          <p:cNvSpPr/>
+          <p:nvPr/>
+        </p:nvSpPr>
+        <p:spPr>
+          <a:xfrm>
+            <a:off x="657768" y="3854610"/>
+            <a:ext cx="3078479" cy="352551"/>
+          </a:xfrm>
+          <a:prstGeom prst="rect">
+            <a:avLst/>
+          </a:prstGeom>
+          <a:solidFill>
+            <a:srgbClr val="0DAB76"/>
+          </a:solidFill>
+          <a:ln>
+            <a:solidFill>
+              <a:srgbClr val="086644"/>
+            </a:solidFill>
+          </a:ln>
+          <a:effectLst>
+            <a:outerShdw blurRad="50800" dist="12700" dir="5400000" sx="101000" sy="101000" algn="t" rotWithShape="0">
+              <a:prstClr val="black">
+                <a:alpha val="20000"/>
+              </a:prstClr>
+            </a:outerShdw>
+          </a:effectLst>
+        </p:spPr>
+        <p:style>
+          <a:lnRef idx="2">
+            <a:schemeClr val="accent1">
+              <a:shade val="50000"/>
+            </a:schemeClr>
+          </a:lnRef>
+          <a:fillRef idx="1">
+            <a:schemeClr val="accent1"/>
+          </a:fillRef>
+          <a:effectRef idx="0">
+            <a:schemeClr val="accent1"/>
+          </a:effectRef>
+          <a:fontRef idx="minor">
+            <a:schemeClr val="lt1"/>
+          </a:fontRef>
+        </p:style>
+        <p:txBody>
+          <a:bodyPr rtlCol="0" anchor="ctr"/>
+          <a:lstStyle/>
+          <a:p>
+            <a:pPr algn="ctr"/>
+            <a:r>
+              <a:rPr lang="de-DE" sz="1600" dirty="0">
+                <a:latin typeface="Gaegu" pitchFamily="2" charset="0"/>
+                <a:ea typeface="Gaegu" pitchFamily="2" charset="0"/>
+              </a:rPr>
+              <a:t>Der riesen Multiplayer </a:t>
+            </a:r>
+            <a:r>
+              <a:rPr lang="de-DE" sz="1600" dirty="0" err="1">
+                <a:latin typeface="Gaegu" pitchFamily="2" charset="0"/>
+                <a:ea typeface="Gaegu" pitchFamily="2" charset="0"/>
+              </a:rPr>
+              <a:t>Spass</a:t>
+            </a:r>
+            <a:r>
+              <a:rPr lang="de-DE" sz="1600" dirty="0">
+                <a:latin typeface="Gaegu" pitchFamily="2" charset="0"/>
+                <a:ea typeface="Gaegu" pitchFamily="2" charset="0"/>
+              </a:rPr>
+              <a:t>!</a:t>
+            </a:r>
+          </a:p>
+        </p:txBody>
+      </p:sp>
     </p:spTree>
     <p:extLst>
       <p:ext uri="{BB962C8B-B14F-4D97-AF65-F5344CB8AC3E}">
-        <p14:creationId xmlns:p14="http://schemas.microsoft.com/office/powerpoint/2010/main" val="2753988696"/>
+        <p14:creationId xmlns:p14="http://schemas.microsoft.com/office/powerpoint/2010/main" val="127925174"/>
       </p:ext>
     </p:extLst>
   </p:cSld>

--- a/media/Panzer Party.pptx
+++ b/media/Panzer Party.pptx
@@ -131,7 +131,7 @@
 <file path=ppt/revisionInfo.xml><?xml version="1.0" encoding="utf-8"?>
 <p1510:revInfo xmlns:a="http://schemas.openxmlformats.org/drawingml/2006/main" xmlns:r="http://schemas.openxmlformats.org/officeDocument/2006/relationships" xmlns:p1510="http://schemas.microsoft.com/office/powerpoint/2015/10/main">
   <p1510:revLst>
-    <p1510:client id="{5634777E-6FEB-4230-B8E3-6F6C6D766434}" v="1765" dt="2018-09-09T10:51:57.672"/>
+    <p1510:client id="{5634777E-6FEB-4230-B8E3-6F6C6D766434}" v="1812" dt="2018-09-09T10:54:18.108"/>
   </p1510:revLst>
 </p1510:revInfo>
 </file>
@@ -141,7 +141,7 @@
   <pc:docChgLst>
     <pc:chgData name="Max Meuten" userId="1b66fd4c7ecdcb99" providerId="LiveId" clId="{5634777E-6FEB-4230-B8E3-6F6C6D766434}"/>
     <pc:docChg chg="undo redo custSel addSld modSld sldOrd">
-      <pc:chgData name="Max Meuten" userId="1b66fd4c7ecdcb99" providerId="LiveId" clId="{5634777E-6FEB-4230-B8E3-6F6C6D766434}" dt="2018-09-09T10:51:57.674" v="1757" actId="20577"/>
+      <pc:chgData name="Max Meuten" userId="1b66fd4c7ecdcb99" providerId="LiveId" clId="{5634777E-6FEB-4230-B8E3-6F6C6D766434}" dt="2018-09-09T10:54:18.108" v="1804" actId="1037"/>
       <pc:docMkLst>
         <pc:docMk/>
       </pc:docMkLst>
@@ -161,7 +161,7 @@
         </pc:spChg>
       </pc:sldChg>
       <pc:sldChg chg="addSp delSp modSp add">
-        <pc:chgData name="Max Meuten" userId="1b66fd4c7ecdcb99" providerId="LiveId" clId="{5634777E-6FEB-4230-B8E3-6F6C6D766434}" dt="2018-09-09T10:51:57.674" v="1757" actId="20577"/>
+        <pc:chgData name="Max Meuten" userId="1b66fd4c7ecdcb99" providerId="LiveId" clId="{5634777E-6FEB-4230-B8E3-6F6C6D766434}" dt="2018-09-09T10:54:18.108" v="1804" actId="1037"/>
         <pc:sldMkLst>
           <pc:docMk/>
           <pc:sldMk cId="127925174" sldId="265"/>
@@ -367,7 +367,7 @@
           </ac:spMkLst>
         </pc:spChg>
         <pc:spChg chg="add mod topLvl">
-          <ac:chgData name="Max Meuten" userId="1b66fd4c7ecdcb99" providerId="LiveId" clId="{5634777E-6FEB-4230-B8E3-6F6C6D766434}" dt="2018-09-09T02:01:27.847" v="1352" actId="165"/>
+          <ac:chgData name="Max Meuten" userId="1b66fd4c7ecdcb99" providerId="LiveId" clId="{5634777E-6FEB-4230-B8E3-6F6C6D766434}" dt="2018-09-09T10:54:12.620" v="1787" actId="1037"/>
           <ac:spMkLst>
             <pc:docMk/>
             <pc:sldMk cId="127925174" sldId="265"/>
@@ -375,7 +375,7 @@
           </ac:spMkLst>
         </pc:spChg>
         <pc:spChg chg="add mod">
-          <ac:chgData name="Max Meuten" userId="1b66fd4c7ecdcb99" providerId="LiveId" clId="{5634777E-6FEB-4230-B8E3-6F6C6D766434}" dt="2018-09-09T02:10:57.863" v="1506" actId="1076"/>
+          <ac:chgData name="Max Meuten" userId="1b66fd4c7ecdcb99" providerId="LiveId" clId="{5634777E-6FEB-4230-B8E3-6F6C6D766434}" dt="2018-09-09T10:54:18.108" v="1804" actId="1037"/>
           <ac:spMkLst>
             <pc:docMk/>
             <pc:sldMk cId="127925174" sldId="265"/>
@@ -534,20 +534,20 @@
             <ac:picMk id="11" creationId="{7C4F219D-2F51-4F19-B3A2-67241E8DBA8D}"/>
           </ac:picMkLst>
         </pc:picChg>
+        <pc:picChg chg="del">
+          <ac:chgData name="Max Meuten" userId="1b66fd4c7ecdcb99" providerId="LiveId" clId="{5634777E-6FEB-4230-B8E3-6F6C6D766434}" dt="2018-09-07T21:53:03.457" v="8" actId="478"/>
+          <ac:picMkLst>
+            <pc:docMk/>
+            <pc:sldMk cId="127925174" sldId="265"/>
+            <ac:picMk id="14" creationId="{DA0A999E-B518-4867-A02F-1E910B6B8F12}"/>
+          </ac:picMkLst>
+        </pc:picChg>
         <pc:picChg chg="add mod">
           <ac:chgData name="Max Meuten" userId="1b66fd4c7ecdcb99" providerId="LiveId" clId="{5634777E-6FEB-4230-B8E3-6F6C6D766434}" dt="2018-09-08T22:27:15.054" v="1060" actId="1036"/>
           <ac:picMkLst>
             <pc:docMk/>
             <pc:sldMk cId="127925174" sldId="265"/>
             <ac:picMk id="14" creationId="{1307C259-1E59-4065-B17C-971299DE14F2}"/>
-          </ac:picMkLst>
-        </pc:picChg>
-        <pc:picChg chg="del">
-          <ac:chgData name="Max Meuten" userId="1b66fd4c7ecdcb99" providerId="LiveId" clId="{5634777E-6FEB-4230-B8E3-6F6C6D766434}" dt="2018-09-07T21:53:03.457" v="8" actId="478"/>
-          <ac:picMkLst>
-            <pc:docMk/>
-            <pc:sldMk cId="127925174" sldId="265"/>
-            <ac:picMk id="14" creationId="{DA0A999E-B518-4867-A02F-1E910B6B8F12}"/>
           </ac:picMkLst>
         </pc:picChg>
         <pc:picChg chg="add del mod">
@@ -7853,7 +7853,7 @@
         </p:nvSpPr>
         <p:spPr>
           <a:xfrm>
-            <a:off x="618939" y="4705427"/>
+            <a:off x="699902" y="4705427"/>
             <a:ext cx="212384" cy="163772"/>
           </a:xfrm>
           <a:prstGeom prst="rect">
@@ -7944,7 +7944,7 @@
         </p:nvSpPr>
         <p:spPr>
           <a:xfrm>
-            <a:off x="615385" y="6155093"/>
+            <a:off x="708255" y="6155093"/>
             <a:ext cx="212384" cy="163772"/>
           </a:xfrm>
           <a:prstGeom prst="rect">

--- a/media/Panzer Party.pptx
+++ b/media/Panzer Party.pptx
@@ -4415,7 +4415,7 @@
           <a:graphicData uri="http://schemas.openxmlformats.org/presentationml/2006/ole">
             <mc:AlternateContent xmlns:mc="http://schemas.openxmlformats.org/markup-compatibility/2006">
               <mc:Choice xmlns:v="urn:schemas-microsoft-com:vml" Requires="v">
-                <p:oleObj spid="_x0000_s3092" name="Image" r:id="rId14" imgW="431640" imgH="431640" progId="Photoshop.Image.16">
+                <p:oleObj spid="_x0000_s3098" name="Image" r:id="rId14" imgW="431640" imgH="431640" progId="Photoshop.Image.16">
                   <p:embed/>
                 </p:oleObj>
               </mc:Choice>
@@ -4484,7 +4484,7 @@
           <a:graphicData uri="http://schemas.openxmlformats.org/presentationml/2006/ole">
             <mc:AlternateContent xmlns:mc="http://schemas.openxmlformats.org/markup-compatibility/2006">
               <mc:Choice xmlns:v="urn:schemas-microsoft-com:vml" Requires="v">
-                <p:oleObj spid="_x0000_s3093" name="Image" r:id="rId16" imgW="431640" imgH="431640" progId="Photoshop.Image.16">
+                <p:oleObj spid="_x0000_s3099" name="Image" r:id="rId16" imgW="431640" imgH="431640" progId="Photoshop.Image.16">
                   <p:embed/>
                 </p:oleObj>
               </mc:Choice>
@@ -4895,7 +4895,7 @@
             <a:r>
               <a:rPr lang="de-DE" sz="1600" dirty="0">
                 <a:solidFill>
-                  <a:srgbClr val="2B6CAC"/>
+                  <a:srgbClr val="2BAC6C"/>
                 </a:solidFill>
                 <a:latin typeface="Gaegu" pitchFamily="2" charset="0"/>
                 <a:ea typeface="Gaegu" pitchFamily="2" charset="0"/>
@@ -5000,7 +5000,7 @@
           <a:graphicData uri="http://schemas.openxmlformats.org/presentationml/2006/ole">
             <mc:AlternateContent xmlns:mc="http://schemas.openxmlformats.org/markup-compatibility/2006">
               <mc:Choice xmlns:v="urn:schemas-microsoft-com:vml" Requires="v">
-                <p:oleObj spid="_x0000_s3094" name="Image" r:id="rId16" imgW="431640" imgH="431640" progId="Photoshop.Image.16">
+                <p:oleObj spid="_x0000_s3100" name="Image" r:id="rId16" imgW="431640" imgH="431640" progId="Photoshop.Image.16">
                   <p:embed/>
                 </p:oleObj>
               </mc:Choice>

--- a/media/Panzer Party.pptx
+++ b/media/Panzer Party.pptx
@@ -124,6 +124,147 @@
 </p:cmAuthorLst>
 </file>
 
+<file path=ppt/revisionInfo.xml><?xml version="1.0" encoding="utf-8"?>
+<p1510:revInfo xmlns:a="http://schemas.openxmlformats.org/drawingml/2006/main" xmlns:r="http://schemas.openxmlformats.org/officeDocument/2006/relationships" xmlns:p1510="http://schemas.microsoft.com/office/powerpoint/2015/10/main">
+  <p1510:revLst>
+    <p1510:client id="{5634777E-6FEB-4230-B8E3-6F6C6D766434}" v="34" dt="2018-09-11T19:59:08.193"/>
+  </p1510:revLst>
+</p1510:revInfo>
+</file>
+
+<file path=ppt/changesInfos/changesInfo1.xml><?xml version="1.0" encoding="utf-8"?>
+<pc:chgInfo xmlns:a="http://schemas.openxmlformats.org/drawingml/2006/main" xmlns:r="http://schemas.openxmlformats.org/officeDocument/2006/relationships" xmlns:ac="http://schemas.microsoft.com/office/drawing/2013/main/command" xmlns:pc="http://schemas.microsoft.com/office/powerpoint/2013/main/command">
+  <pc:docChgLst>
+    <pc:chgData name="Max Meuten" userId="1b66fd4c7ecdcb99" providerId="LiveId" clId="{5634777E-6FEB-4230-B8E3-6F6C6D766434}"/>
+    <pc:docChg chg="custSel modSld">
+      <pc:chgData name="Max Meuten" userId="1b66fd4c7ecdcb99" providerId="LiveId" clId="{5634777E-6FEB-4230-B8E3-6F6C6D766434}" dt="2018-09-11T19:59:08.193" v="32"/>
+      <pc:docMkLst>
+        <pc:docMk/>
+      </pc:docMkLst>
+      <pc:sldChg chg="addSp delSp modSp modAnim">
+        <pc:chgData name="Max Meuten" userId="1b66fd4c7ecdcb99" providerId="LiveId" clId="{5634777E-6FEB-4230-B8E3-6F6C6D766434}" dt="2018-09-11T19:59:08.193" v="32"/>
+        <pc:sldMkLst>
+          <pc:docMk/>
+          <pc:sldMk cId="4151325810" sldId="268"/>
+        </pc:sldMkLst>
+        <pc:spChg chg="mod">
+          <ac:chgData name="Max Meuten" userId="1b66fd4c7ecdcb99" providerId="LiveId" clId="{5634777E-6FEB-4230-B8E3-6F6C6D766434}" dt="2018-09-11T19:44:17.900" v="3" actId="1037"/>
+          <ac:spMkLst>
+            <pc:docMk/>
+            <pc:sldMk cId="4151325810" sldId="268"/>
+            <ac:spMk id="21" creationId="{3D19657A-5951-4B2D-97C6-6EC33ADE866A}"/>
+          </ac:spMkLst>
+        </pc:spChg>
+        <pc:spChg chg="mod">
+          <ac:chgData name="Max Meuten" userId="1b66fd4c7ecdcb99" providerId="LiveId" clId="{5634777E-6FEB-4230-B8E3-6F6C6D766434}" dt="2018-09-11T19:44:17.900" v="3" actId="1037"/>
+          <ac:spMkLst>
+            <pc:docMk/>
+            <pc:sldMk cId="4151325810" sldId="268"/>
+            <ac:spMk id="33" creationId="{013F1506-8920-4D00-AFE8-C6AC935CDBF3}"/>
+          </ac:spMkLst>
+        </pc:spChg>
+        <pc:spChg chg="mod">
+          <ac:chgData name="Max Meuten" userId="1b66fd4c7ecdcb99" providerId="LiveId" clId="{5634777E-6FEB-4230-B8E3-6F6C6D766434}" dt="2018-09-11T19:44:17.900" v="3" actId="1037"/>
+          <ac:spMkLst>
+            <pc:docMk/>
+            <pc:sldMk cId="4151325810" sldId="268"/>
+            <ac:spMk id="38" creationId="{BA18A425-7D19-4D91-AFB6-423DEC2A83CC}"/>
+          </ac:spMkLst>
+        </pc:spChg>
+        <pc:spChg chg="mod">
+          <ac:chgData name="Max Meuten" userId="1b66fd4c7ecdcb99" providerId="LiveId" clId="{5634777E-6FEB-4230-B8E3-6F6C6D766434}" dt="2018-09-11T19:44:17.900" v="3" actId="1037"/>
+          <ac:spMkLst>
+            <pc:docMk/>
+            <pc:sldMk cId="4151325810" sldId="268"/>
+            <ac:spMk id="39" creationId="{AAA6AD2F-73FF-4FB3-9B78-3058874EB2E9}"/>
+          </ac:spMkLst>
+        </pc:spChg>
+        <pc:graphicFrameChg chg="mod">
+          <ac:chgData name="Max Meuten" userId="1b66fd4c7ecdcb99" providerId="LiveId" clId="{5634777E-6FEB-4230-B8E3-6F6C6D766434}" dt="2018-09-11T19:44:17.900" v="3" actId="1037"/>
+          <ac:graphicFrameMkLst>
+            <pc:docMk/>
+            <pc:sldMk cId="4151325810" sldId="268"/>
+            <ac:graphicFrameMk id="36" creationId="{BE5D258A-096B-48E0-ACC0-A9130CAFE418}"/>
+          </ac:graphicFrameMkLst>
+        </pc:graphicFrameChg>
+        <pc:picChg chg="add mod ord">
+          <ac:chgData name="Max Meuten" userId="1b66fd4c7ecdcb99" providerId="LiveId" clId="{5634777E-6FEB-4230-B8E3-6F6C6D766434}" dt="2018-09-11T19:58:16.615" v="26" actId="167"/>
+          <ac:picMkLst>
+            <pc:docMk/>
+            <pc:sldMk cId="4151325810" sldId="268"/>
+            <ac:picMk id="2" creationId="{C9B109E3-A894-41BA-AAB1-27CA63B9F382}"/>
+          </ac:picMkLst>
+        </pc:picChg>
+        <pc:picChg chg="del">
+          <ac:chgData name="Max Meuten" userId="1b66fd4c7ecdcb99" providerId="LiveId" clId="{5634777E-6FEB-4230-B8E3-6F6C6D766434}" dt="2018-09-11T19:58:22.194" v="30" actId="478"/>
+          <ac:picMkLst>
+            <pc:docMk/>
+            <pc:sldMk cId="4151325810" sldId="268"/>
+            <ac:picMk id="7" creationId="{1CCD5DC9-F77A-4645-84A5-6F2FB2119FE2}"/>
+          </ac:picMkLst>
+        </pc:picChg>
+        <pc:picChg chg="mod">
+          <ac:chgData name="Max Meuten" userId="1b66fd4c7ecdcb99" providerId="LiveId" clId="{5634777E-6FEB-4230-B8E3-6F6C6D766434}" dt="2018-09-11T19:44:17.900" v="3" actId="1037"/>
+          <ac:picMkLst>
+            <pc:docMk/>
+            <pc:sldMk cId="4151325810" sldId="268"/>
+            <ac:picMk id="8" creationId="{A7345DE6-A713-4F65-9B23-1B5F9C8D1FE8}"/>
+          </ac:picMkLst>
+        </pc:picChg>
+        <pc:picChg chg="del">
+          <ac:chgData name="Max Meuten" userId="1b66fd4c7ecdcb99" providerId="LiveId" clId="{5634777E-6FEB-4230-B8E3-6F6C6D766434}" dt="2018-09-11T19:58:20.075" v="28" actId="478"/>
+          <ac:picMkLst>
+            <pc:docMk/>
+            <pc:sldMk cId="4151325810" sldId="268"/>
+            <ac:picMk id="9" creationId="{4687F255-3C0A-47C0-A962-C09A1F111D73}"/>
+          </ac:picMkLst>
+        </pc:picChg>
+        <pc:picChg chg="mod">
+          <ac:chgData name="Max Meuten" userId="1b66fd4c7ecdcb99" providerId="LiveId" clId="{5634777E-6FEB-4230-B8E3-6F6C6D766434}" dt="2018-09-11T19:44:17.900" v="3" actId="1037"/>
+          <ac:picMkLst>
+            <pc:docMk/>
+            <pc:sldMk cId="4151325810" sldId="268"/>
+            <ac:picMk id="13" creationId="{D947B54F-1B62-4BB8-B38A-E47A7547A80D}"/>
+          </ac:picMkLst>
+        </pc:picChg>
+        <pc:picChg chg="del mod">
+          <ac:chgData name="Max Meuten" userId="1b66fd4c7ecdcb99" providerId="LiveId" clId="{5634777E-6FEB-4230-B8E3-6F6C6D766434}" dt="2018-09-11T19:58:06.746" v="22" actId="478"/>
+          <ac:picMkLst>
+            <pc:docMk/>
+            <pc:sldMk cId="4151325810" sldId="268"/>
+            <ac:picMk id="15" creationId="{35EE15F7-CFFA-4DAE-8503-A3DC7591CC10}"/>
+          </ac:picMkLst>
+        </pc:picChg>
+        <pc:picChg chg="mod">
+          <ac:chgData name="Max Meuten" userId="1b66fd4c7ecdcb99" providerId="LiveId" clId="{5634777E-6FEB-4230-B8E3-6F6C6D766434}" dt="2018-09-11T19:44:17.900" v="3" actId="1037"/>
+          <ac:picMkLst>
+            <pc:docMk/>
+            <pc:sldMk cId="4151325810" sldId="268"/>
+            <ac:picMk id="19" creationId="{B20FACBA-9CB9-45A3-8A1E-C2B5BA029B6C}"/>
+          </ac:picMkLst>
+        </pc:picChg>
+        <pc:picChg chg="del">
+          <ac:chgData name="Max Meuten" userId="1b66fd4c7ecdcb99" providerId="LiveId" clId="{5634777E-6FEB-4230-B8E3-6F6C6D766434}" dt="2018-09-11T19:58:18.914" v="27" actId="478"/>
+          <ac:picMkLst>
+            <pc:docMk/>
+            <pc:sldMk cId="4151325810" sldId="268"/>
+            <ac:picMk id="23" creationId="{CAF85C63-32BE-4249-8D76-9F0CB7FFCC6E}"/>
+          </ac:picMkLst>
+        </pc:picChg>
+        <pc:picChg chg="del mod">
+          <ac:chgData name="Max Meuten" userId="1b66fd4c7ecdcb99" providerId="LiveId" clId="{5634777E-6FEB-4230-B8E3-6F6C6D766434}" dt="2018-09-11T19:58:20.993" v="29" actId="478"/>
+          <ac:picMkLst>
+            <pc:docMk/>
+            <pc:sldMk cId="4151325810" sldId="268"/>
+            <ac:picMk id="25" creationId="{D18D3B9A-C449-4783-AB03-2A9B6BCA57A3}"/>
+          </ac:picMkLst>
+        </pc:picChg>
+      </pc:sldChg>
+    </pc:docChg>
+  </pc:docChgLst>
+</pc:chgInfo>
+</file>
+
 <file path=ppt/slideLayouts/slideLayout1.xml><?xml version="1.0" encoding="utf-8"?>
 <p:sldLayout xmlns:a="http://schemas.openxmlformats.org/drawingml/2006/main" xmlns:r="http://schemas.openxmlformats.org/officeDocument/2006/relationships" xmlns:p="http://schemas.openxmlformats.org/presentationml/2006/main" type="title" preserve="1">
   <p:cSld name="Titelfolie">
@@ -271,7 +412,7 @@
           <a:p>
             <a:fld id="{C68B15F9-1F71-4A1B-8F45-AFDC7418A1CD}" type="datetimeFigureOut">
               <a:rPr lang="de-DE" smtClean="0"/>
-              <a:t>10.09.2018</a:t>
+              <a:t>11.09.2018</a:t>
             </a:fld>
             <a:endParaRPr lang="de-DE"/>
           </a:p>
@@ -469,7 +610,7 @@
           <a:p>
             <a:fld id="{C68B15F9-1F71-4A1B-8F45-AFDC7418A1CD}" type="datetimeFigureOut">
               <a:rPr lang="de-DE" smtClean="0"/>
-              <a:t>10.09.2018</a:t>
+              <a:t>11.09.2018</a:t>
             </a:fld>
             <a:endParaRPr lang="de-DE"/>
           </a:p>
@@ -677,7 +818,7 @@
           <a:p>
             <a:fld id="{C68B15F9-1F71-4A1B-8F45-AFDC7418A1CD}" type="datetimeFigureOut">
               <a:rPr lang="de-DE" smtClean="0"/>
-              <a:t>10.09.2018</a:t>
+              <a:t>11.09.2018</a:t>
             </a:fld>
             <a:endParaRPr lang="de-DE"/>
           </a:p>
@@ -875,7 +1016,7 @@
           <a:p>
             <a:fld id="{C68B15F9-1F71-4A1B-8F45-AFDC7418A1CD}" type="datetimeFigureOut">
               <a:rPr lang="de-DE" smtClean="0"/>
-              <a:t>10.09.2018</a:t>
+              <a:t>11.09.2018</a:t>
             </a:fld>
             <a:endParaRPr lang="de-DE"/>
           </a:p>
@@ -1150,7 +1291,7 @@
           <a:p>
             <a:fld id="{C68B15F9-1F71-4A1B-8F45-AFDC7418A1CD}" type="datetimeFigureOut">
               <a:rPr lang="de-DE" smtClean="0"/>
-              <a:t>10.09.2018</a:t>
+              <a:t>11.09.2018</a:t>
             </a:fld>
             <a:endParaRPr lang="de-DE"/>
           </a:p>
@@ -1415,7 +1556,7 @@
           <a:p>
             <a:fld id="{C68B15F9-1F71-4A1B-8F45-AFDC7418A1CD}" type="datetimeFigureOut">
               <a:rPr lang="de-DE" smtClean="0"/>
-              <a:t>10.09.2018</a:t>
+              <a:t>11.09.2018</a:t>
             </a:fld>
             <a:endParaRPr lang="de-DE"/>
           </a:p>
@@ -1827,7 +1968,7 @@
           <a:p>
             <a:fld id="{C68B15F9-1F71-4A1B-8F45-AFDC7418A1CD}" type="datetimeFigureOut">
               <a:rPr lang="de-DE" smtClean="0"/>
-              <a:t>10.09.2018</a:t>
+              <a:t>11.09.2018</a:t>
             </a:fld>
             <a:endParaRPr lang="de-DE"/>
           </a:p>
@@ -1968,7 +2109,7 @@
           <a:p>
             <a:fld id="{C68B15F9-1F71-4A1B-8F45-AFDC7418A1CD}" type="datetimeFigureOut">
               <a:rPr lang="de-DE" smtClean="0"/>
-              <a:t>10.09.2018</a:t>
+              <a:t>11.09.2018</a:t>
             </a:fld>
             <a:endParaRPr lang="de-DE"/>
           </a:p>
@@ -2081,7 +2222,7 @@
           <a:p>
             <a:fld id="{C68B15F9-1F71-4A1B-8F45-AFDC7418A1CD}" type="datetimeFigureOut">
               <a:rPr lang="de-DE" smtClean="0"/>
-              <a:t>10.09.2018</a:t>
+              <a:t>11.09.2018</a:t>
             </a:fld>
             <a:endParaRPr lang="de-DE"/>
           </a:p>
@@ -2392,7 +2533,7 @@
           <a:p>
             <a:fld id="{C68B15F9-1F71-4A1B-8F45-AFDC7418A1CD}" type="datetimeFigureOut">
               <a:rPr lang="de-DE" smtClean="0"/>
-              <a:t>10.09.2018</a:t>
+              <a:t>11.09.2018</a:t>
             </a:fld>
             <a:endParaRPr lang="de-DE"/>
           </a:p>
@@ -2680,7 +2821,7 @@
           <a:p>
             <a:fld id="{C68B15F9-1F71-4A1B-8F45-AFDC7418A1CD}" type="datetimeFigureOut">
               <a:rPr lang="de-DE" smtClean="0"/>
-              <a:t>10.09.2018</a:t>
+              <a:t>11.09.2018</a:t>
             </a:fld>
             <a:endParaRPr lang="de-DE"/>
           </a:p>
@@ -2921,7 +3062,7 @@
           <a:p>
             <a:fld id="{C68B15F9-1F71-4A1B-8F45-AFDC7418A1CD}" type="datetimeFigureOut">
               <a:rPr lang="de-DE" smtClean="0"/>
-              <a:t>10.09.2018</a:t>
+              <a:t>11.09.2018</a:t>
             </a:fld>
             <a:endParaRPr lang="de-DE"/>
           </a:p>
@@ -3340,27 +3481,35 @@
       </p:grpSpPr>
       <p:pic>
         <p:nvPicPr>
-          <p:cNvPr id="15" name="Grafik 14">
-            <a:extLst>
-              <a:ext uri="{FF2B5EF4-FFF2-40B4-BE49-F238E27FC236}">
-                <a16:creationId xmlns:a16="http://schemas.microsoft.com/office/drawing/2014/main" id="{35EE15F7-CFFA-4DAE-8503-A3DC7591CC10}"/>
+          <p:cNvPr id="2" name="2018-09-11 21-56-39">
+            <a:hlinkClick r:id="" action="ppaction://media"/>
+            <a:extLst>
+              <a:ext uri="{FF2B5EF4-FFF2-40B4-BE49-F238E27FC236}">
+                <a16:creationId xmlns:a16="http://schemas.microsoft.com/office/drawing/2014/main" id="{C9B109E3-A894-41BA-AAB1-27CA63B9F382}"/>
               </a:ext>
             </a:extLst>
           </p:cNvPr>
           <p:cNvPicPr>
             <a:picLocks noChangeAspect="1"/>
           </p:cNvPicPr>
-          <p:nvPr/>
+          <p:nvPr>
+            <a:videoFile r:link="rId3"/>
+            <p:extLst>
+              <p:ext uri="{DAA4B4D4-6D71-4841-9C94-3DE7FCFB9230}">
+                <p14:media xmlns:p14="http://schemas.microsoft.com/office/powerpoint/2010/main" r:embed="rId2"/>
+              </p:ext>
+            </p:extLst>
+          </p:nvPr>
         </p:nvPicPr>
         <p:blipFill>
-          <a:blip r:embed="rId3"/>
+          <a:blip r:embed="rId5"/>
           <a:stretch>
             <a:fillRect/>
           </a:stretch>
         </p:blipFill>
         <p:spPr>
           <a:xfrm>
-            <a:off x="0" y="-1361"/>
+            <a:off x="0" y="0"/>
             <a:ext cx="12192000" cy="6858000"/>
           </a:xfrm>
           <a:prstGeom prst="rect">
@@ -3642,7 +3791,7 @@
           <p:nvPr/>
         </p:nvPicPr>
         <p:blipFill>
-          <a:blip r:embed="rId4">
+          <a:blip r:embed="rId6">
             <a:extLst>
               <a:ext uri="{28A0092B-C50C-407E-A947-70E740481C1C}">
                 <a14:useLocalDpi xmlns:a14="http://schemas.microsoft.com/office/drawing/2010/main" val="0"/>
@@ -3755,78 +3904,6 @@
           </a:p>
         </p:txBody>
       </p:sp>
-      <p:pic>
-        <p:nvPicPr>
-          <p:cNvPr id="7" name="Grafik 6">
-            <a:extLst>
-              <a:ext uri="{FF2B5EF4-FFF2-40B4-BE49-F238E27FC236}">
-                <a16:creationId xmlns:a16="http://schemas.microsoft.com/office/drawing/2014/main" id="{1CCD5DC9-F77A-4645-84A5-6F2FB2119FE2}"/>
-              </a:ext>
-            </a:extLst>
-          </p:cNvPr>
-          <p:cNvPicPr>
-            <a:picLocks noChangeAspect="1"/>
-          </p:cNvPicPr>
-          <p:nvPr/>
-        </p:nvPicPr>
-        <p:blipFill>
-          <a:blip r:embed="rId5">
-            <a:extLst>
-              <a:ext uri="{28A0092B-C50C-407E-A947-70E740481C1C}">
-                <a14:useLocalDpi xmlns:a14="http://schemas.microsoft.com/office/drawing/2010/main" val="0"/>
-              </a:ext>
-            </a:extLst>
-          </a:blip>
-          <a:stretch>
-            <a:fillRect/>
-          </a:stretch>
-        </p:blipFill>
-        <p:spPr>
-          <a:xfrm rot="3675813" flipH="1">
-            <a:off x="6153019" y="5197387"/>
-            <a:ext cx="236100" cy="222651"/>
-          </a:xfrm>
-          <a:prstGeom prst="rect">
-            <a:avLst/>
-          </a:prstGeom>
-        </p:spPr>
-      </p:pic>
-      <p:pic>
-        <p:nvPicPr>
-          <p:cNvPr id="9" name="Grafik 8">
-            <a:extLst>
-              <a:ext uri="{FF2B5EF4-FFF2-40B4-BE49-F238E27FC236}">
-                <a16:creationId xmlns:a16="http://schemas.microsoft.com/office/drawing/2014/main" id="{4687F255-3C0A-47C0-A962-C09A1F111D73}"/>
-              </a:ext>
-            </a:extLst>
-          </p:cNvPr>
-          <p:cNvPicPr>
-            <a:picLocks noChangeAspect="1"/>
-          </p:cNvPicPr>
-          <p:nvPr/>
-        </p:nvPicPr>
-        <p:blipFill>
-          <a:blip r:embed="rId6">
-            <a:extLst>
-              <a:ext uri="{28A0092B-C50C-407E-A947-70E740481C1C}">
-                <a14:useLocalDpi xmlns:a14="http://schemas.microsoft.com/office/drawing/2010/main" val="0"/>
-              </a:ext>
-            </a:extLst>
-          </a:blip>
-          <a:stretch>
-            <a:fillRect/>
-          </a:stretch>
-        </p:blipFill>
-        <p:spPr>
-          <a:xfrm rot="12485512" flipH="1">
-            <a:off x="4444543" y="1876605"/>
-            <a:ext cx="236100" cy="224146"/>
-          </a:xfrm>
-          <a:prstGeom prst="rect">
-            <a:avLst/>
-          </a:prstGeom>
-        </p:spPr>
-      </p:pic>
       <p:sp>
         <p:nvSpPr>
           <p:cNvPr id="26" name="Rechteck: abgerundete Ecken 25">
@@ -3878,7 +3955,7 @@
               </a:spcBef>
               <a:buSzPct val="100000"/>
               <a:buBlip>
-                <a:blip r:embed="rId5">
+                <a:blip r:embed="rId7">
                   <a:extLst/>
                 </a:blip>
               </a:buBlip>
@@ -3901,7 +3978,7 @@
               </a:spcBef>
               <a:buSzPct val="100000"/>
               <a:buBlip>
-                <a:blip r:embed="rId6">
+                <a:blip r:embed="rId8">
                   <a:extLst/>
                 </a:blip>
               </a:buBlip>
@@ -3943,7 +4020,7 @@
               </a:spcBef>
               <a:buSzPct val="100000"/>
               <a:buBlip>
-                <a:blip r:embed="rId5">
+                <a:blip r:embed="rId7">
                   <a:extLst/>
                 </a:blip>
               </a:buBlip>
@@ -4005,7 +4082,7 @@
               </a:spcBef>
               <a:buSzPct val="100000"/>
               <a:buBlip>
-                <a:blip r:embed="rId6">
+                <a:blip r:embed="rId8">
                   <a:extLst/>
                 </a:blip>
               </a:buBlip>
@@ -4032,10 +4109,10 @@
       </p:sp>
       <p:pic>
         <p:nvPicPr>
-          <p:cNvPr id="25" name="Grafik 24">
-            <a:extLst>
-              <a:ext uri="{FF2B5EF4-FFF2-40B4-BE49-F238E27FC236}">
-                <a16:creationId xmlns:a16="http://schemas.microsoft.com/office/drawing/2014/main" id="{D18D3B9A-C449-4783-AB03-2A9B6BCA57A3}"/>
+          <p:cNvPr id="3" name="Grafik 2">
+            <a:extLst>
+              <a:ext uri="{FF2B5EF4-FFF2-40B4-BE49-F238E27FC236}">
+                <a16:creationId xmlns:a16="http://schemas.microsoft.com/office/drawing/2014/main" id="{FAB2DFFB-9574-48A1-B6DA-817864161632}"/>
               </a:ext>
             </a:extLst>
           </p:cNvPr>
@@ -4045,49 +4122,13 @@
           <p:nvPr/>
         </p:nvPicPr>
         <p:blipFill>
-          <a:blip r:embed="rId7">
+          <a:blip r:embed="rId9">
             <a:extLst>
               <a:ext uri="{28A0092B-C50C-407E-A947-70E740481C1C}">
                 <a14:useLocalDpi xmlns:a14="http://schemas.microsoft.com/office/drawing/2010/main" val="0"/>
               </a:ext>
-            </a:extLst>
-          </a:blip>
-          <a:stretch>
-            <a:fillRect/>
-          </a:stretch>
-        </p:blipFill>
-        <p:spPr>
-          <a:xfrm rot="18966006" flipH="1">
-            <a:off x="7355229" y="2066823"/>
-            <a:ext cx="234525" cy="222651"/>
-          </a:xfrm>
-          <a:prstGeom prst="rect">
-            <a:avLst/>
-          </a:prstGeom>
-        </p:spPr>
-      </p:pic>
-      <p:pic>
-        <p:nvPicPr>
-          <p:cNvPr id="3" name="Grafik 2">
-            <a:extLst>
-              <a:ext uri="{FF2B5EF4-FFF2-40B4-BE49-F238E27FC236}">
-                <a16:creationId xmlns:a16="http://schemas.microsoft.com/office/drawing/2014/main" id="{FAB2DFFB-9574-48A1-B6DA-817864161632}"/>
-              </a:ext>
-            </a:extLst>
-          </p:cNvPr>
-          <p:cNvPicPr>
-            <a:picLocks noChangeAspect="1"/>
-          </p:cNvPicPr>
-          <p:nvPr/>
-        </p:nvPicPr>
-        <p:blipFill>
-          <a:blip r:embed="rId8">
-            <a:extLst>
-              <a:ext uri="{28A0092B-C50C-407E-A947-70E740481C1C}">
-                <a14:useLocalDpi xmlns:a14="http://schemas.microsoft.com/office/drawing/2010/main" val="0"/>
-              </a:ext>
               <a:ext uri="{96DAC541-7B7A-43D3-8B79-37D633B846F1}">
-                <asvg:svgBlip xmlns:asvg="http://schemas.microsoft.com/office/drawing/2016/SVG/main" r:embed="rId9"/>
+                <asvg:svgBlip xmlns:asvg="http://schemas.microsoft.com/office/drawing/2016/SVG/main" r:embed="rId10"/>
               </a:ext>
             </a:extLst>
           </a:blip>
@@ -4099,42 +4140,6 @@
           <a:xfrm>
             <a:off x="3980433" y="163937"/>
             <a:ext cx="3750675" cy="937668"/>
-          </a:xfrm>
-          <a:prstGeom prst="rect">
-            <a:avLst/>
-          </a:prstGeom>
-        </p:spPr>
-      </p:pic>
-      <p:pic>
-        <p:nvPicPr>
-          <p:cNvPr id="23" name="Grafik 22">
-            <a:extLst>
-              <a:ext uri="{FF2B5EF4-FFF2-40B4-BE49-F238E27FC236}">
-                <a16:creationId xmlns:a16="http://schemas.microsoft.com/office/drawing/2014/main" id="{CAF85C63-32BE-4249-8D76-9F0CB7FFCC6E}"/>
-              </a:ext>
-            </a:extLst>
-          </p:cNvPr>
-          <p:cNvPicPr>
-            <a:picLocks noChangeAspect="1"/>
-          </p:cNvPicPr>
-          <p:nvPr/>
-        </p:nvPicPr>
-        <p:blipFill>
-          <a:blip r:embed="rId10">
-            <a:extLst>
-              <a:ext uri="{28A0092B-C50C-407E-A947-70E740481C1C}">
-                <a14:useLocalDpi xmlns:a14="http://schemas.microsoft.com/office/drawing/2010/main" val="0"/>
-              </a:ext>
-            </a:extLst>
-          </a:blip>
-          <a:stretch>
-            <a:fillRect/>
-          </a:stretch>
-        </p:blipFill>
-        <p:spPr>
-          <a:xfrm rot="9955649" flipH="1">
-            <a:off x="2726622" y="3021453"/>
-            <a:ext cx="234525" cy="222650"/>
           </a:xfrm>
           <a:prstGeom prst="rect">
             <a:avLst/>
@@ -4415,7 +4420,7 @@
           <a:graphicData uri="http://schemas.openxmlformats.org/presentationml/2006/ole">
             <mc:AlternateContent xmlns:mc="http://schemas.openxmlformats.org/markup-compatibility/2006">
               <mc:Choice xmlns:v="urn:schemas-microsoft-com:vml" Requires="v">
-                <p:oleObj spid="_x0000_s3098" name="Image" r:id="rId14" imgW="431640" imgH="431640" progId="Photoshop.Image.16">
+                <p:oleObj spid="_x0000_s1026" name="Image" r:id="rId14" imgW="431640" imgH="431640" progId="Photoshop.Image.16">
                   <p:embed/>
                 </p:oleObj>
               </mc:Choice>
@@ -4484,7 +4489,7 @@
           <a:graphicData uri="http://schemas.openxmlformats.org/presentationml/2006/ole">
             <mc:AlternateContent xmlns:mc="http://schemas.openxmlformats.org/markup-compatibility/2006">
               <mc:Choice xmlns:v="urn:schemas-microsoft-com:vml" Requires="v">
-                <p:oleObj spid="_x0000_s3099" name="Image" r:id="rId16" imgW="431640" imgH="431640" progId="Photoshop.Image.16">
+                <p:oleObj spid="_x0000_s1027" name="Image" r:id="rId16" imgW="431640" imgH="431640" progId="Photoshop.Image.16">
                   <p:embed/>
                 </p:oleObj>
               </mc:Choice>
@@ -4711,7 +4716,7 @@
         </p:nvSpPr>
         <p:spPr>
           <a:xfrm>
-            <a:off x="8663485" y="747600"/>
+            <a:off x="8646393" y="730508"/>
             <a:ext cx="3643312" cy="2468568"/>
           </a:xfrm>
           <a:prstGeom prst="roundRect">
@@ -4748,7 +4753,7 @@
               </a:spcBef>
               <a:buSzPct val="100000"/>
               <a:buBlip>
-                <a:blip r:embed="rId5">
+                <a:blip r:embed="rId7">
                   <a:extLst/>
                 </a:blip>
               </a:buBlip>
@@ -4781,7 +4786,7 @@
               </a:spcBef>
               <a:buSzPct val="100000"/>
               <a:buBlip>
-                <a:blip r:embed="rId5">
+                <a:blip r:embed="rId7">
                   <a:extLst/>
                 </a:blip>
               </a:buBlip>
@@ -4824,7 +4829,7 @@
               </a:spcBef>
               <a:buSzPct val="100000"/>
               <a:buBlip>
-                <a:blip r:embed="rId6">
+                <a:blip r:embed="rId8">
                   <a:extLst/>
                 </a:blip>
               </a:buBlip>
@@ -4887,7 +4892,7 @@
               </a:spcBef>
               <a:buSzPct val="100000"/>
               <a:buBlip>
-                <a:blip r:embed="rId5">
+                <a:blip r:embed="rId7">
                   <a:extLst/>
                 </a:blip>
               </a:buBlip>
@@ -4987,20 +4992,20 @@
           <p:nvPr>
             <p:extLst>
               <p:ext uri="{D42A27DB-BD31-4B8C-83A1-F6EECF244321}">
-                <p14:modId xmlns:p14="http://schemas.microsoft.com/office/powerpoint/2010/main" val="2564711065"/>
+                <p14:modId xmlns:p14="http://schemas.microsoft.com/office/powerpoint/2010/main" val="2643259957"/>
               </p:ext>
             </p:extLst>
           </p:nvPr>
         </p:nvGraphicFramePr>
         <p:xfrm>
-          <a:off x="8777896" y="2039888"/>
+          <a:off x="8760804" y="2022796"/>
           <a:ext cx="212385" cy="212385"/>
         </p:xfrm>
         <a:graphic>
           <a:graphicData uri="http://schemas.openxmlformats.org/presentationml/2006/ole">
             <mc:AlternateContent xmlns:mc="http://schemas.openxmlformats.org/markup-compatibility/2006">
               <mc:Choice xmlns:v="urn:schemas-microsoft-com:vml" Requires="v">
-                <p:oleObj spid="_x0000_s3100" name="Image" r:id="rId16" imgW="431640" imgH="431640" progId="Photoshop.Image.16">
+                <p:oleObj spid="_x0000_s1028" name="Image" r:id="rId16" imgW="431640" imgH="431640" progId="Photoshop.Image.16">
                   <p:embed/>
                 </p:oleObj>
               </mc:Choice>
@@ -5009,10 +5014,10 @@
                   <p:embed/>
                   <p:pic>
                     <p:nvPicPr>
-                      <p:cNvPr id="44" name="Objekt 43">
+                      <p:cNvPr id="36" name="Objekt 35">
                         <a:extLst>
                           <a:ext uri="{FF2B5EF4-FFF2-40B4-BE49-F238E27FC236}">
-                            <a16:creationId xmlns:a16="http://schemas.microsoft.com/office/drawing/2014/main" id="{FAF5442B-65B6-4A83-B799-2639AE20B3D5}"/>
+                            <a16:creationId xmlns:a16="http://schemas.microsoft.com/office/drawing/2014/main" id="{BE5D258A-096B-48E0-ACC0-A9130CAFE418}"/>
                           </a:ext>
                         </a:extLst>
                       </p:cNvPr>
@@ -5027,7 +5032,7 @@
                     </p:blipFill>
                     <p:spPr>
                       <a:xfrm>
-                        <a:off x="8777896" y="2039888"/>
+                        <a:off x="8760804" y="2022796"/>
                         <a:ext cx="212385" cy="212385"/>
                       </a:xfrm>
                       <a:prstGeom prst="rect">
@@ -5125,7 +5130,7 @@
         </p:nvSpPr>
         <p:spPr>
           <a:xfrm>
-            <a:off x="8767000" y="2617317"/>
+            <a:off x="8749908" y="2600225"/>
             <a:ext cx="212385" cy="212385"/>
           </a:xfrm>
           <a:prstGeom prst="rect">
@@ -5194,7 +5199,7 @@
         </p:blipFill>
         <p:spPr>
           <a:xfrm>
-            <a:off x="8810555" y="2637876"/>
+            <a:off x="8793463" y="2620784"/>
             <a:ext cx="143422" cy="143422"/>
           </a:xfrm>
           <a:prstGeom prst="rect">
@@ -5216,7 +5221,7 @@
         </p:nvSpPr>
         <p:spPr>
           <a:xfrm>
-            <a:off x="8765180" y="1738163"/>
+            <a:off x="8748088" y="1721071"/>
             <a:ext cx="212385" cy="212385"/>
           </a:xfrm>
           <a:prstGeom prst="rect">
@@ -5285,7 +5290,7 @@
         </p:blipFill>
         <p:spPr>
           <a:xfrm>
-            <a:off x="8777802" y="1767114"/>
+            <a:off x="8760710" y="1750022"/>
             <a:ext cx="167104" cy="167104"/>
           </a:xfrm>
           <a:prstGeom prst="rect">
@@ -5307,7 +5312,7 @@
         </p:nvSpPr>
         <p:spPr>
           <a:xfrm>
-            <a:off x="8741592" y="1177041"/>
+            <a:off x="8724500" y="1159949"/>
             <a:ext cx="212385" cy="212385"/>
           </a:xfrm>
           <a:prstGeom prst="rect">
@@ -5376,7 +5381,7 @@
         </p:blipFill>
         <p:spPr>
           <a:xfrm>
-            <a:off x="8800827" y="1203777"/>
+            <a:off x="8783735" y="1186685"/>
             <a:ext cx="135010" cy="135010"/>
           </a:xfrm>
           <a:prstGeom prst="rect">
@@ -5394,6 +5399,144 @@
   <p:clrMapOvr>
     <a:masterClrMapping/>
   </p:clrMapOvr>
+  <p:timing>
+    <p:tnLst>
+      <p:par>
+        <p:cTn id="1" dur="indefinite" restart="never" nodeType="tmRoot">
+          <p:childTnLst>
+            <p:seq concurrent="1" nextAc="seek">
+              <p:cTn id="2" dur="indefinite" nodeType="mainSeq">
+                <p:childTnLst>
+                  <p:par>
+                    <p:cTn id="3" fill="hold">
+                      <p:stCondLst>
+                        <p:cond delay="indefinite"/>
+                        <p:cond evt="onBegin" delay="0">
+                          <p:tn val="2"/>
+                        </p:cond>
+                      </p:stCondLst>
+                      <p:childTnLst>
+                        <p:par>
+                          <p:cTn id="4" fill="hold">
+                            <p:stCondLst>
+                              <p:cond delay="0"/>
+                            </p:stCondLst>
+                            <p:childTnLst>
+                              <p:par>
+                                <p:cTn id="5" presetID="1" presetClass="mediacall" presetSubtype="0" fill="hold" nodeType="afterEffect">
+                                  <p:stCondLst>
+                                    <p:cond delay="0"/>
+                                  </p:stCondLst>
+                                  <p:childTnLst>
+                                    <p:cmd type="call" cmd="playFrom(0.0)">
+                                      <p:cBhvr>
+                                        <p:cTn id="6" dur="38550" fill="hold"/>
+                                        <p:tgtEl>
+                                          <p:spTgt spid="2"/>
+                                        </p:tgtEl>
+                                      </p:cBhvr>
+                                    </p:cmd>
+                                  </p:childTnLst>
+                                </p:cTn>
+                              </p:par>
+                            </p:childTnLst>
+                          </p:cTn>
+                        </p:par>
+                      </p:childTnLst>
+                    </p:cTn>
+                  </p:par>
+                </p:childTnLst>
+              </p:cTn>
+              <p:prevCondLst>
+                <p:cond evt="onPrev" delay="0">
+                  <p:tgtEl>
+                    <p:sldTgt/>
+                  </p:tgtEl>
+                </p:cond>
+              </p:prevCondLst>
+              <p:nextCondLst>
+                <p:cond evt="onNext" delay="0">
+                  <p:tgtEl>
+                    <p:sldTgt/>
+                  </p:tgtEl>
+                </p:cond>
+              </p:nextCondLst>
+            </p:seq>
+            <p:video>
+              <p:cMediaNode vol="80000">
+                <p:cTn id="7" repeatCount="indefinite" fill="hold" display="0">
+                  <p:stCondLst>
+                    <p:cond delay="indefinite"/>
+                  </p:stCondLst>
+                </p:cTn>
+                <p:tgtEl>
+                  <p:spTgt spid="2"/>
+                </p:tgtEl>
+              </p:cMediaNode>
+            </p:video>
+            <p:seq concurrent="1" nextAc="seek">
+              <p:cTn id="8" restart="whenNotActive" fill="hold" evtFilter="cancelBubble" nodeType="interactiveSeq">
+                <p:stCondLst>
+                  <p:cond evt="onClick" delay="0">
+                    <p:tgtEl>
+                      <p:spTgt spid="2"/>
+                    </p:tgtEl>
+                  </p:cond>
+                </p:stCondLst>
+                <p:endSync evt="end" delay="0">
+                  <p:rtn val="all"/>
+                </p:endSync>
+                <p:childTnLst>
+                  <p:par>
+                    <p:cTn id="9" fill="hold">
+                      <p:stCondLst>
+                        <p:cond delay="0"/>
+                      </p:stCondLst>
+                      <p:childTnLst>
+                        <p:par>
+                          <p:cTn id="10" fill="hold">
+                            <p:stCondLst>
+                              <p:cond delay="0"/>
+                            </p:stCondLst>
+                            <p:childTnLst>
+                              <p:par>
+                                <p:cTn id="11" presetID="2" presetClass="mediacall" presetSubtype="0" fill="hold" nodeType="clickEffect">
+                                  <p:stCondLst>
+                                    <p:cond delay="0"/>
+                                  </p:stCondLst>
+                                  <p:childTnLst>
+                                    <p:cmd type="call" cmd="togglePause">
+                                      <p:cBhvr>
+                                        <p:cTn id="12" dur="1" fill="hold"/>
+                                        <p:tgtEl>
+                                          <p:spTgt spid="2"/>
+                                        </p:tgtEl>
+                                      </p:cBhvr>
+                                    </p:cmd>
+                                  </p:childTnLst>
+                                </p:cTn>
+                              </p:par>
+                            </p:childTnLst>
+                          </p:cTn>
+                        </p:par>
+                      </p:childTnLst>
+                    </p:cTn>
+                  </p:par>
+                </p:childTnLst>
+              </p:cTn>
+              <p:nextCondLst>
+                <p:cond evt="onClick" delay="0">
+                  <p:tgtEl>
+                    <p:spTgt spid="2"/>
+                  </p:tgtEl>
+                </p:cond>
+              </p:nextCondLst>
+            </p:seq>
+          </p:childTnLst>
+        </p:cTn>
+      </p:par>
+    </p:tnLst>
+  </p:timing>
 </p:sld>
 </file>
 

--- a/media/Panzer Party.pptx
+++ b/media/Panzer Party.pptx
@@ -127,7 +127,7 @@
 <file path=ppt/revisionInfo.xml><?xml version="1.0" encoding="utf-8"?>
 <p1510:revInfo xmlns:a="http://schemas.openxmlformats.org/drawingml/2006/main" xmlns:r="http://schemas.openxmlformats.org/officeDocument/2006/relationships" xmlns:p1510="http://schemas.microsoft.com/office/powerpoint/2015/10/main">
   <p1510:revLst>
-    <p1510:client id="{5634777E-6FEB-4230-B8E3-6F6C6D766434}" v="34" dt="2018-09-11T19:59:08.193"/>
+    <p1510:client id="{5634777E-6FEB-4230-B8E3-6F6C6D766434}" v="73" dt="2018-09-12T03:56:19.612"/>
   </p1510:revLst>
 </p1510:revInfo>
 </file>
@@ -137,12 +137,12 @@
   <pc:docChgLst>
     <pc:chgData name="Max Meuten" userId="1b66fd4c7ecdcb99" providerId="LiveId" clId="{5634777E-6FEB-4230-B8E3-6F6C6D766434}"/>
     <pc:docChg chg="custSel modSld">
-      <pc:chgData name="Max Meuten" userId="1b66fd4c7ecdcb99" providerId="LiveId" clId="{5634777E-6FEB-4230-B8E3-6F6C6D766434}" dt="2018-09-11T19:59:08.193" v="32"/>
+      <pc:chgData name="Max Meuten" userId="1b66fd4c7ecdcb99" providerId="LiveId" clId="{5634777E-6FEB-4230-B8E3-6F6C6D766434}" dt="2018-09-12T03:55:54.544" v="70" actId="167"/>
       <pc:docMkLst>
         <pc:docMk/>
       </pc:docMkLst>
-      <pc:sldChg chg="addSp delSp modSp modAnim">
-        <pc:chgData name="Max Meuten" userId="1b66fd4c7ecdcb99" providerId="LiveId" clId="{5634777E-6FEB-4230-B8E3-6F6C6D766434}" dt="2018-09-11T19:59:08.193" v="32"/>
+      <pc:sldChg chg="addSp delSp modSp delAnim modAnim">
+        <pc:chgData name="Max Meuten" userId="1b66fd4c7ecdcb99" providerId="LiveId" clId="{5634777E-6FEB-4230-B8E3-6F6C6D766434}" dt="2018-09-12T03:55:54.544" v="70" actId="167"/>
         <pc:sldMkLst>
           <pc:docMk/>
           <pc:sldMk cId="4151325810" sldId="268"/>
@@ -187,12 +187,28 @@
             <ac:graphicFrameMk id="36" creationId="{BE5D258A-096B-48E0-ACC0-A9130CAFE418}"/>
           </ac:graphicFrameMkLst>
         </pc:graphicFrameChg>
-        <pc:picChg chg="add mod ord">
-          <ac:chgData name="Max Meuten" userId="1b66fd4c7ecdcb99" providerId="LiveId" clId="{5634777E-6FEB-4230-B8E3-6F6C6D766434}" dt="2018-09-11T19:58:16.615" v="26" actId="167"/>
+        <pc:picChg chg="add del mod ord">
+          <ac:chgData name="Max Meuten" userId="1b66fd4c7ecdcb99" providerId="LiveId" clId="{5634777E-6FEB-4230-B8E3-6F6C6D766434}" dt="2018-09-12T03:55:29.291" v="63" actId="478"/>
           <ac:picMkLst>
             <pc:docMk/>
             <pc:sldMk cId="4151325810" sldId="268"/>
             <ac:picMk id="2" creationId="{C9B109E3-A894-41BA-AAB1-27CA63B9F382}"/>
+          </ac:picMkLst>
+        </pc:picChg>
+        <pc:picChg chg="add del mod">
+          <ac:chgData name="Max Meuten" userId="1b66fd4c7ecdcb99" providerId="LiveId" clId="{5634777E-6FEB-4230-B8E3-6F6C6D766434}" dt="2018-09-12T03:45:01.710" v="62" actId="478"/>
+          <ac:picMkLst>
+            <pc:docMk/>
+            <pc:sldMk cId="4151325810" sldId="268"/>
+            <ac:picMk id="4" creationId="{2B36049F-86FC-4A7C-899B-A240E626D7AF}"/>
+          </ac:picMkLst>
+        </pc:picChg>
+        <pc:picChg chg="add mod ord">
+          <ac:chgData name="Max Meuten" userId="1b66fd4c7ecdcb99" providerId="LiveId" clId="{5634777E-6FEB-4230-B8E3-6F6C6D766434}" dt="2018-09-12T03:55:54.544" v="70" actId="167"/>
+          <ac:picMkLst>
+            <pc:docMk/>
+            <pc:sldMk cId="4151325810" sldId="268"/>
+            <ac:picMk id="4" creationId="{E871C417-233B-4A40-A014-EFE6515CDC90}"/>
           </ac:picMkLst>
         </pc:picChg>
         <pc:picChg chg="del">
@@ -412,7 +428,7 @@
           <a:p>
             <a:fld id="{C68B15F9-1F71-4A1B-8F45-AFDC7418A1CD}" type="datetimeFigureOut">
               <a:rPr lang="de-DE" smtClean="0"/>
-              <a:t>11.09.2018</a:t>
+              <a:t>12.09.2018</a:t>
             </a:fld>
             <a:endParaRPr lang="de-DE"/>
           </a:p>
@@ -610,7 +626,7 @@
           <a:p>
             <a:fld id="{C68B15F9-1F71-4A1B-8F45-AFDC7418A1CD}" type="datetimeFigureOut">
               <a:rPr lang="de-DE" smtClean="0"/>
-              <a:t>11.09.2018</a:t>
+              <a:t>12.09.2018</a:t>
             </a:fld>
             <a:endParaRPr lang="de-DE"/>
           </a:p>
@@ -818,7 +834,7 @@
           <a:p>
             <a:fld id="{C68B15F9-1F71-4A1B-8F45-AFDC7418A1CD}" type="datetimeFigureOut">
               <a:rPr lang="de-DE" smtClean="0"/>
-              <a:t>11.09.2018</a:t>
+              <a:t>12.09.2018</a:t>
             </a:fld>
             <a:endParaRPr lang="de-DE"/>
           </a:p>
@@ -1016,7 +1032,7 @@
           <a:p>
             <a:fld id="{C68B15F9-1F71-4A1B-8F45-AFDC7418A1CD}" type="datetimeFigureOut">
               <a:rPr lang="de-DE" smtClean="0"/>
-              <a:t>11.09.2018</a:t>
+              <a:t>12.09.2018</a:t>
             </a:fld>
             <a:endParaRPr lang="de-DE"/>
           </a:p>
@@ -1291,7 +1307,7 @@
           <a:p>
             <a:fld id="{C68B15F9-1F71-4A1B-8F45-AFDC7418A1CD}" type="datetimeFigureOut">
               <a:rPr lang="de-DE" smtClean="0"/>
-              <a:t>11.09.2018</a:t>
+              <a:t>12.09.2018</a:t>
             </a:fld>
             <a:endParaRPr lang="de-DE"/>
           </a:p>
@@ -1556,7 +1572,7 @@
           <a:p>
             <a:fld id="{C68B15F9-1F71-4A1B-8F45-AFDC7418A1CD}" type="datetimeFigureOut">
               <a:rPr lang="de-DE" smtClean="0"/>
-              <a:t>11.09.2018</a:t>
+              <a:t>12.09.2018</a:t>
             </a:fld>
             <a:endParaRPr lang="de-DE"/>
           </a:p>
@@ -1968,7 +1984,7 @@
           <a:p>
             <a:fld id="{C68B15F9-1F71-4A1B-8F45-AFDC7418A1CD}" type="datetimeFigureOut">
               <a:rPr lang="de-DE" smtClean="0"/>
-              <a:t>11.09.2018</a:t>
+              <a:t>12.09.2018</a:t>
             </a:fld>
             <a:endParaRPr lang="de-DE"/>
           </a:p>
@@ -2109,7 +2125,7 @@
           <a:p>
             <a:fld id="{C68B15F9-1F71-4A1B-8F45-AFDC7418A1CD}" type="datetimeFigureOut">
               <a:rPr lang="de-DE" smtClean="0"/>
-              <a:t>11.09.2018</a:t>
+              <a:t>12.09.2018</a:t>
             </a:fld>
             <a:endParaRPr lang="de-DE"/>
           </a:p>
@@ -2222,7 +2238,7 @@
           <a:p>
             <a:fld id="{C68B15F9-1F71-4A1B-8F45-AFDC7418A1CD}" type="datetimeFigureOut">
               <a:rPr lang="de-DE" smtClean="0"/>
-              <a:t>11.09.2018</a:t>
+              <a:t>12.09.2018</a:t>
             </a:fld>
             <a:endParaRPr lang="de-DE"/>
           </a:p>
@@ -2533,7 +2549,7 @@
           <a:p>
             <a:fld id="{C68B15F9-1F71-4A1B-8F45-AFDC7418A1CD}" type="datetimeFigureOut">
               <a:rPr lang="de-DE" smtClean="0"/>
-              <a:t>11.09.2018</a:t>
+              <a:t>12.09.2018</a:t>
             </a:fld>
             <a:endParaRPr lang="de-DE"/>
           </a:p>
@@ -2821,7 +2837,7 @@
           <a:p>
             <a:fld id="{C68B15F9-1F71-4A1B-8F45-AFDC7418A1CD}" type="datetimeFigureOut">
               <a:rPr lang="de-DE" smtClean="0"/>
-              <a:t>11.09.2018</a:t>
+              <a:t>12.09.2018</a:t>
             </a:fld>
             <a:endParaRPr lang="de-DE"/>
           </a:p>
@@ -3062,7 +3078,7 @@
           <a:p>
             <a:fld id="{C68B15F9-1F71-4A1B-8F45-AFDC7418A1CD}" type="datetimeFigureOut">
               <a:rPr lang="de-DE" smtClean="0"/>
-              <a:t>11.09.2018</a:t>
+              <a:t>12.09.2018</a:t>
             </a:fld>
             <a:endParaRPr lang="de-DE"/>
           </a:p>
@@ -3481,11 +3497,11 @@
       </p:grpSpPr>
       <p:pic>
         <p:nvPicPr>
-          <p:cNvPr id="2" name="2018-09-11 21-56-39">
+          <p:cNvPr id="4" name="ppt_bg">
             <a:hlinkClick r:id="" action="ppaction://media"/>
             <a:extLst>
               <a:ext uri="{FF2B5EF4-FFF2-40B4-BE49-F238E27FC236}">
-                <a16:creationId xmlns:a16="http://schemas.microsoft.com/office/drawing/2014/main" id="{C9B109E3-A894-41BA-AAB1-27CA63B9F382}"/>
+                <a16:creationId xmlns:a16="http://schemas.microsoft.com/office/drawing/2014/main" id="{E871C417-233B-4A40-A014-EFE6515CDC90}"/>
               </a:ext>
             </a:extLst>
           </p:cNvPr>
@@ -3509,7 +3525,7 @@
         </p:blipFill>
         <p:spPr>
           <a:xfrm>
-            <a:off x="0" y="0"/>
+            <a:off x="0" y="-4099"/>
             <a:ext cx="12192000" cy="6858000"/>
           </a:xfrm>
           <a:prstGeom prst="rect">
@@ -5430,9 +5446,9 @@
                                   <p:childTnLst>
                                     <p:cmd type="call" cmd="playFrom(0.0)">
                                       <p:cBhvr>
-                                        <p:cTn id="6" dur="38550" fill="hold"/>
+                                        <p:cTn id="6" dur="40684" fill="hold"/>
                                         <p:tgtEl>
-                                          <p:spTgt spid="2"/>
+                                          <p:spTgt spid="4"/>
                                         </p:tgtEl>
                                       </p:cBhvr>
                                     </p:cmd>
@@ -5463,14 +5479,14 @@
               </p:nextCondLst>
             </p:seq>
             <p:video>
-              <p:cMediaNode vol="80000">
-                <p:cTn id="7" repeatCount="indefinite" fill="hold" display="0">
+              <p:cMediaNode vol="80000" mute="1">
+                <p:cTn id="7" fill="hold" display="0">
                   <p:stCondLst>
                     <p:cond delay="indefinite"/>
                   </p:stCondLst>
                 </p:cTn>
                 <p:tgtEl>
-                  <p:spTgt spid="2"/>
+                  <p:spTgt spid="4"/>
                 </p:tgtEl>
               </p:cMediaNode>
             </p:video>
@@ -5479,7 +5495,7 @@
                 <p:stCondLst>
                   <p:cond evt="onClick" delay="0">
                     <p:tgtEl>
-                      <p:spTgt spid="2"/>
+                      <p:spTgt spid="4"/>
                     </p:tgtEl>
                   </p:cond>
                 </p:stCondLst>
@@ -5509,7 +5525,7 @@
                                       <p:cBhvr>
                                         <p:cTn id="12" dur="1" fill="hold"/>
                                         <p:tgtEl>
-                                          <p:spTgt spid="2"/>
+                                          <p:spTgt spid="4"/>
                                         </p:tgtEl>
                                       </p:cBhvr>
                                     </p:cmd>
@@ -5527,7 +5543,7 @@
               <p:nextCondLst>
                 <p:cond evt="onClick" delay="0">
                   <p:tgtEl>
-                    <p:spTgt spid="2"/>
+                    <p:spTgt spid="4"/>
                   </p:tgtEl>
                 </p:cond>
               </p:nextCondLst>
